--- a/Work in progress/Presentazione/GamesHub.pptx
+++ b/Work in progress/Presentazione/GamesHub.pptx
@@ -61,6 +61,7 @@
     <p:sldId id="305" r:id="rId55"/>
     <p:sldId id="306" r:id="rId56"/>
     <p:sldId id="307" r:id="rId57"/>
+    <p:sldId id="313" r:id="rId58"/>
   </p:sldIdLst>
   <p:sldSz cx="12192000" cy="6858000"/>
   <p:notesSz cx="6858000" cy="9144000"/>
@@ -159,6 +160,11 @@
       </a:defRPr>
     </a:lvl9pPr>
   </p:defaultTextStyle>
+  <p:extLst>
+    <p:ext uri="{EFAFB233-063F-42B5-8137-9DF3F51BA10A}">
+      <p15:sldGuideLst xmlns:p15="http://schemas.microsoft.com/office/powerpoint/2012/main"/>
+    </p:ext>
+  </p:extLst>
 </p:presentation>
 </file>
 
@@ -353,7 +359,7 @@
           <a:p>
             <a:fld id="{D63563A2-AD54-4D65-A279-1B7020A450D2}" type="datetimeFigureOut">
               <a:rPr lang="it-IT" smtClean="0"/>
-              <a:t>15/02/2019</a:t>
+              <a:t>16/02/2019</a:t>
             </a:fld>
             <a:endParaRPr lang="it-IT"/>
           </a:p>
@@ -789,7 +795,7 @@
           <a:p>
             <a:fld id="{D63563A2-AD54-4D65-A279-1B7020A450D2}" type="datetimeFigureOut">
               <a:rPr lang="it-IT" smtClean="0"/>
-              <a:t>15/02/2019</a:t>
+              <a:t>16/02/2019</a:t>
             </a:fld>
             <a:endParaRPr lang="it-IT"/>
           </a:p>
@@ -1039,7 +1045,7 @@
           <a:p>
             <a:fld id="{D63563A2-AD54-4D65-A279-1B7020A450D2}" type="datetimeFigureOut">
               <a:rPr lang="it-IT" smtClean="0"/>
-              <a:t>15/02/2019</a:t>
+              <a:t>16/02/2019</a:t>
             </a:fld>
             <a:endParaRPr lang="it-IT"/>
           </a:p>
@@ -1347,7 +1353,7 @@
           <a:p>
             <a:fld id="{D63563A2-AD54-4D65-A279-1B7020A450D2}" type="datetimeFigureOut">
               <a:rPr lang="it-IT" smtClean="0"/>
-              <a:t>15/02/2019</a:t>
+              <a:t>16/02/2019</a:t>
             </a:fld>
             <a:endParaRPr lang="it-IT"/>
           </a:p>
@@ -1665,7 +1671,7 @@
           <a:p>
             <a:fld id="{D63563A2-AD54-4D65-A279-1B7020A450D2}" type="datetimeFigureOut">
               <a:rPr lang="it-IT" smtClean="0"/>
-              <a:t>15/02/2019</a:t>
+              <a:t>16/02/2019</a:t>
             </a:fld>
             <a:endParaRPr lang="it-IT"/>
           </a:p>
@@ -1967,7 +1973,7 @@
           <a:p>
             <a:fld id="{D63563A2-AD54-4D65-A279-1B7020A450D2}" type="datetimeFigureOut">
               <a:rPr lang="it-IT" smtClean="0"/>
-              <a:t>15/02/2019</a:t>
+              <a:t>16/02/2019</a:t>
             </a:fld>
             <a:endParaRPr lang="it-IT"/>
           </a:p>
@@ -2334,7 +2340,7 @@
           <a:p>
             <a:fld id="{D63563A2-AD54-4D65-A279-1B7020A450D2}" type="datetimeFigureOut">
               <a:rPr lang="it-IT" smtClean="0"/>
-              <a:t>15/02/2019</a:t>
+              <a:t>16/02/2019</a:t>
             </a:fld>
             <a:endParaRPr lang="it-IT"/>
           </a:p>
@@ -2508,7 +2514,7 @@
           <a:p>
             <a:fld id="{D63563A2-AD54-4D65-A279-1B7020A450D2}" type="datetimeFigureOut">
               <a:rPr lang="it-IT" smtClean="0"/>
-              <a:t>15/02/2019</a:t>
+              <a:t>16/02/2019</a:t>
             </a:fld>
             <a:endParaRPr lang="it-IT"/>
           </a:p>
@@ -2688,7 +2694,7 @@
           <a:p>
             <a:fld id="{D63563A2-AD54-4D65-A279-1B7020A450D2}" type="datetimeFigureOut">
               <a:rPr lang="it-IT" smtClean="0"/>
-              <a:t>15/02/2019</a:t>
+              <a:t>16/02/2019</a:t>
             </a:fld>
             <a:endParaRPr lang="it-IT"/>
           </a:p>
@@ -2858,7 +2864,7 @@
           <a:p>
             <a:fld id="{D63563A2-AD54-4D65-A279-1B7020A450D2}" type="datetimeFigureOut">
               <a:rPr lang="it-IT" smtClean="0"/>
-              <a:t>15/02/2019</a:t>
+              <a:t>16/02/2019</a:t>
             </a:fld>
             <a:endParaRPr lang="it-IT"/>
           </a:p>
@@ -3108,7 +3114,7 @@
           <a:p>
             <a:fld id="{D63563A2-AD54-4D65-A279-1B7020A450D2}" type="datetimeFigureOut">
               <a:rPr lang="it-IT" smtClean="0"/>
-              <a:t>15/02/2019</a:t>
+              <a:t>16/02/2019</a:t>
             </a:fld>
             <a:endParaRPr lang="it-IT"/>
           </a:p>
@@ -3344,7 +3350,7 @@
           <a:p>
             <a:fld id="{D63563A2-AD54-4D65-A279-1B7020A450D2}" type="datetimeFigureOut">
               <a:rPr lang="it-IT" smtClean="0"/>
-              <a:t>15/02/2019</a:t>
+              <a:t>16/02/2019</a:t>
             </a:fld>
             <a:endParaRPr lang="it-IT"/>
           </a:p>
@@ -3726,7 +3732,7 @@
           <a:p>
             <a:fld id="{D63563A2-AD54-4D65-A279-1B7020A450D2}" type="datetimeFigureOut">
               <a:rPr lang="it-IT" smtClean="0"/>
-              <a:t>15/02/2019</a:t>
+              <a:t>16/02/2019</a:t>
             </a:fld>
             <a:endParaRPr lang="it-IT"/>
           </a:p>
@@ -3844,7 +3850,7 @@
           <a:p>
             <a:fld id="{D63563A2-AD54-4D65-A279-1B7020A450D2}" type="datetimeFigureOut">
               <a:rPr lang="it-IT" smtClean="0"/>
-              <a:t>15/02/2019</a:t>
+              <a:t>16/02/2019</a:t>
             </a:fld>
             <a:endParaRPr lang="it-IT"/>
           </a:p>
@@ -3939,7 +3945,7 @@
           <a:p>
             <a:fld id="{D63563A2-AD54-4D65-A279-1B7020A450D2}" type="datetimeFigureOut">
               <a:rPr lang="it-IT" smtClean="0"/>
-              <a:t>15/02/2019</a:t>
+              <a:t>16/02/2019</a:t>
             </a:fld>
             <a:endParaRPr lang="it-IT"/>
           </a:p>
@@ -4194,7 +4200,7 @@
           <a:p>
             <a:fld id="{D63563A2-AD54-4D65-A279-1B7020A450D2}" type="datetimeFigureOut">
               <a:rPr lang="it-IT" smtClean="0"/>
-              <a:t>15/02/2019</a:t>
+              <a:t>16/02/2019</a:t>
             </a:fld>
             <a:endParaRPr lang="it-IT"/>
           </a:p>
@@ -4477,7 +4483,7 @@
           <a:p>
             <a:fld id="{D63563A2-AD54-4D65-A279-1B7020A450D2}" type="datetimeFigureOut">
               <a:rPr lang="it-IT" smtClean="0"/>
-              <a:t>15/02/2019</a:t>
+              <a:t>16/02/2019</a:t>
             </a:fld>
             <a:endParaRPr lang="it-IT"/>
           </a:p>
@@ -4883,7 +4889,7 @@
           <a:p>
             <a:fld id="{D63563A2-AD54-4D65-A279-1B7020A450D2}" type="datetimeFigureOut">
               <a:rPr lang="it-IT" smtClean="0"/>
-              <a:t>15/02/2019</a:t>
+              <a:t>16/02/2019</a:t>
             </a:fld>
             <a:endParaRPr lang="it-IT"/>
           </a:p>
@@ -5437,7 +5443,7 @@
         </p:nvSpPr>
         <p:spPr>
           <a:xfrm>
-            <a:off x="450759" y="6176878"/>
+            <a:off x="0" y="6074641"/>
             <a:ext cx="5645240" cy="923330"/>
           </a:xfrm>
           <a:prstGeom prst="rect">
@@ -5453,14 +5459,14 @@
           <a:p>
             <a:pPr algn="ctr"/>
             <a:r>
-              <a:rPr lang="it-IT"/>
+              <a:rPr lang="it-IT" dirty="0"/>
               <a:t>Progetto Ingegneria del Software</a:t>
             </a:r>
           </a:p>
           <a:p>
             <a:pPr algn="ctr"/>
             <a:r>
-              <a:rPr lang="it-IT"/>
+              <a:rPr lang="it-IT" dirty="0"/>
               <a:t>Anno 2018/2019</a:t>
             </a:r>
           </a:p>
@@ -7678,10 +7684,16 @@
           <a:prstGeom prst="rect">
             <a:avLst/>
           </a:prstGeom>
-          <a:noFill/>
           <a:ln>
             <a:noFill/>
           </a:ln>
+          <a:effectLst>
+            <a:outerShdw blurRad="292100" dist="139700" dir="2700000" algn="tl" rotWithShape="0">
+              <a:srgbClr val="333333">
+                <a:alpha val="65000"/>
+              </a:srgbClr>
+            </a:outerShdw>
+          </a:effectLst>
         </p:spPr>
       </p:pic>
       <p:sp>
@@ -8147,6 +8159,16 @@
           <a:prstGeom prst="rect">
             <a:avLst/>
           </a:prstGeom>
+          <a:ln>
+            <a:noFill/>
+          </a:ln>
+          <a:effectLst>
+            <a:outerShdw blurRad="292100" dist="139700" dir="2700000" algn="tl" rotWithShape="0">
+              <a:srgbClr val="333333">
+                <a:alpha val="65000"/>
+              </a:srgbClr>
+            </a:outerShdw>
+          </a:effectLst>
         </p:spPr>
       </p:pic>
     </p:spTree>
@@ -8436,6 +8458,16 @@
           <a:prstGeom prst="rect">
             <a:avLst/>
           </a:prstGeom>
+          <a:ln>
+            <a:noFill/>
+          </a:ln>
+          <a:effectLst>
+            <a:outerShdw blurRad="292100" dist="139700" dir="2700000" algn="tl" rotWithShape="0">
+              <a:srgbClr val="333333">
+                <a:alpha val="65000"/>
+              </a:srgbClr>
+            </a:outerShdw>
+          </a:effectLst>
         </p:spPr>
       </p:pic>
     </p:spTree>
@@ -8503,7 +8535,16 @@
           <a:prstGeom prst="rect">
             <a:avLst/>
           </a:prstGeom>
-          <a:noFill/>
+          <a:ln>
+            <a:noFill/>
+          </a:ln>
+          <a:effectLst>
+            <a:outerShdw blurRad="292100" dist="139700" dir="2700000" algn="tl" rotWithShape="0">
+              <a:srgbClr val="333333">
+                <a:alpha val="65000"/>
+              </a:srgbClr>
+            </a:outerShdw>
+          </a:effectLst>
           <a:extLst>
             <a:ext uri="{909E8E84-426E-40DD-AFC4-6F175D3DCCD1}">
               <a14:hiddenFill xmlns:a14="http://schemas.microsoft.com/office/drawing/2010/main">
@@ -9088,6 +9129,16 @@
           <a:prstGeom prst="rect">
             <a:avLst/>
           </a:prstGeom>
+          <a:ln>
+            <a:noFill/>
+          </a:ln>
+          <a:effectLst>
+            <a:outerShdw blurRad="292100" dist="139700" dir="2700000" algn="tl" rotWithShape="0">
+              <a:srgbClr val="333333">
+                <a:alpha val="65000"/>
+              </a:srgbClr>
+            </a:outerShdw>
+          </a:effectLst>
         </p:spPr>
       </p:pic>
     </p:spTree>
@@ -9377,6 +9428,16 @@
           <a:prstGeom prst="rect">
             <a:avLst/>
           </a:prstGeom>
+          <a:ln>
+            <a:noFill/>
+          </a:ln>
+          <a:effectLst>
+            <a:outerShdw blurRad="292100" dist="139700" dir="2700000" algn="tl" rotWithShape="0">
+              <a:srgbClr val="333333">
+                <a:alpha val="65000"/>
+              </a:srgbClr>
+            </a:outerShdw>
+          </a:effectLst>
         </p:spPr>
       </p:pic>
     </p:spTree>
@@ -9776,7 +9837,16 @@
           <a:prstGeom prst="rect">
             <a:avLst/>
           </a:prstGeom>
-          <a:noFill/>
+          <a:ln>
+            <a:noFill/>
+          </a:ln>
+          <a:effectLst>
+            <a:outerShdw blurRad="292100" dist="139700" dir="2700000" algn="tl" rotWithShape="0">
+              <a:srgbClr val="333333">
+                <a:alpha val="65000"/>
+              </a:srgbClr>
+            </a:outerShdw>
+          </a:effectLst>
           <a:extLst>
             <a:ext uri="{909E8E84-426E-40DD-AFC4-6F175D3DCCD1}">
               <a14:hiddenFill xmlns:a14="http://schemas.microsoft.com/office/drawing/2010/main">
@@ -10026,160 +10096,6 @@
           <a:chExt cx="0" cy="0"/>
         </a:xfrm>
       </p:grpSpPr>
-      <p:sp>
-        <p:nvSpPr>
-          <p:cNvPr id="4" name="Rectangle 2">
-            <a:extLst>
-              <a:ext uri="{FF2B5EF4-FFF2-40B4-BE49-F238E27FC236}">
-                <a16:creationId xmlns:a16="http://schemas.microsoft.com/office/drawing/2014/main" id="{0FB3AA8F-20E3-430C-8BDB-FB3D3764E53E}"/>
-              </a:ext>
-            </a:extLst>
-          </p:cNvPr>
-          <p:cNvSpPr>
-            <a:spLocks noChangeArrowheads="1"/>
-          </p:cNvSpPr>
-          <p:nvPr/>
-        </p:nvSpPr>
-        <p:spPr bwMode="auto">
-          <a:xfrm>
-            <a:off x="0" y="0"/>
-            <a:ext cx="12192000" cy="457200"/>
-          </a:xfrm>
-          <a:prstGeom prst="rect">
-            <a:avLst/>
-          </a:prstGeom>
-          <a:noFill/>
-          <a:ln>
-            <a:noFill/>
-          </a:ln>
-          <a:effectLst/>
-          <a:extLst>
-            <a:ext uri="{909E8E84-426E-40DD-AFC4-6F175D3DCCD1}">
-              <a14:hiddenFill xmlns:a14="http://schemas.microsoft.com/office/drawing/2010/main">
-                <a:solidFill>
-                  <a:schemeClr val="accent1"/>
-                </a:solidFill>
-              </a14:hiddenFill>
-            </a:ext>
-            <a:ext uri="{91240B29-F687-4F45-9708-019B960494DF}">
-              <a14:hiddenLine xmlns:a14="http://schemas.microsoft.com/office/drawing/2010/main" w="9525">
-                <a:solidFill>
-                  <a:schemeClr val="tx1"/>
-                </a:solidFill>
-                <a:miter lim="800000"/>
-                <a:headEnd/>
-                <a:tailEnd/>
-              </a14:hiddenLine>
-            </a:ext>
-            <a:ext uri="{AF507438-7753-43E0-B8FC-AC1667EBCBE1}">
-              <a14:hiddenEffects xmlns:a14="http://schemas.microsoft.com/office/drawing/2010/main">
-                <a:effectLst>
-                  <a:outerShdw dist="35921" dir="2700000" algn="ctr" rotWithShape="0">
-                    <a:schemeClr val="bg2"/>
-                  </a:outerShdw>
-                </a:effectLst>
-              </a14:hiddenEffects>
-            </a:ext>
-          </a:extLst>
-        </p:spPr>
-        <p:txBody>
-          <a:bodyPr vert="horz" wrap="none" lIns="91440" tIns="25392" rIns="91440" bIns="0" numCol="1" anchor="ctr" anchorCtr="0" compatLnSpc="1">
-            <a:prstTxWarp prst="textNoShape">
-              <a:avLst/>
-            </a:prstTxWarp>
-            <a:spAutoFit/>
-          </a:bodyPr>
-          <a:lstStyle/>
-          <a:p>
-            <a:pPr marL="0" marR="0" lvl="0" indent="0" algn="l" defTabSz="914400" rtl="0" eaLnBrk="0" fontAlgn="base" latinLnBrk="0" hangingPunct="0">
-              <a:lnSpc>
-                <a:spcPct val="100000"/>
-              </a:lnSpc>
-              <a:spcBef>
-                <a:spcPct val="0"/>
-              </a:spcBef>
-              <a:spcAft>
-                <a:spcPct val="0"/>
-              </a:spcAft>
-              <a:buClrTx/>
-              <a:buSzTx/>
-              <a:buFontTx/>
-              <a:buNone/>
-              <a:tabLst/>
-            </a:pPr>
-            <a:r>
-              <a:rPr kumimoji="0" lang="it-IT" altLang="it-IT" sz="1300" b="0" i="0" u="none" strike="noStrike" cap="none" normalizeH="0" baseline="0">
-                <a:ln>
-                  <a:noFill/>
-                </a:ln>
-                <a:solidFill>
-                  <a:srgbClr val="2F5496"/>
-                </a:solidFill>
-                <a:effectLst/>
-                <a:latin typeface="Calibri Light" panose="020F0302020204030204" pitchFamily="34" charset="0"/>
-                <a:ea typeface="Times New Roman" panose="02020603050405020304" pitchFamily="18" charset="0"/>
-                <a:cs typeface="Times New Roman" panose="02020603050405020304" pitchFamily="18" charset="0"/>
-              </a:rPr>
-              <a:t>C</a:t>
-            </a:r>
-            <a:r>
-              <a:rPr kumimoji="0" lang="it-IT" altLang="it-IT" sz="1300" b="0" i="0" u="none" strike="noStrike" cap="none" normalizeH="0" baseline="0" bmk="">
-                <a:ln>
-                  <a:noFill/>
-                </a:ln>
-                <a:solidFill>
-                  <a:srgbClr val="2F5496"/>
-                </a:solidFill>
-                <a:effectLst/>
-                <a:latin typeface="Calibri Light" panose="020F0302020204030204" pitchFamily="34" charset="0"/>
-                <a:ea typeface="Times New Roman" panose="02020603050405020304" pitchFamily="18" charset="0"/>
-                <a:cs typeface="Times New Roman" panose="02020603050405020304" pitchFamily="18" charset="0"/>
-              </a:rPr>
-              <a:t>arrello</a:t>
-            </a:r>
-            <a:endParaRPr kumimoji="0" lang="it-IT" altLang="it-IT" sz="1300" b="0" i="0" u="none" strike="noStrike" cap="none" normalizeH="0" baseline="0">
-              <a:ln>
-                <a:noFill/>
-              </a:ln>
-              <a:solidFill>
-                <a:srgbClr val="2F5496"/>
-              </a:solidFill>
-              <a:effectLst/>
-              <a:latin typeface="Calibri Light" panose="020F0302020204030204" pitchFamily="34" charset="0"/>
-              <a:ea typeface="Times New Roman" panose="02020603050405020304" pitchFamily="18" charset="0"/>
-              <a:cs typeface="Times New Roman" panose="02020603050405020304" pitchFamily="18" charset="0"/>
-            </a:endParaRPr>
-          </a:p>
-          <a:p>
-            <a:pPr marL="0" marR="0" lvl="0" indent="0" algn="l" defTabSz="914400" rtl="0" eaLnBrk="0" fontAlgn="base" latinLnBrk="0" hangingPunct="0">
-              <a:lnSpc>
-                <a:spcPct val="100000"/>
-              </a:lnSpc>
-              <a:spcBef>
-                <a:spcPct val="0"/>
-              </a:spcBef>
-              <a:spcAft>
-                <a:spcPct val="0"/>
-              </a:spcAft>
-              <a:buClrTx/>
-              <a:buSzTx/>
-              <a:buFontTx/>
-              <a:buNone/>
-              <a:tabLst/>
-            </a:pPr>
-            <a:endParaRPr kumimoji="0" lang="it-IT" altLang="it-IT" sz="1800" b="0" i="0" u="none" strike="noStrike" cap="none" normalizeH="0" baseline="0">
-              <a:ln>
-                <a:noFill/>
-              </a:ln>
-              <a:solidFill>
-                <a:schemeClr val="tx1"/>
-              </a:solidFill>
-              <a:effectLst/>
-              <a:latin typeface="Arial" panose="020B0604020202020204" pitchFamily="34" charset="0"/>
-            </a:endParaRPr>
-          </a:p>
-        </p:txBody>
-      </p:sp>
       <p:pic>
         <p:nvPicPr>
           <p:cNvPr id="10241" name="Immagine 43">
@@ -10194,7 +10110,7 @@
           </p:cNvPicPr>
           <p:nvPr/>
         </p:nvPicPr>
-        <p:blipFill>
+        <p:blipFill rotWithShape="1">
           <a:blip r:embed="rId2">
             <a:extLst>
               <a:ext uri="{28A0092B-C50C-407E-A947-70E740481C1C}">
@@ -10202,20 +10118,27 @@
               </a:ext>
             </a:extLst>
           </a:blip>
-          <a:srcRect/>
-          <a:stretch>
-            <a:fillRect/>
-          </a:stretch>
+          <a:srcRect r="8980"/>
+          <a:stretch/>
         </p:blipFill>
         <p:spPr bwMode="auto">
           <a:xfrm>
-            <a:off x="3009900" y="1428750"/>
-            <a:ext cx="6667500" cy="5210175"/>
+            <a:off x="2741295" y="884744"/>
+            <a:ext cx="6709410" cy="5760164"/>
           </a:xfrm>
           <a:prstGeom prst="rect">
             <a:avLst/>
           </a:prstGeom>
-          <a:noFill/>
+          <a:ln>
+            <a:noFill/>
+          </a:ln>
+          <a:effectLst>
+            <a:outerShdw blurRad="292100" dist="139700" dir="2700000" algn="tl" rotWithShape="0">
+              <a:srgbClr val="333333">
+                <a:alpha val="65000"/>
+              </a:srgbClr>
+            </a:outerShdw>
+          </a:effectLst>
           <a:extLst>
             <a:ext uri="{909E8E84-426E-40DD-AFC4-6F175D3DCCD1}">
               <a14:hiddenFill xmlns:a14="http://schemas.microsoft.com/office/drawing/2010/main">
@@ -10296,6 +10219,102 @@
           </a:p>
         </p:txBody>
       </p:sp>
+      <p:sp>
+        <p:nvSpPr>
+          <p:cNvPr id="6" name="Rectangle 2">
+            <a:extLst>
+              <a:ext uri="{FF2B5EF4-FFF2-40B4-BE49-F238E27FC236}">
+                <a16:creationId xmlns:a16="http://schemas.microsoft.com/office/drawing/2014/main" id="{927130C5-A5A2-421D-B64F-B9EFD1C1A011}"/>
+              </a:ext>
+            </a:extLst>
+          </p:cNvPr>
+          <p:cNvSpPr>
+            <a:spLocks noChangeArrowheads="1"/>
+          </p:cNvSpPr>
+          <p:nvPr/>
+        </p:nvSpPr>
+        <p:spPr bwMode="auto">
+          <a:xfrm>
+            <a:off x="193786" y="582105"/>
+            <a:ext cx="910634" cy="302639"/>
+          </a:xfrm>
+          <a:prstGeom prst="rect">
+            <a:avLst/>
+          </a:prstGeom>
+          <a:noFill/>
+          <a:ln>
+            <a:noFill/>
+          </a:ln>
+          <a:effectLst/>
+          <a:extLst>
+            <a:ext uri="{909E8E84-426E-40DD-AFC4-6F175D3DCCD1}">
+              <a14:hiddenFill xmlns:a14="http://schemas.microsoft.com/office/drawing/2010/main">
+                <a:solidFill>
+                  <a:schemeClr val="accent1"/>
+                </a:solidFill>
+              </a14:hiddenFill>
+            </a:ext>
+            <a:ext uri="{91240B29-F687-4F45-9708-019B960494DF}">
+              <a14:hiddenLine xmlns:a14="http://schemas.microsoft.com/office/drawing/2010/main" w="9525">
+                <a:solidFill>
+                  <a:schemeClr val="tx1"/>
+                </a:solidFill>
+                <a:miter lim="800000"/>
+                <a:headEnd/>
+                <a:tailEnd/>
+              </a14:hiddenLine>
+            </a:ext>
+            <a:ext uri="{AF507438-7753-43E0-B8FC-AC1667EBCBE1}">
+              <a14:hiddenEffects xmlns:a14="http://schemas.microsoft.com/office/drawing/2010/main">
+                <a:effectLst>
+                  <a:outerShdw dist="35921" dir="2700000" algn="ctr" rotWithShape="0">
+                    <a:schemeClr val="bg2"/>
+                  </a:outerShdw>
+                </a:effectLst>
+              </a14:hiddenEffects>
+            </a:ext>
+          </a:extLst>
+        </p:spPr>
+        <p:txBody>
+          <a:bodyPr vert="horz" wrap="none" lIns="91440" tIns="25392" rIns="91440" bIns="0" numCol="1" anchor="ctr" anchorCtr="0" compatLnSpc="1">
+            <a:prstTxWarp prst="textNoShape">
+              <a:avLst/>
+            </a:prstTxWarp>
+            <a:spAutoFit/>
+          </a:bodyPr>
+          <a:lstStyle/>
+          <a:p>
+            <a:pPr marL="0" marR="0" lvl="0" indent="0" algn="l" defTabSz="914400" rtl="0" eaLnBrk="0" fontAlgn="base" latinLnBrk="0" hangingPunct="0">
+              <a:lnSpc>
+                <a:spcPct val="100000"/>
+              </a:lnSpc>
+              <a:spcBef>
+                <a:spcPct val="0"/>
+              </a:spcBef>
+              <a:spcAft>
+                <a:spcPct val="0"/>
+              </a:spcAft>
+              <a:buClrTx/>
+              <a:buSzTx/>
+              <a:buFontTx/>
+              <a:buNone/>
+              <a:tabLst/>
+            </a:pPr>
+            <a:r>
+              <a:rPr kumimoji="0" lang="it-IT" altLang="it-IT" b="0" i="0" u="none" strike="noStrike" cap="none" normalizeH="0" baseline="0" dirty="0">
+                <a:ln>
+                  <a:noFill/>
+                </a:ln>
+                <a:effectLst/>
+                <a:latin typeface="Calibri Light" panose="020F0302020204030204" pitchFamily="34" charset="0"/>
+                <a:ea typeface="Times New Roman" panose="02020603050405020304" pitchFamily="18" charset="0"/>
+                <a:cs typeface="Times New Roman" panose="02020603050405020304" pitchFamily="18" charset="0"/>
+              </a:rPr>
+              <a:t>Carrello</a:t>
+            </a:r>
+          </a:p>
+        </p:txBody>
+      </p:sp>
     </p:spTree>
     <p:extLst>
       <p:ext uri="{BB962C8B-B14F-4D97-AF65-F5344CB8AC3E}">
@@ -10328,61 +10347,6 @@
       </p:grpSpPr>
       <p:sp>
         <p:nvSpPr>
-          <p:cNvPr id="2" name="Titolo 1">
-            <a:extLst>
-              <a:ext uri="{FF2B5EF4-FFF2-40B4-BE49-F238E27FC236}">
-                <a16:creationId xmlns:a16="http://schemas.microsoft.com/office/drawing/2014/main" id="{224D1414-909F-40C7-9B7C-E17956F8FC3B}"/>
-              </a:ext>
-            </a:extLst>
-          </p:cNvPr>
-          <p:cNvSpPr>
-            <a:spLocks noGrp="1"/>
-          </p:cNvSpPr>
-          <p:nvPr>
-            <p:ph type="title"/>
-          </p:nvPr>
-        </p:nvSpPr>
-        <p:spPr/>
-        <p:txBody>
-          <a:bodyPr/>
-          <a:lstStyle/>
-          <a:p>
-            <a:endParaRPr lang="it-IT"/>
-          </a:p>
-        </p:txBody>
-      </p:sp>
-      <p:sp>
-        <p:nvSpPr>
-          <p:cNvPr id="3" name="Segnaposto contenuto 2">
-            <a:extLst>
-              <a:ext uri="{FF2B5EF4-FFF2-40B4-BE49-F238E27FC236}">
-                <a16:creationId xmlns:a16="http://schemas.microsoft.com/office/drawing/2014/main" id="{6278FFDC-D381-4BCC-B609-3998A5BEFE3E}"/>
-              </a:ext>
-            </a:extLst>
-          </p:cNvPr>
-          <p:cNvSpPr>
-            <a:spLocks noGrp="1"/>
-          </p:cNvSpPr>
-          <p:nvPr>
-            <p:ph idx="1"/>
-          </p:nvPr>
-        </p:nvSpPr>
-        <p:spPr>
-          <a:xfrm>
-            <a:off x="2928257" y="1538242"/>
-            <a:ext cx="10515600" cy="4351338"/>
-          </a:xfrm>
-        </p:spPr>
-        <p:txBody>
-          <a:bodyPr/>
-          <a:lstStyle/>
-          <a:p>
-            <a:endParaRPr lang="it-IT" dirty="0"/>
-          </a:p>
-        </p:txBody>
-      </p:sp>
-      <p:sp>
-        <p:nvSpPr>
           <p:cNvPr id="4" name="Rectangle 2">
             <a:extLst>
               <a:ext uri="{FF2B5EF4-FFF2-40B4-BE49-F238E27FC236}">
@@ -10564,13 +10528,22 @@
         </p:blipFill>
         <p:spPr bwMode="auto">
           <a:xfrm>
-            <a:off x="2090057" y="169817"/>
-            <a:ext cx="6115050" cy="7581900"/>
+            <a:off x="4415246" y="326571"/>
+            <a:ext cx="6035041" cy="6394170"/>
           </a:xfrm>
           <a:prstGeom prst="rect">
             <a:avLst/>
           </a:prstGeom>
-          <a:noFill/>
+          <a:ln>
+            <a:noFill/>
+          </a:ln>
+          <a:effectLst>
+            <a:outerShdw blurRad="292100" dist="139700" dir="2700000" algn="tl" rotWithShape="0">
+              <a:srgbClr val="333333">
+                <a:alpha val="65000"/>
+              </a:srgbClr>
+            </a:outerShdw>
+          </a:effectLst>
           <a:extLst>
             <a:ext uri="{909E8E84-426E-40DD-AFC4-6F175D3DCCD1}">
               <a14:hiddenFill xmlns:a14="http://schemas.microsoft.com/office/drawing/2010/main">
@@ -10648,6 +10621,102 @@
           <a:lstStyle/>
           <a:p>
             <a:endParaRPr lang="it-IT"/>
+          </a:p>
+        </p:txBody>
+      </p:sp>
+      <p:sp>
+        <p:nvSpPr>
+          <p:cNvPr id="7" name="Rectangle 2">
+            <a:extLst>
+              <a:ext uri="{FF2B5EF4-FFF2-40B4-BE49-F238E27FC236}">
+                <a16:creationId xmlns:a16="http://schemas.microsoft.com/office/drawing/2014/main" id="{2B667AD9-2AC9-44E4-8D2A-D929CED8BF2F}"/>
+              </a:ext>
+            </a:extLst>
+          </p:cNvPr>
+          <p:cNvSpPr>
+            <a:spLocks noChangeArrowheads="1"/>
+          </p:cNvSpPr>
+          <p:nvPr/>
+        </p:nvSpPr>
+        <p:spPr bwMode="auto">
+          <a:xfrm>
+            <a:off x="167660" y="663040"/>
+            <a:ext cx="2569229" cy="302639"/>
+          </a:xfrm>
+          <a:prstGeom prst="rect">
+            <a:avLst/>
+          </a:prstGeom>
+          <a:noFill/>
+          <a:ln>
+            <a:noFill/>
+          </a:ln>
+          <a:effectLst/>
+          <a:extLst>
+            <a:ext uri="{909E8E84-426E-40DD-AFC4-6F175D3DCCD1}">
+              <a14:hiddenFill xmlns:a14="http://schemas.microsoft.com/office/drawing/2010/main">
+                <a:solidFill>
+                  <a:schemeClr val="accent1"/>
+                </a:solidFill>
+              </a14:hiddenFill>
+            </a:ext>
+            <a:ext uri="{91240B29-F687-4F45-9708-019B960494DF}">
+              <a14:hiddenLine xmlns:a14="http://schemas.microsoft.com/office/drawing/2010/main" w="9525">
+                <a:solidFill>
+                  <a:schemeClr val="tx1"/>
+                </a:solidFill>
+                <a:miter lim="800000"/>
+                <a:headEnd/>
+                <a:tailEnd/>
+              </a14:hiddenLine>
+            </a:ext>
+            <a:ext uri="{AF507438-7753-43E0-B8FC-AC1667EBCBE1}">
+              <a14:hiddenEffects xmlns:a14="http://schemas.microsoft.com/office/drawing/2010/main">
+                <a:effectLst>
+                  <a:outerShdw dist="35921" dir="2700000" algn="ctr" rotWithShape="0">
+                    <a:schemeClr val="bg2"/>
+                  </a:outerShdw>
+                </a:effectLst>
+              </a14:hiddenEffects>
+            </a:ext>
+          </a:extLst>
+        </p:spPr>
+        <p:txBody>
+          <a:bodyPr vert="horz" wrap="none" lIns="91440" tIns="25392" rIns="91440" bIns="0" numCol="1" anchor="ctr" anchorCtr="0" compatLnSpc="1">
+            <a:prstTxWarp prst="textNoShape">
+              <a:avLst/>
+            </a:prstTxWarp>
+            <a:spAutoFit/>
+          </a:bodyPr>
+          <a:lstStyle/>
+          <a:p>
+            <a:pPr marL="0" marR="0" lvl="0" indent="0" algn="l" defTabSz="914400" rtl="0" eaLnBrk="0" fontAlgn="base" latinLnBrk="0" hangingPunct="0">
+              <a:lnSpc>
+                <a:spcPct val="100000"/>
+              </a:lnSpc>
+              <a:spcBef>
+                <a:spcPct val="0"/>
+              </a:spcBef>
+              <a:spcAft>
+                <a:spcPct val="0"/>
+              </a:spcAft>
+              <a:buClrTx/>
+              <a:buSzTx/>
+              <a:buFontTx/>
+              <a:buNone/>
+              <a:tabLst/>
+            </a:pPr>
+            <a:r>
+              <a:rPr kumimoji="0" lang="it-IT" altLang="it-IT" b="0" i="0" u="none" strike="noStrike" cap="none" normalizeH="0" baseline="0" dirty="0">
+                <a:ln>
+                  <a:noFill/>
+                </a:ln>
+                <a:effectLst/>
+                <a:latin typeface="Calibri Light" panose="020F0302020204030204" pitchFamily="34" charset="0"/>
+                <a:ea typeface="Times New Roman" panose="02020603050405020304" pitchFamily="18" charset="0"/>
+                <a:cs typeface="Times New Roman" panose="02020603050405020304" pitchFamily="18" charset="0"/>
+              </a:rPr>
+              <a:t>Homepage Gestore ordini</a:t>
+            </a:r>
           </a:p>
         </p:txBody>
       </p:sp>
@@ -11607,37 +11676,20 @@
             <p:ph type="title"/>
           </p:nvPr>
         </p:nvSpPr>
-        <p:spPr/>
+        <p:spPr>
+          <a:xfrm>
+            <a:off x="2186641" y="-286374"/>
+            <a:ext cx="8534400" cy="1507067"/>
+          </a:xfrm>
+        </p:spPr>
         <p:txBody>
           <a:bodyPr/>
           <a:lstStyle/>
           <a:p>
-            <a:endParaRPr lang="it-IT"/>
-          </a:p>
-        </p:txBody>
-      </p:sp>
-      <p:sp>
-        <p:nvSpPr>
-          <p:cNvPr id="3" name="Segnaposto contenuto 2">
-            <a:extLst>
-              <a:ext uri="{FF2B5EF4-FFF2-40B4-BE49-F238E27FC236}">
-                <a16:creationId xmlns:a16="http://schemas.microsoft.com/office/drawing/2014/main" id="{573349D9-CD6A-4959-B2DA-3F4E02C51E81}"/>
-              </a:ext>
-            </a:extLst>
-          </p:cNvPr>
-          <p:cNvSpPr>
-            <a:spLocks noGrp="1"/>
-          </p:cNvSpPr>
-          <p:nvPr>
-            <p:ph idx="1"/>
-          </p:nvPr>
-        </p:nvSpPr>
-        <p:spPr/>
-        <p:txBody>
-          <a:bodyPr/>
-          <a:lstStyle/>
-          <a:p>
-            <a:endParaRPr lang="it-IT" dirty="0"/>
+            <a:r>
+              <a:rPr lang="it-IT" dirty="0"/>
+              <a:t>Architettura Software Proposta</a:t>
+            </a:r>
           </a:p>
         </p:txBody>
       </p:sp>
@@ -11657,8 +11709,8 @@
         </p:nvSpPr>
         <p:spPr bwMode="auto">
           <a:xfrm>
-            <a:off x="0" y="0"/>
-            <a:ext cx="12192000" cy="457200"/>
+            <a:off x="224417" y="1270305"/>
+            <a:ext cx="5288109" cy="4893575"/>
           </a:xfrm>
           <a:prstGeom prst="rect">
             <a:avLst/>
@@ -11698,13 +11750,65 @@
           </a:extLst>
         </p:spPr>
         <p:txBody>
-          <a:bodyPr vert="horz" wrap="none" lIns="91440" tIns="203136" rIns="91440" bIns="25392" numCol="1" anchor="ctr" anchorCtr="0" compatLnSpc="1">
+          <a:bodyPr vert="horz" wrap="square" lIns="91440" tIns="203136" rIns="91440" bIns="25392" numCol="1" anchor="ctr" anchorCtr="0" compatLnSpc="1">
             <a:prstTxWarp prst="textNoShape">
               <a:avLst/>
             </a:prstTxWarp>
             <a:spAutoFit/>
           </a:bodyPr>
           <a:lstStyle/>
+          <a:p>
+            <a:pPr marR="0" lvl="0" algn="l" defTabSz="914400" rtl="0" eaLnBrk="0" fontAlgn="base" latinLnBrk="0" hangingPunct="0">
+              <a:lnSpc>
+                <a:spcPct val="100000"/>
+              </a:lnSpc>
+              <a:spcBef>
+                <a:spcPct val="0"/>
+              </a:spcBef>
+              <a:spcAft>
+                <a:spcPct val="0"/>
+              </a:spcAft>
+              <a:buClrTx/>
+              <a:buSzTx/>
+              <a:tabLst/>
+            </a:pPr>
+            <a:r>
+              <a:rPr kumimoji="0" lang="it-IT" altLang="it-IT" sz="1500" b="0" i="0" u="none" strike="noStrike" cap="none" normalizeH="0" baseline="0" dirty="0">
+                <a:ln>
+                  <a:noFill/>
+                </a:ln>
+                <a:solidFill>
+                  <a:schemeClr val="tx1"/>
+                </a:solidFill>
+                <a:effectLst/>
+                <a:latin typeface="Century Gothic (Corpo)"/>
+                <a:ea typeface="Calibri" panose="020F0502020204030204" pitchFamily="34" charset="0"/>
+                <a:cs typeface="Cambria" panose="02040503050406030204" pitchFamily="18" charset="0"/>
+              </a:rPr>
+              <a:t>L’architettura scelta per il sistema GamesHub è quella Three‐Tier. L'espressione architettura Three‐Tier ("a tre strati") indica una particolare architettura software di tipo multi‐tier per l'esecuzione di un'applicazione web. Essa prevede la suddivisione dell'applicazione in tre diversi moduli o strati</a:t>
+            </a:r>
+            <a:r>
+              <a:rPr lang="it-IT" altLang="it-IT" sz="1500" dirty="0">
+                <a:latin typeface="Century Gothic (Corpo)"/>
+              </a:rPr>
+              <a:t> </a:t>
+            </a:r>
+            <a:r>
+              <a:rPr kumimoji="0" lang="it-IT" altLang="it-IT" sz="1500" b="0" i="0" u="none" strike="noStrike" cap="none" normalizeH="0" baseline="0" dirty="0">
+                <a:ln>
+                  <a:noFill/>
+                </a:ln>
+                <a:solidFill>
+                  <a:schemeClr val="tx1"/>
+                </a:solidFill>
+                <a:effectLst/>
+                <a:latin typeface="Century Gothic (Corpo)"/>
+                <a:ea typeface="Calibri" panose="020F0502020204030204" pitchFamily="34" charset="0"/>
+                <a:cs typeface="Cambria" panose="02040503050406030204" pitchFamily="18" charset="0"/>
+              </a:rPr>
+              <a:t>dedicati rispettivamente:  all’interfaccia utente, </a:t>
+            </a:r>
+          </a:p>
           <a:p>
             <a:pPr marL="0" marR="0" lvl="0" indent="0" algn="l" defTabSz="914400" rtl="0" eaLnBrk="0" fontAlgn="base" latinLnBrk="0" hangingPunct="0">
               <a:lnSpc>
@@ -11723,46 +11827,24 @@
               <a:tabLst/>
             </a:pPr>
             <a:r>
-              <a:rPr kumimoji="0" lang="it-IT" altLang="it-IT" sz="1400" b="1" i="0" u="none" strike="noStrike" cap="none" normalizeH="0" baseline="0">
+              <a:rPr kumimoji="0" lang="it-IT" altLang="it-IT" sz="1500" b="0" i="0" u="none" strike="noStrike" cap="none" normalizeH="0" baseline="0" dirty="0">
                 <a:ln>
                   <a:noFill/>
                 </a:ln>
                 <a:solidFill>
-                  <a:srgbClr val="4472C4"/>
+                  <a:schemeClr val="tx1"/>
                 </a:solidFill>
                 <a:effectLst/>
-                <a:latin typeface="Calibri Light" panose="020F0302020204030204" pitchFamily="34" charset="0"/>
-                <a:ea typeface="Times New Roman" panose="02020603050405020304" pitchFamily="18" charset="0"/>
-                <a:cs typeface="Times New Roman" panose="02020603050405020304" pitchFamily="18" charset="0"/>
+                <a:latin typeface="Century Gothic (Corpo)"/>
+                <a:ea typeface="Calibri" panose="020F0502020204030204" pitchFamily="34" charset="0"/>
+                <a:cs typeface="Cambria" panose="02040503050406030204" pitchFamily="18" charset="0"/>
               </a:rPr>
-              <a:t>3</a:t>
-            </a:r>
-            <a:r>
-              <a:rPr kumimoji="0" lang="it-IT" altLang="it-IT" sz="1400" b="1" i="0" u="none" strike="noStrike" cap="none" normalizeH="0" baseline="0" bmk="">
-                <a:ln>
-                  <a:noFill/>
-                </a:ln>
-                <a:solidFill>
-                  <a:srgbClr val="4472C4"/>
-                </a:solidFill>
-                <a:effectLst/>
-                <a:latin typeface="Calibri Light" panose="020F0302020204030204" pitchFamily="34" charset="0"/>
-                <a:ea typeface="Times New Roman" panose="02020603050405020304" pitchFamily="18" charset="0"/>
-                <a:cs typeface="Times New Roman" panose="02020603050405020304" pitchFamily="18" charset="0"/>
-              </a:rPr>
-              <a:t>. Architettura Software Proposta</a:t>
-            </a:r>
-            <a:endParaRPr kumimoji="0" lang="it-IT" altLang="it-IT" sz="1400" b="1" i="0" u="none" strike="noStrike" cap="none" normalizeH="0" baseline="0">
-              <a:ln>
-                <a:noFill/>
-              </a:ln>
-              <a:solidFill>
-                <a:srgbClr val="2F5496"/>
-              </a:solidFill>
-              <a:effectLst/>
-              <a:latin typeface="Calibri Light" panose="020F0302020204030204" pitchFamily="34" charset="0"/>
-              <a:ea typeface="Times New Roman" panose="02020603050405020304" pitchFamily="18" charset="0"/>
-              <a:cs typeface="Times New Roman" panose="02020603050405020304" pitchFamily="18" charset="0"/>
+              <a:t>alla logica funzionale </a:t>
+            </a:r>
+            <a:endParaRPr lang="it-IT" altLang="it-IT" sz="1500" dirty="0">
+              <a:latin typeface="Century Gothic (Corpo)"/>
+              <a:ea typeface="Calibri" panose="020F0502020204030204" pitchFamily="34" charset="0"/>
+              <a:cs typeface="Cambria" panose="02040503050406030204" pitchFamily="18" charset="0"/>
             </a:endParaRPr>
           </a:p>
           <a:p>
@@ -11783,7 +11865,7 @@
               <a:tabLst/>
             </a:pPr>
             <a:r>
-              <a:rPr kumimoji="0" lang="it-IT" altLang="it-IT" sz="1200" b="0" i="0" u="none" strike="noStrike" cap="none" normalizeH="0" baseline="0">
+              <a:rPr kumimoji="0" lang="it-IT" altLang="it-IT" sz="1500" b="0" i="0" u="none" strike="noStrike" cap="none" normalizeH="0" baseline="0" dirty="0">
                 <a:ln>
                   <a:noFill/>
                 </a:ln>
@@ -11791,21 +11873,12 @@
                   <a:schemeClr val="tx1"/>
                 </a:solidFill>
                 <a:effectLst/>
-                <a:latin typeface="Calibri" panose="020F0502020204030204" pitchFamily="34" charset="0"/>
+                <a:latin typeface="Century Gothic (Corpo)"/>
                 <a:ea typeface="Calibri" panose="020F0502020204030204" pitchFamily="34" charset="0"/>
                 <a:cs typeface="Cambria" panose="02040503050406030204" pitchFamily="18" charset="0"/>
               </a:rPr>
-              <a:t>L’architettura scelta per il sistema GamesHub è quella Three‐Tier. L'espressione architettura Three‐Tier ("a tre strati") indica una particolare architettura software di tipo multi‐tier per l'esecuzione di un'applicazione web. Essa prevede la suddivisione dell'applicazione in tre diversi moduli o strati</a:t>
-            </a:r>
-            <a:endParaRPr kumimoji="0" lang="it-IT" altLang="it-IT" sz="1100" b="0" i="0" u="none" strike="noStrike" cap="none" normalizeH="0" baseline="0">
-              <a:ln>
-                <a:noFill/>
-              </a:ln>
-              <a:solidFill>
-                <a:schemeClr val="tx1"/>
-              </a:solidFill>
-              <a:effectLst/>
-            </a:endParaRPr>
+              <a:t>alla gestione dei dati persistenti. </a:t>
+            </a:r>
           </a:p>
           <a:p>
             <a:pPr marL="0" marR="0" lvl="0" indent="0" algn="l" defTabSz="914400" rtl="0" eaLnBrk="0" fontAlgn="base" latinLnBrk="0" hangingPunct="0">
@@ -11824,29 +11897,10 @@
               <a:buNone/>
               <a:tabLst/>
             </a:pPr>
-            <a:r>
-              <a:rPr kumimoji="0" lang="it-IT" altLang="it-IT" sz="1200" b="0" i="0" u="none" strike="noStrike" cap="none" normalizeH="0" baseline="0">
-                <a:ln>
-                  <a:noFill/>
-                </a:ln>
-                <a:solidFill>
-                  <a:schemeClr val="tx1"/>
-                </a:solidFill>
-                <a:effectLst/>
-                <a:latin typeface="Calibri" panose="020F0502020204030204" pitchFamily="34" charset="0"/>
-                <a:ea typeface="Calibri" panose="020F0502020204030204" pitchFamily="34" charset="0"/>
-                <a:cs typeface="Cambria" panose="02040503050406030204" pitchFamily="18" charset="0"/>
-              </a:rPr>
-              <a:t>dedicati rispettivamente all’interfaccia utente, alla logica funzionale e alla gestione dei dati persistenti. Tale architettura va tipicamente a mappare a livello fisico‐infrastrutturale quella del sistema informatico ospitante l'applicazione da eseguire. Tali moduli interagiscono fra loro secondo le linee generali del paradigma Client-Server e utilizzando interfacce ben definite. In questo modo, ciascuno dei tre moduli può essere modificato o sostituito indipendentemente dagli altri, conferendo scalabilità e manutenibilità all'applicazione.</a:t>
-            </a:r>
-            <a:endParaRPr kumimoji="0" lang="it-IT" altLang="it-IT" sz="1100" b="0" i="0" u="none" strike="noStrike" cap="none" normalizeH="0" baseline="0">
-              <a:ln>
-                <a:noFill/>
-              </a:ln>
-              <a:solidFill>
-                <a:schemeClr val="tx1"/>
-              </a:solidFill>
-              <a:effectLst/>
+            <a:endParaRPr lang="it-IT" altLang="it-IT" sz="1500" dirty="0">
+              <a:latin typeface="Century Gothic (Corpo)"/>
+              <a:ea typeface="Calibri" panose="020F0502020204030204" pitchFamily="34" charset="0"/>
+              <a:cs typeface="Cambria" panose="02040503050406030204" pitchFamily="18" charset="0"/>
             </a:endParaRPr>
           </a:p>
           <a:p>
@@ -11866,7 +11920,50 @@
               <a:buNone/>
               <a:tabLst/>
             </a:pPr>
-            <a:endParaRPr kumimoji="0" lang="it-IT" altLang="it-IT" sz="1800" b="0" i="0" u="none" strike="noStrike" cap="none" normalizeH="0" baseline="0">
+            <a:r>
+              <a:rPr kumimoji="0" lang="it-IT" altLang="it-IT" sz="1500" b="0" i="0" u="none" strike="noStrike" cap="none" normalizeH="0" baseline="0" dirty="0">
+                <a:ln>
+                  <a:noFill/>
+                </a:ln>
+                <a:solidFill>
+                  <a:schemeClr val="tx1"/>
+                </a:solidFill>
+                <a:effectLst/>
+                <a:latin typeface="Century Gothic (Corpo)"/>
+                <a:ea typeface="Calibri" panose="020F0502020204030204" pitchFamily="34" charset="0"/>
+                <a:cs typeface="Cambria" panose="02040503050406030204" pitchFamily="18" charset="0"/>
+              </a:rPr>
+              <a:t>Tale architettura va tipicamente a mappare a livello fisico‐infrastrutturale quella del sistema informatico ospitante l'applicazione da eseguire. Tali moduli interagiscono fra loro secondo le linee generali del paradigma Client-Server e utilizzando interfacce ben definite. In questo modo, ciascuno dei tre moduli può essere modificato o sostituito indipendentemente dagli altri, conferendo scalabilità e manutenibilità all'applicazione.</a:t>
+            </a:r>
+            <a:endParaRPr kumimoji="0" lang="it-IT" altLang="it-IT" sz="1500" b="0" i="0" u="none" strike="noStrike" cap="none" normalizeH="0" baseline="0" dirty="0">
+              <a:ln>
+                <a:noFill/>
+              </a:ln>
+              <a:solidFill>
+                <a:schemeClr val="tx1"/>
+              </a:solidFill>
+              <a:effectLst/>
+              <a:latin typeface="Century Gothic (Corpo)"/>
+            </a:endParaRPr>
+          </a:p>
+          <a:p>
+            <a:pPr marL="0" marR="0" lvl="0" indent="0" algn="l" defTabSz="914400" rtl="0" eaLnBrk="0" fontAlgn="base" latinLnBrk="0" hangingPunct="0">
+              <a:lnSpc>
+                <a:spcPct val="100000"/>
+              </a:lnSpc>
+              <a:spcBef>
+                <a:spcPct val="0"/>
+              </a:spcBef>
+              <a:spcAft>
+                <a:spcPct val="0"/>
+              </a:spcAft>
+              <a:buClrTx/>
+              <a:buSzTx/>
+              <a:buFontTx/>
+              <a:buNone/>
+              <a:tabLst/>
+            </a:pPr>
+            <a:endParaRPr kumimoji="0" lang="it-IT" altLang="it-IT" sz="1800" b="0" i="0" u="none" strike="noStrike" cap="none" normalizeH="0" baseline="0" dirty="0">
               <a:ln>
                 <a:noFill/>
               </a:ln>
@@ -11904,8 +12001,8 @@
         </p:blipFill>
         <p:spPr bwMode="auto">
           <a:xfrm>
-            <a:off x="866140" y="1071245"/>
-            <a:ext cx="5979160" cy="3098800"/>
+            <a:off x="5764006" y="1625955"/>
+            <a:ext cx="6203577" cy="3606090"/>
           </a:xfrm>
           <a:prstGeom prst="rect">
             <a:avLst/>
@@ -12823,252 +12920,34 @@
             <p:ph type="title"/>
           </p:nvPr>
         </p:nvSpPr>
-        <p:spPr/>
-        <p:txBody>
-          <a:bodyPr/>
-          <a:lstStyle/>
-          <a:p>
-            <a:endParaRPr lang="it-IT"/>
-          </a:p>
-        </p:txBody>
-      </p:sp>
-      <p:sp>
-        <p:nvSpPr>
-          <p:cNvPr id="3" name="Segnaposto contenuto 2">
-            <a:extLst>
-              <a:ext uri="{FF2B5EF4-FFF2-40B4-BE49-F238E27FC236}">
-                <a16:creationId xmlns:a16="http://schemas.microsoft.com/office/drawing/2014/main" id="{ED498983-8D21-40B7-9048-6711DDADCF56}"/>
-              </a:ext>
-            </a:extLst>
-          </p:cNvPr>
-          <p:cNvSpPr>
-            <a:spLocks noGrp="1"/>
-          </p:cNvSpPr>
-          <p:nvPr>
-            <p:ph idx="1"/>
-          </p:nvPr>
-        </p:nvSpPr>
         <p:spPr>
           <a:xfrm>
-            <a:off x="1935480" y="2236470"/>
-            <a:ext cx="10515600" cy="4351338"/>
+            <a:off x="2415092" y="-26894"/>
+            <a:ext cx="8534400" cy="1507067"/>
           </a:xfrm>
         </p:spPr>
         <p:txBody>
           <a:bodyPr/>
           <a:lstStyle/>
           <a:p>
-            <a:endParaRPr lang="it-IT" dirty="0"/>
-          </a:p>
-        </p:txBody>
-      </p:sp>
-      <p:sp>
-        <p:nvSpPr>
-          <p:cNvPr id="4" name="Rectangle 2">
-            <a:extLst>
-              <a:ext uri="{FF2B5EF4-FFF2-40B4-BE49-F238E27FC236}">
-                <a16:creationId xmlns:a16="http://schemas.microsoft.com/office/drawing/2014/main" id="{C208D5D6-250F-4F3A-A3C5-9454CDCD6379}"/>
-              </a:ext>
-            </a:extLst>
-          </p:cNvPr>
-          <p:cNvSpPr>
-            <a:spLocks noChangeArrowheads="1"/>
-          </p:cNvSpPr>
-          <p:nvPr/>
-        </p:nvSpPr>
-        <p:spPr bwMode="auto">
-          <a:xfrm>
-            <a:off x="1097280" y="410845"/>
-            <a:ext cx="12192000" cy="457200"/>
-          </a:xfrm>
-          <a:prstGeom prst="rect">
-            <a:avLst/>
-          </a:prstGeom>
-          <a:noFill/>
-          <a:ln>
-            <a:noFill/>
-          </a:ln>
-          <a:effectLst/>
-          <a:extLst>
-            <a:ext uri="{909E8E84-426E-40DD-AFC4-6F175D3DCCD1}">
-              <a14:hiddenFill xmlns:a14="http://schemas.microsoft.com/office/drawing/2010/main">
-                <a:solidFill>
-                  <a:schemeClr val="accent1"/>
-                </a:solidFill>
-              </a14:hiddenFill>
-            </a:ext>
-            <a:ext uri="{91240B29-F687-4F45-9708-019B960494DF}">
-              <a14:hiddenLine xmlns:a14="http://schemas.microsoft.com/office/drawing/2010/main" w="9525">
-                <a:solidFill>
-                  <a:schemeClr val="tx1"/>
-                </a:solidFill>
-                <a:miter lim="800000"/>
-                <a:headEnd/>
-                <a:tailEnd/>
-              </a14:hiddenLine>
-            </a:ext>
-            <a:ext uri="{AF507438-7753-43E0-B8FC-AC1667EBCBE1}">
-              <a14:hiddenEffects xmlns:a14="http://schemas.microsoft.com/office/drawing/2010/main">
-                <a:effectLst>
-                  <a:outerShdw dist="35921" dir="2700000" algn="ctr" rotWithShape="0">
-                    <a:schemeClr val="bg2"/>
-                  </a:outerShdw>
-                </a:effectLst>
-              </a14:hiddenEffects>
-            </a:ext>
-          </a:extLst>
-        </p:spPr>
-        <p:txBody>
-          <a:bodyPr vert="horz" wrap="none" lIns="91440" tIns="76176" rIns="91440" bIns="0" numCol="1" anchor="ctr" anchorCtr="0" compatLnSpc="1">
-            <a:prstTxWarp prst="textNoShape">
-              <a:avLst/>
-            </a:prstTxWarp>
-            <a:spAutoFit/>
-          </a:bodyPr>
-          <a:lstStyle/>
-          <a:p>
-            <a:pPr marL="0" marR="0" lvl="0" indent="0" algn="l" defTabSz="914400" rtl="0" eaLnBrk="0" fontAlgn="base" latinLnBrk="0" hangingPunct="0">
-              <a:lnSpc>
-                <a:spcPct val="100000"/>
-              </a:lnSpc>
-              <a:spcBef>
-                <a:spcPct val="0"/>
-              </a:spcBef>
-              <a:spcAft>
-                <a:spcPct val="0"/>
-              </a:spcAft>
-              <a:buClrTx/>
-              <a:buSzTx/>
-              <a:buFontTx/>
-              <a:buNone/>
-              <a:tabLst/>
-            </a:pPr>
-            <a:r>
-              <a:rPr kumimoji="0" lang="it-IT" altLang="it-IT" sz="1300" b="0" i="0" u="none" strike="noStrike" cap="none" normalizeH="0" baseline="0">
-                <a:ln>
-                  <a:noFill/>
-                </a:ln>
-                <a:solidFill>
-                  <a:srgbClr val="4472C4"/>
-                </a:solidFill>
-                <a:effectLst/>
-                <a:latin typeface="Calibri Light" panose="020F0302020204030204" pitchFamily="34" charset="0"/>
-                <a:ea typeface="Times New Roman" panose="02020603050405020304" pitchFamily="18" charset="0"/>
-                <a:cs typeface="Times New Roman" panose="02020603050405020304" pitchFamily="18" charset="0"/>
-              </a:rPr>
-              <a:t>3</a:t>
-            </a:r>
-            <a:r>
-              <a:rPr kumimoji="0" lang="it-IT" altLang="it-IT" sz="1300" b="0" i="0" u="none" strike="noStrike" cap="none" normalizeH="0" baseline="0" bmk="">
-                <a:ln>
-                  <a:noFill/>
-                </a:ln>
-                <a:solidFill>
-                  <a:srgbClr val="4472C4"/>
-                </a:solidFill>
-                <a:effectLst/>
-                <a:latin typeface="Calibri Light" panose="020F0302020204030204" pitchFamily="34" charset="0"/>
-                <a:ea typeface="Times New Roman" panose="02020603050405020304" pitchFamily="18" charset="0"/>
-                <a:cs typeface="Times New Roman" panose="02020603050405020304" pitchFamily="18" charset="0"/>
-              </a:rPr>
-              <a:t>.3 Mapping Hardware\Software</a:t>
-            </a:r>
-            <a:endParaRPr kumimoji="0" lang="it-IT" altLang="it-IT" sz="1300" b="0" i="0" u="none" strike="noStrike" cap="none" normalizeH="0" baseline="0">
-              <a:ln>
-                <a:noFill/>
-              </a:ln>
-              <a:solidFill>
-                <a:srgbClr val="2F5496"/>
-              </a:solidFill>
-              <a:effectLst/>
-              <a:latin typeface="Calibri Light" panose="020F0302020204030204" pitchFamily="34" charset="0"/>
-              <a:ea typeface="Times New Roman" panose="02020603050405020304" pitchFamily="18" charset="0"/>
-              <a:cs typeface="Times New Roman" panose="02020603050405020304" pitchFamily="18" charset="0"/>
-            </a:endParaRPr>
-          </a:p>
-          <a:p>
-            <a:pPr marL="0" marR="0" lvl="0" indent="0" algn="l" defTabSz="914400" rtl="0" eaLnBrk="0" fontAlgn="base" latinLnBrk="0" hangingPunct="0">
-              <a:lnSpc>
-                <a:spcPct val="100000"/>
-              </a:lnSpc>
-              <a:spcBef>
-                <a:spcPct val="0"/>
-              </a:spcBef>
-              <a:spcAft>
-                <a:spcPct val="0"/>
-              </a:spcAft>
-              <a:buClrTx/>
-              <a:buSzTx/>
-              <a:buFontTx/>
-              <a:buNone/>
-              <a:tabLst/>
-            </a:pPr>
-            <a:r>
-              <a:rPr kumimoji="0" lang="it-IT" altLang="it-IT" sz="1200" b="0" i="0" u="none" strike="noStrike" cap="none" normalizeH="0" baseline="0">
-                <a:ln>
-                  <a:noFill/>
-                </a:ln>
-                <a:solidFill>
-                  <a:schemeClr val="tx1"/>
-                </a:solidFill>
-                <a:effectLst/>
-                <a:latin typeface="Calibri" panose="020F0502020204030204" pitchFamily="34" charset="0"/>
-                <a:ea typeface="Calibri" panose="020F0502020204030204" pitchFamily="34" charset="0"/>
-                <a:cs typeface="Cambria" panose="02040503050406030204" pitchFamily="18" charset="0"/>
-              </a:rPr>
-              <a:t>Per quanto riguarda il flusso d’informazioni, l’architettura è stata scomposta in due livelli, un livello CLIENT ed un livello SERVER. Rappresentiamo nel seguito la distribuzione delle componenti Hardware e Software sui due nodi.</a:t>
-            </a:r>
-            <a:endParaRPr kumimoji="0" lang="it-IT" altLang="it-IT" sz="1100" b="0" i="0" u="none" strike="noStrike" cap="none" normalizeH="0" baseline="0">
-              <a:ln>
-                <a:noFill/>
-              </a:ln>
-              <a:solidFill>
-                <a:schemeClr val="tx1"/>
-              </a:solidFill>
-              <a:effectLst/>
-            </a:endParaRPr>
-          </a:p>
-          <a:p>
-            <a:pPr marL="0" marR="0" lvl="0" indent="0" algn="l" defTabSz="914400" rtl="0" eaLnBrk="0" fontAlgn="base" latinLnBrk="0" hangingPunct="0">
-              <a:lnSpc>
-                <a:spcPct val="100000"/>
-              </a:lnSpc>
-              <a:spcBef>
-                <a:spcPct val="0"/>
-              </a:spcBef>
-              <a:spcAft>
-                <a:spcPct val="0"/>
-              </a:spcAft>
-              <a:buClrTx/>
-              <a:buSzTx/>
-              <a:buFontTx/>
-              <a:buNone/>
-              <a:tabLst/>
-            </a:pPr>
-            <a:endParaRPr kumimoji="0" lang="it-IT" altLang="it-IT" sz="1800" b="0" i="0" u="none" strike="noStrike" cap="none" normalizeH="0" baseline="0">
-              <a:ln>
-                <a:noFill/>
-              </a:ln>
-              <a:solidFill>
-                <a:schemeClr val="tx1"/>
-              </a:solidFill>
-              <a:effectLst/>
-              <a:latin typeface="Arial" panose="020B0604020202020204" pitchFamily="34" charset="0"/>
-            </a:endParaRPr>
+            <a:r>
+              <a:rPr lang="it-IT" dirty="0"/>
+              <a:t>Mapping Hardware\Software</a:t>
+            </a:r>
           </a:p>
         </p:txBody>
       </p:sp>
       <p:pic>
         <p:nvPicPr>
-          <p:cNvPr id="13313" name="Immagine 7">
+          <p:cNvPr id="6" name="Immagine 5">
             <a:extLst>
               <a:ext uri="{FF2B5EF4-FFF2-40B4-BE49-F238E27FC236}">
-                <a16:creationId xmlns:a16="http://schemas.microsoft.com/office/drawing/2014/main" id="{AE29EF11-760F-4509-9C82-29E96BF79EFB}"/>
+                <a16:creationId xmlns:a16="http://schemas.microsoft.com/office/drawing/2014/main" id="{B9FC53CD-CB75-404D-B0D4-446D364902DE}"/>
               </a:ext>
             </a:extLst>
           </p:cNvPr>
           <p:cNvPicPr>
-            <a:picLocks noChangeAspect="1" noChangeArrowheads="1"/>
+            <a:picLocks noChangeAspect="1"/>
           </p:cNvPicPr>
           <p:nvPr/>
         </p:nvPicPr>
@@ -13080,29 +12959,28 @@
               </a:ext>
             </a:extLst>
           </a:blip>
-          <a:srcRect/>
           <a:stretch>
             <a:fillRect/>
           </a:stretch>
         </p:blipFill>
-        <p:spPr bwMode="auto">
+        <p:spPr>
           <a:xfrm>
-            <a:off x="528955" y="1137920"/>
-            <a:ext cx="7296150" cy="4152900"/>
+            <a:off x="700767" y="1371600"/>
+            <a:ext cx="10790465" cy="5179178"/>
           </a:xfrm>
           <a:prstGeom prst="rect">
             <a:avLst/>
           </a:prstGeom>
-          <a:noFill/>
-          <a:extLst>
-            <a:ext uri="{909E8E84-426E-40DD-AFC4-6F175D3DCCD1}">
-              <a14:hiddenFill xmlns:a14="http://schemas.microsoft.com/office/drawing/2010/main">
-                <a:solidFill>
-                  <a:srgbClr val="FFFFFF"/>
-                </a:solidFill>
-              </a14:hiddenFill>
-            </a:ext>
-          </a:extLst>
+          <a:ln>
+            <a:noFill/>
+          </a:ln>
+          <a:effectLst>
+            <a:outerShdw blurRad="292100" dist="139700" dir="2700000" algn="tl" rotWithShape="0">
+              <a:srgbClr val="333333">
+                <a:alpha val="65000"/>
+              </a:srgbClr>
+            </a:outerShdw>
+          </a:effectLst>
         </p:spPr>
       </p:pic>
     </p:spTree>
@@ -13151,7 +13029,12 @@
             <p:ph type="title"/>
           </p:nvPr>
         </p:nvSpPr>
-        <p:spPr/>
+        <p:spPr>
+          <a:xfrm>
+            <a:off x="4117518" y="28135"/>
+            <a:ext cx="4830323" cy="1507067"/>
+          </a:xfrm>
+        </p:spPr>
         <p:txBody>
           <a:bodyPr/>
           <a:lstStyle/>
@@ -13165,15 +13048,15 @@
       </p:sp>
       <p:pic>
         <p:nvPicPr>
-          <p:cNvPr id="4" name="Segnaposto contenuto 3">
+          <p:cNvPr id="7" name="Segnaposto contenuto 6">
             <a:extLst>
               <a:ext uri="{FF2B5EF4-FFF2-40B4-BE49-F238E27FC236}">
-                <a16:creationId xmlns:a16="http://schemas.microsoft.com/office/drawing/2014/main" id="{CAC18AC5-0B78-4EAE-B2F2-0D97E35B6D85}"/>
+                <a16:creationId xmlns:a16="http://schemas.microsoft.com/office/drawing/2014/main" id="{46F9B791-5C85-471D-888A-B62744339A73}"/>
               </a:ext>
             </a:extLst>
           </p:cNvPr>
           <p:cNvPicPr>
-            <a:picLocks noGrp="1"/>
+            <a:picLocks noGrp="1" noChangeAspect="1"/>
           </p:cNvPicPr>
           <p:nvPr>
             <p:ph idx="1"/>
@@ -13191,18 +13074,24 @@
             <a:fillRect/>
           </a:stretch>
         </p:blipFill>
-        <p:spPr bwMode="auto">
+        <p:spPr>
           <a:xfrm>
-            <a:off x="1010344" y="685800"/>
-            <a:ext cx="7882137" cy="3614738"/>
+            <a:off x="898211" y="1294228"/>
+            <a:ext cx="10395578" cy="5328880"/>
           </a:xfrm>
           <a:prstGeom prst="rect">
             <a:avLst/>
           </a:prstGeom>
-          <a:noFill/>
           <a:ln>
             <a:noFill/>
           </a:ln>
+          <a:effectLst>
+            <a:outerShdw blurRad="292100" dist="139700" dir="2700000" algn="tl" rotWithShape="0">
+              <a:srgbClr val="333333">
+                <a:alpha val="65000"/>
+              </a:srgbClr>
+            </a:outerShdw>
+          </a:effectLst>
         </p:spPr>
       </p:pic>
     </p:spTree>
@@ -13251,9 +13140,16 @@
             <p:ph type="title"/>
           </p:nvPr>
         </p:nvSpPr>
-        <p:spPr/>
+        <p:spPr>
+          <a:xfrm>
+            <a:off x="3760220" y="287383"/>
+            <a:ext cx="4671559" cy="701481"/>
+          </a:xfrm>
+        </p:spPr>
         <p:txBody>
-          <a:bodyPr/>
+          <a:bodyPr>
+            <a:normAutofit fontScale="90000"/>
+          </a:bodyPr>
           <a:lstStyle/>
           <a:p>
             <a:r>
@@ -13297,16 +13193,22 @@
         </p:blipFill>
         <p:spPr bwMode="auto">
           <a:xfrm>
-            <a:off x="2244461" y="685800"/>
-            <a:ext cx="5413904" cy="3614738"/>
+            <a:off x="1821034" y="1123406"/>
+            <a:ext cx="8549932" cy="5447211"/>
           </a:xfrm>
           <a:prstGeom prst="rect">
             <a:avLst/>
           </a:prstGeom>
-          <a:noFill/>
           <a:ln>
             <a:noFill/>
           </a:ln>
+          <a:effectLst>
+            <a:outerShdw blurRad="292100" dist="139700" dir="2700000" algn="tl" rotWithShape="0">
+              <a:srgbClr val="333333">
+                <a:alpha val="65000"/>
+              </a:srgbClr>
+            </a:outerShdw>
+          </a:effectLst>
         </p:spPr>
       </p:pic>
     </p:spTree>
@@ -13355,7 +13257,12 @@
             <p:ph type="title"/>
           </p:nvPr>
         </p:nvSpPr>
-        <p:spPr/>
+        <p:spPr>
+          <a:xfrm>
+            <a:off x="4014797" y="2"/>
+            <a:ext cx="4162403" cy="972942"/>
+          </a:xfrm>
+        </p:spPr>
         <p:txBody>
           <a:bodyPr/>
           <a:lstStyle/>
@@ -13367,39 +13274,52 @@
           </a:p>
         </p:txBody>
       </p:sp>
-      <p:sp>
-        <p:nvSpPr>
-          <p:cNvPr id="3" name="Segnaposto contenuto 2">
+      <p:pic>
+        <p:nvPicPr>
+          <p:cNvPr id="7" name="Immagine 6" descr="Immagine che contiene screenshot&#10;&#10;Descrizione generata automaticamente">
             <a:extLst>
               <a:ext uri="{FF2B5EF4-FFF2-40B4-BE49-F238E27FC236}">
-                <a16:creationId xmlns:a16="http://schemas.microsoft.com/office/drawing/2014/main" id="{E3660884-2147-4D96-A5B3-5B431337A04A}"/>
+                <a16:creationId xmlns:a16="http://schemas.microsoft.com/office/drawing/2014/main" id="{21261725-2045-4ED6-889A-68BE344824D6}"/>
               </a:ext>
             </a:extLst>
           </p:cNvPr>
-          <p:cNvSpPr>
-            <a:spLocks noGrp="1"/>
-          </p:cNvSpPr>
-          <p:nvPr>
-            <p:ph idx="1"/>
-          </p:nvPr>
-        </p:nvSpPr>
-        <p:spPr/>
-        <p:txBody>
-          <a:bodyPr/>
-          <a:lstStyle/>
-          <a:p>
-            <a:r>
-              <a:rPr lang="it-IT" dirty="0"/>
-              <a:t>.</a:t>
-            </a:r>
-            <a:r>
-              <a:rPr lang="it-IT" dirty="0" err="1"/>
-              <a:t>svg</a:t>
-            </a:r>
-            <a:endParaRPr lang="it-IT" dirty="0"/>
-          </a:p>
-        </p:txBody>
-      </p:sp>
+          <p:cNvPicPr>
+            <a:picLocks noChangeAspect="1"/>
+          </p:cNvPicPr>
+          <p:nvPr/>
+        </p:nvPicPr>
+        <p:blipFill>
+          <a:blip r:embed="rId2">
+            <a:extLst>
+              <a:ext uri="{28A0092B-C50C-407E-A947-70E740481C1C}">
+                <a14:useLocalDpi xmlns:a14="http://schemas.microsoft.com/office/drawing/2010/main" val="0"/>
+              </a:ext>
+            </a:extLst>
+          </a:blip>
+          <a:stretch>
+            <a:fillRect/>
+          </a:stretch>
+        </p:blipFill>
+        <p:spPr>
+          <a:xfrm>
+            <a:off x="2129246" y="1149533"/>
+            <a:ext cx="7154090" cy="5711877"/>
+          </a:xfrm>
+          <a:prstGeom prst="rect">
+            <a:avLst/>
+          </a:prstGeom>
+          <a:ln>
+            <a:noFill/>
+          </a:ln>
+          <a:effectLst>
+            <a:outerShdw blurRad="292100" dist="139700" dir="2700000" algn="tl" rotWithShape="0">
+              <a:srgbClr val="333333">
+                <a:alpha val="65000"/>
+              </a:srgbClr>
+            </a:outerShdw>
+          </a:effectLst>
+        </p:spPr>
+      </p:pic>
     </p:spTree>
     <p:extLst>
       <p:ext uri="{BB962C8B-B14F-4D97-AF65-F5344CB8AC3E}">
@@ -13446,7 +13366,12 @@
             <p:ph type="title"/>
           </p:nvPr>
         </p:nvSpPr>
-        <p:spPr/>
+        <p:spPr>
+          <a:xfrm>
+            <a:off x="3825535" y="0"/>
+            <a:ext cx="4540930" cy="1097280"/>
+          </a:xfrm>
+        </p:spPr>
         <p:txBody>
           <a:bodyPr/>
           <a:lstStyle/>
@@ -13472,11 +13397,16 @@
           </p:cNvGraphicFramePr>
           <p:nvPr>
             <p:ph idx="1"/>
+            <p:extLst>
+              <p:ext uri="{D42A27DB-BD31-4B8C-83A1-F6EECF244321}">
+                <p14:modId xmlns:p14="http://schemas.microsoft.com/office/powerpoint/2010/main" val="3931840674"/>
+              </p:ext>
+            </p:extLst>
           </p:nvPr>
         </p:nvGraphicFramePr>
         <p:xfrm>
-          <a:off x="2630487" y="2007394"/>
-          <a:ext cx="6931026" cy="3987800"/>
+          <a:off x="1972491" y="1358538"/>
+          <a:ext cx="7589022" cy="4980660"/>
         </p:xfrm>
         <a:graphic>
           <a:graphicData uri="http://schemas.openxmlformats.org/drawingml/2006/table">
@@ -13485,42 +13415,42 @@
                 <a:tableStyleId>{5C22544A-7EE6-4342-B048-85BDC9FD1C3A}</a:tableStyleId>
               </a:tblPr>
               <a:tblGrid>
-                <a:gridCol w="1156383">
+                <a:gridCol w="1266164">
                   <a:extLst>
                     <a:ext uri="{9D8B030D-6E8A-4147-A177-3AD203B41FA5}">
                       <a16:colId xmlns:a16="http://schemas.microsoft.com/office/drawing/2014/main" val="1503878429"/>
                     </a:ext>
                   </a:extLst>
                 </a:gridCol>
-                <a:gridCol w="1090927">
+                <a:gridCol w="1194494">
                   <a:extLst>
                     <a:ext uri="{9D8B030D-6E8A-4147-A177-3AD203B41FA5}">
                       <a16:colId xmlns:a16="http://schemas.microsoft.com/office/drawing/2014/main" val="320299750"/>
                     </a:ext>
                   </a:extLst>
                 </a:gridCol>
-                <a:gridCol w="1144868">
+                <a:gridCol w="1253556">
                   <a:extLst>
                     <a:ext uri="{9D8B030D-6E8A-4147-A177-3AD203B41FA5}">
                       <a16:colId xmlns:a16="http://schemas.microsoft.com/office/drawing/2014/main" val="3378945053"/>
                     </a:ext>
                   </a:extLst>
                 </a:gridCol>
-                <a:gridCol w="1144868">
+                <a:gridCol w="1253556">
                   <a:extLst>
                     <a:ext uri="{9D8B030D-6E8A-4147-A177-3AD203B41FA5}">
                       <a16:colId xmlns:a16="http://schemas.microsoft.com/office/drawing/2014/main" val="2977219294"/>
                     </a:ext>
                   </a:extLst>
                 </a:gridCol>
-                <a:gridCol w="1196990">
+                <a:gridCol w="1310626">
                   <a:extLst>
                     <a:ext uri="{9D8B030D-6E8A-4147-A177-3AD203B41FA5}">
                       <a16:colId xmlns:a16="http://schemas.microsoft.com/office/drawing/2014/main" val="3492507597"/>
                     </a:ext>
                   </a:extLst>
                 </a:gridCol>
-                <a:gridCol w="1196990">
+                <a:gridCol w="1310626">
                   <a:extLst>
                     <a:ext uri="{9D8B030D-6E8A-4147-A177-3AD203B41FA5}">
                       <a16:colId xmlns:a16="http://schemas.microsoft.com/office/drawing/2014/main" val="137771444"/>
@@ -13528,7 +13458,7 @@
                   </a:extLst>
                 </a:gridCol>
               </a:tblGrid>
-              <a:tr h="0">
+              <a:tr h="174067">
                 <a:tc rowSpan="2">
                   <a:txBody>
                     <a:bodyPr/>
@@ -13543,12 +13473,12 @@
                         </a:spcAft>
                       </a:pPr>
                       <a:r>
-                        <a:rPr lang="it-IT" sz="1200">
+                        <a:rPr lang="it-IT" sz="1200" dirty="0">
                           <a:effectLst/>
                         </a:rPr>
                         <a:t>     Attore</a:t>
                       </a:r>
-                      <a:endParaRPr lang="it-IT" sz="1100">
+                      <a:endParaRPr lang="it-IT" sz="1100" dirty="0">
                         <a:effectLst/>
                         <a:latin typeface="Calibri" panose="020F0502020204030204" pitchFamily="34" charset="0"/>
                         <a:ea typeface="Times New Roman" panose="02020603050405020304" pitchFamily="18" charset="0"/>
@@ -13633,7 +13563,7 @@
                   </a:ext>
                 </a:extLst>
               </a:tr>
-              <a:tr h="0">
+              <a:tr h="159616">
                 <a:tc vMerge="1">
                   <a:txBody>
                     <a:bodyPr/>
@@ -13795,7 +13725,7 @@
                   </a:ext>
                 </a:extLst>
               </a:tr>
-              <a:tr h="0">
+              <a:tr h="997602">
                 <a:tc>
                   <a:txBody>
                     <a:bodyPr/>
@@ -13868,12 +13798,12 @@
                         </a:spcAft>
                       </a:pPr>
                       <a:r>
-                        <a:rPr lang="it-IT" sz="1100">
+                        <a:rPr lang="it-IT" sz="1100" dirty="0">
                           <a:effectLst/>
                         </a:rPr>
                         <a:t> </a:t>
                       </a:r>
-                      <a:endParaRPr lang="it-IT" sz="1100">
+                      <a:endParaRPr lang="it-IT" sz="1100" dirty="0">
                         <a:effectLst/>
                         <a:latin typeface="Calibri" panose="020F0502020204030204" pitchFamily="34" charset="0"/>
                         <a:ea typeface="Times New Roman" panose="02020603050405020304" pitchFamily="18" charset="0"/>
@@ -14040,7 +13970,7 @@
                   </a:ext>
                 </a:extLst>
               </a:tr>
-              <a:tr h="0">
+              <a:tr h="1165199">
                 <a:tc>
                   <a:txBody>
                     <a:bodyPr/>
@@ -14445,7 +14375,7 @@
                   </a:ext>
                 </a:extLst>
               </a:tr>
-              <a:tr h="1543685">
+              <a:tr h="1469800">
                 <a:tc>
                   <a:txBody>
                     <a:bodyPr/>
@@ -14722,7 +14652,7 @@
                   </a:ext>
                 </a:extLst>
               </a:tr>
-              <a:tr h="0">
+              <a:tr h="997602">
                 <a:tc>
                   <a:txBody>
                     <a:bodyPr/>
@@ -14888,12 +14818,12 @@
                         </a:spcAft>
                       </a:pPr>
                       <a:r>
-                        <a:rPr lang="it-IT" sz="1100">
+                        <a:rPr lang="it-IT" sz="1100" dirty="0">
                           <a:effectLst/>
                         </a:rPr>
                         <a:t> </a:t>
                       </a:r>
-                      <a:endParaRPr lang="it-IT" sz="1100">
+                      <a:endParaRPr lang="it-IT" sz="1100" dirty="0">
                         <a:effectLst/>
                         <a:latin typeface="Calibri" panose="020F0502020204030204" pitchFamily="34" charset="0"/>
                         <a:ea typeface="Times New Roman" panose="02020603050405020304" pitchFamily="18" charset="0"/>
@@ -15539,7 +15469,12 @@
             <p:ph type="title"/>
           </p:nvPr>
         </p:nvSpPr>
-        <p:spPr/>
+        <p:spPr>
+          <a:xfrm>
+            <a:off x="3074714" y="0"/>
+            <a:ext cx="5638211" cy="1149531"/>
+          </a:xfrm>
+        </p:spPr>
         <p:txBody>
           <a:bodyPr/>
           <a:lstStyle/>
@@ -15565,11 +15500,16 @@
           </p:cNvGraphicFramePr>
           <p:nvPr>
             <p:ph idx="1"/>
+            <p:extLst>
+              <p:ext uri="{D42A27DB-BD31-4B8C-83A1-F6EECF244321}">
+                <p14:modId xmlns:p14="http://schemas.microsoft.com/office/powerpoint/2010/main" val="4276387513"/>
+              </p:ext>
+            </p:extLst>
           </p:nvPr>
         </p:nvGraphicFramePr>
         <p:xfrm>
-          <a:off x="4087278" y="1825625"/>
-          <a:ext cx="4017443" cy="4351337"/>
+          <a:off x="3398116" y="1511905"/>
+          <a:ext cx="4991408" cy="5026369"/>
         </p:xfrm>
         <a:graphic>
           <a:graphicData uri="http://schemas.openxmlformats.org/drawingml/2006/table">
@@ -15578,14 +15518,14 @@
                 <a:tableStyleId>{5C22544A-7EE6-4342-B048-85BDC9FD1C3A}</a:tableStyleId>
               </a:tblPr>
               <a:tblGrid>
-                <a:gridCol w="1514300">
+                <a:gridCol w="1881417">
                   <a:extLst>
                     <a:ext uri="{9D8B030D-6E8A-4147-A177-3AD203B41FA5}">
                       <a16:colId xmlns:a16="http://schemas.microsoft.com/office/drawing/2014/main" val="598864868"/>
                     </a:ext>
                   </a:extLst>
                 </a:gridCol>
-                <a:gridCol w="2503143">
+                <a:gridCol w="3109991">
                   <a:extLst>
                     <a:ext uri="{9D8B030D-6E8A-4147-A177-3AD203B41FA5}">
                       <a16:colId xmlns:a16="http://schemas.microsoft.com/office/drawing/2014/main" val="2849892385"/>
@@ -15593,7 +15533,7 @@
                   </a:extLst>
                 </a:gridCol>
               </a:tblGrid>
-              <a:tr h="322658">
+              <a:tr h="344491">
                 <a:tc>
                   <a:txBody>
                     <a:bodyPr/>
@@ -15658,7 +15598,7 @@
                   </a:ext>
                 </a:extLst>
               </a:tr>
-              <a:tr h="770527">
+              <a:tr h="976274">
                 <a:tc>
                   <a:txBody>
                     <a:bodyPr/>
@@ -15673,12 +15613,12 @@
                         </a:spcAft>
                       </a:pPr>
                       <a:r>
-                        <a:rPr lang="it-IT" sz="1000">
+                        <a:rPr lang="it-IT" sz="1000" dirty="0">
                           <a:effectLst/>
                         </a:rPr>
                         <a:t>Descrizione</a:t>
                       </a:r>
-                      <a:endParaRPr lang="it-IT" sz="900">
+                      <a:endParaRPr lang="it-IT" sz="900" dirty="0">
                         <a:effectLst/>
                         <a:latin typeface="Calibri" panose="020F0502020204030204" pitchFamily="34" charset="0"/>
                         <a:ea typeface="Times New Roman" panose="02020603050405020304" pitchFamily="18" charset="0"/>
@@ -15699,7 +15639,7 @@
                         </a:spcAft>
                       </a:pPr>
                       <a:r>
-                        <a:rPr lang="it-IT" sz="1000">
+                        <a:rPr lang="it-IT" sz="1000" dirty="0">
                           <a:effectLst/>
                         </a:rPr>
                         <a:t> </a:t>
@@ -15712,7 +15652,7 @@
                         </a:spcAft>
                       </a:pPr>
                       <a:r>
-                        <a:rPr lang="it-IT" sz="1000">
+                        <a:rPr lang="it-IT" sz="1000" dirty="0">
                           <a:effectLst/>
                         </a:rPr>
                         <a:t>Sottosistema che gestisce la visualizzazione degli ordini, la ricerca degli ordini e le operazioni necessarie alla loro gestione.</a:t>
@@ -15725,10 +15665,199 @@
                         </a:spcAft>
                       </a:pPr>
                       <a:r>
+                        <a:rPr lang="it-IT" sz="1000" dirty="0">
+                          <a:effectLst/>
+                        </a:rPr>
+                        <a:t> </a:t>
+                      </a:r>
+                      <a:endParaRPr lang="it-IT" sz="1000" dirty="0">
+                        <a:solidFill>
+                          <a:srgbClr val="000000"/>
+                        </a:solidFill>
+                        <a:effectLst/>
+                        <a:latin typeface="Arial" panose="020B0604020202020204" pitchFamily="34" charset="0"/>
+                        <a:ea typeface="Times New Roman" panose="02020603050405020304" pitchFamily="18" charset="0"/>
+                        <a:cs typeface="Arial" panose="020B0604020202020204" pitchFamily="34" charset="0"/>
+                      </a:endParaRPr>
+                    </a:p>
+                  </a:txBody>
+                  <a:tcPr marL="57790" marR="57790" marT="0" marB="0" anchor="ctr"/>
+                </a:tc>
+                <a:extLst>
+                  <a:ext uri="{0D108BD9-81ED-4DB2-BD59-A6C34878D82A}">
+                    <a16:rowId xmlns:a16="http://schemas.microsoft.com/office/drawing/2014/main" val="176611155"/>
+                  </a:ext>
+                </a:extLst>
+              </a:tr>
+              <a:tr h="239944">
+                <a:tc gridSpan="2">
+                  <a:txBody>
+                    <a:bodyPr/>
+                    <a:lstStyle/>
+                    <a:p>
+                      <a:pPr algn="ctr">
+                        <a:lnSpc>
+                          <a:spcPct val="105000"/>
+                        </a:lnSpc>
+                        <a:spcAft>
+                          <a:spcPts val="0"/>
+                        </a:spcAft>
+                      </a:pPr>
+                      <a:r>
                         <a:rPr lang="it-IT" sz="1000">
                           <a:effectLst/>
                         </a:rPr>
+                        <a:t>Servizi offerti</a:t>
+                      </a:r>
+                      <a:endParaRPr lang="it-IT" sz="900">
+                        <a:effectLst/>
+                        <a:latin typeface="Calibri" panose="020F0502020204030204" pitchFamily="34" charset="0"/>
+                        <a:ea typeface="Times New Roman" panose="02020603050405020304" pitchFamily="18" charset="0"/>
+                        <a:cs typeface="Arial" panose="020B0604020202020204" pitchFamily="34" charset="0"/>
+                      </a:endParaRPr>
+                    </a:p>
+                  </a:txBody>
+                  <a:tcPr marL="57790" marR="57790" marT="0" marB="0" anchor="ctr"/>
+                </a:tc>
+                <a:tc hMerge="1">
+                  <a:txBody>
+                    <a:bodyPr/>
+                    <a:lstStyle/>
+                    <a:p>
+                      <a:endParaRPr lang="it-IT"/>
+                    </a:p>
+                  </a:txBody>
+                  <a:tcPr/>
+                </a:tc>
+                <a:extLst>
+                  <a:ext uri="{0D108BD9-81ED-4DB2-BD59-A6C34878D82A}">
+                    <a16:rowId xmlns:a16="http://schemas.microsoft.com/office/drawing/2014/main" val="1999732041"/>
+                  </a:ext>
+                </a:extLst>
+              </a:tr>
+              <a:tr h="184529">
+                <a:tc>
+                  <a:txBody>
+                    <a:bodyPr/>
+                    <a:lstStyle/>
+                    <a:p>
+                      <a:pPr algn="ctr">
+                        <a:lnSpc>
+                          <a:spcPct val="105000"/>
+                        </a:lnSpc>
+                        <a:spcAft>
+                          <a:spcPts val="0"/>
+                        </a:spcAft>
+                      </a:pPr>
+                      <a:r>
+                        <a:rPr lang="it-IT" sz="1000">
+                          <a:effectLst/>
+                        </a:rPr>
+                        <a:t>Servizio</a:t>
+                      </a:r>
+                      <a:endParaRPr lang="it-IT" sz="900">
+                        <a:effectLst/>
+                        <a:latin typeface="Calibri" panose="020F0502020204030204" pitchFamily="34" charset="0"/>
+                        <a:ea typeface="Times New Roman" panose="02020603050405020304" pitchFamily="18" charset="0"/>
+                        <a:cs typeface="Arial" panose="020B0604020202020204" pitchFamily="34" charset="0"/>
+                      </a:endParaRPr>
+                    </a:p>
+                  </a:txBody>
+                  <a:tcPr marL="57790" marR="57790" marT="0" marB="0" anchor="ctr"/>
+                </a:tc>
+                <a:tc>
+                  <a:txBody>
+                    <a:bodyPr/>
+                    <a:lstStyle/>
+                    <a:p>
+                      <a:pPr algn="ctr">
+                        <a:lnSpc>
+                          <a:spcPct val="105000"/>
+                        </a:lnSpc>
+                        <a:spcAft>
+                          <a:spcPts val="0"/>
+                        </a:spcAft>
+                      </a:pPr>
+                      <a:r>
+                        <a:rPr lang="it-IT" sz="1000">
+                          <a:effectLst/>
+                        </a:rPr>
+                        <a:t>Descrizione</a:t>
+                      </a:r>
+                      <a:endParaRPr lang="it-IT" sz="900">
+                        <a:effectLst/>
+                        <a:latin typeface="Calibri" panose="020F0502020204030204" pitchFamily="34" charset="0"/>
+                        <a:ea typeface="Times New Roman" panose="02020603050405020304" pitchFamily="18" charset="0"/>
+                        <a:cs typeface="Arial" panose="020B0604020202020204" pitchFamily="34" charset="0"/>
+                      </a:endParaRPr>
+                    </a:p>
+                  </a:txBody>
+                  <a:tcPr marL="57790" marR="57790" marT="0" marB="0" anchor="ctr"/>
+                </a:tc>
+                <a:extLst>
+                  <a:ext uri="{0D108BD9-81ED-4DB2-BD59-A6C34878D82A}">
+                    <a16:rowId xmlns:a16="http://schemas.microsoft.com/office/drawing/2014/main" val="4055033564"/>
+                  </a:ext>
+                </a:extLst>
+              </a:tr>
+              <a:tr h="488137">
+                <a:tc>
+                  <a:txBody>
+                    <a:bodyPr/>
+                    <a:lstStyle/>
+                    <a:p>
+                      <a:pPr algn="ctr">
+                        <a:lnSpc>
+                          <a:spcPct val="105000"/>
+                        </a:lnSpc>
+                        <a:spcAft>
+                          <a:spcPts val="0"/>
+                        </a:spcAft>
+                      </a:pPr>
+                      <a:r>
+                        <a:rPr lang="it-IT" sz="1000">
+                          <a:effectLst/>
+                        </a:rPr>
+                        <a:t>Visualizza lista ordini</a:t>
+                      </a:r>
+                      <a:endParaRPr lang="it-IT" sz="900">
+                        <a:effectLst/>
+                        <a:latin typeface="Calibri" panose="020F0502020204030204" pitchFamily="34" charset="0"/>
+                        <a:ea typeface="Times New Roman" panose="02020603050405020304" pitchFamily="18" charset="0"/>
+                        <a:cs typeface="Arial" panose="020B0604020202020204" pitchFamily="34" charset="0"/>
+                      </a:endParaRPr>
+                    </a:p>
+                  </a:txBody>
+                  <a:tcPr marL="57790" marR="57790" marT="0" marB="0" anchor="ctr"/>
+                </a:tc>
+                <a:tc>
+                  <a:txBody>
+                    <a:bodyPr/>
+                    <a:lstStyle/>
+                    <a:p>
+                      <a:pPr algn="ctr">
+                        <a:spcAft>
+                          <a:spcPts val="0"/>
+                        </a:spcAft>
+                      </a:pPr>
+                      <a:r>
+                        <a:rPr lang="it-IT" sz="1000">
+                          <a:effectLst/>
+                        </a:rPr>
                         <a:t> </a:t>
+                      </a:r>
+                    </a:p>
+                    <a:p>
+                      <a:pPr algn="ctr">
+                        <a:spcAft>
+                          <a:spcPts val="0"/>
+                        </a:spcAft>
+                      </a:pPr>
+                      <a:r>
+                        <a:rPr lang="it-IT" sz="1000">
+                          <a:effectLst/>
+                        </a:rPr>
+                        <a:t>Permette di visualizzare la lista degli ordini.</a:t>
                       </a:r>
                       <a:endParaRPr lang="it-IT" sz="1000">
                         <a:solidFill>
@@ -15745,12 +15874,12 @@
                 </a:tc>
                 <a:extLst>
                   <a:ext uri="{0D108BD9-81ED-4DB2-BD59-A6C34878D82A}">
-                    <a16:rowId xmlns:a16="http://schemas.microsoft.com/office/drawing/2014/main" val="176611155"/>
+                    <a16:rowId xmlns:a16="http://schemas.microsoft.com/office/drawing/2014/main" val="746432969"/>
                   </a:ext>
                 </a:extLst>
               </a:tr>
-              <a:tr h="224737">
-                <a:tc gridSpan="2">
+              <a:tr h="454180">
+                <a:tc>
                   <a:txBody>
                     <a:bodyPr/>
                     <a:lstStyle/>
@@ -15767,53 +15896,7 @@
                         <a:rPr lang="it-IT" sz="1000">
                           <a:effectLst/>
                         </a:rPr>
-                        <a:t>Servizi offerti</a:t>
-                      </a:r>
-                      <a:endParaRPr lang="it-IT" sz="900">
-                        <a:effectLst/>
-                        <a:latin typeface="Calibri" panose="020F0502020204030204" pitchFamily="34" charset="0"/>
-                        <a:ea typeface="Times New Roman" panose="02020603050405020304" pitchFamily="18" charset="0"/>
-                        <a:cs typeface="Arial" panose="020B0604020202020204" pitchFamily="34" charset="0"/>
-                      </a:endParaRPr>
-                    </a:p>
-                  </a:txBody>
-                  <a:tcPr marL="57790" marR="57790" marT="0" marB="0" anchor="ctr"/>
-                </a:tc>
-                <a:tc hMerge="1">
-                  <a:txBody>
-                    <a:bodyPr/>
-                    <a:lstStyle/>
-                    <a:p>
-                      <a:endParaRPr lang="it-IT"/>
-                    </a:p>
-                  </a:txBody>
-                  <a:tcPr/>
-                </a:tc>
-                <a:extLst>
-                  <a:ext uri="{0D108BD9-81ED-4DB2-BD59-A6C34878D82A}">
-                    <a16:rowId xmlns:a16="http://schemas.microsoft.com/office/drawing/2014/main" val="1999732041"/>
-                  </a:ext>
-                </a:extLst>
-              </a:tr>
-              <a:tr h="172834">
-                <a:tc>
-                  <a:txBody>
-                    <a:bodyPr/>
-                    <a:lstStyle/>
-                    <a:p>
-                      <a:pPr algn="ctr">
-                        <a:lnSpc>
-                          <a:spcPct val="105000"/>
-                        </a:lnSpc>
-                        <a:spcAft>
-                          <a:spcPts val="0"/>
-                        </a:spcAft>
-                      </a:pPr>
-                      <a:r>
-                        <a:rPr lang="it-IT" sz="1000">
-                          <a:effectLst/>
-                        </a:rPr>
-                        <a:t>Servizio</a:t>
+                        <a:t>Annullare ordine</a:t>
                       </a:r>
                       <a:endParaRPr lang="it-IT" sz="900">
                         <a:effectLst/>
@@ -15831,9 +15914,6 @@
                     <a:lstStyle/>
                     <a:p>
                       <a:pPr algn="ctr">
-                        <a:lnSpc>
-                          <a:spcPct val="105000"/>
-                        </a:lnSpc>
                         <a:spcAft>
                           <a:spcPts val="0"/>
                         </a:spcAft>
@@ -15842,82 +15922,7 @@
                         <a:rPr lang="it-IT" sz="1000">
                           <a:effectLst/>
                         </a:rPr>
-                        <a:t>Descrizione</a:t>
-                      </a:r>
-                      <a:endParaRPr lang="it-IT" sz="900">
-                        <a:effectLst/>
-                        <a:latin typeface="Calibri" panose="020F0502020204030204" pitchFamily="34" charset="0"/>
-                        <a:ea typeface="Times New Roman" panose="02020603050405020304" pitchFamily="18" charset="0"/>
-                        <a:cs typeface="Arial" panose="020B0604020202020204" pitchFamily="34" charset="0"/>
-                      </a:endParaRPr>
-                    </a:p>
-                  </a:txBody>
-                  <a:tcPr marL="57790" marR="57790" marT="0" marB="0" anchor="ctr"/>
-                </a:tc>
-                <a:extLst>
-                  <a:ext uri="{0D108BD9-81ED-4DB2-BD59-A6C34878D82A}">
-                    <a16:rowId xmlns:a16="http://schemas.microsoft.com/office/drawing/2014/main" val="4055033564"/>
-                  </a:ext>
-                </a:extLst>
-              </a:tr>
-              <a:tr h="308211">
-                <a:tc>
-                  <a:txBody>
-                    <a:bodyPr/>
-                    <a:lstStyle/>
-                    <a:p>
-                      <a:pPr algn="ctr">
-                        <a:lnSpc>
-                          <a:spcPct val="105000"/>
-                        </a:lnSpc>
-                        <a:spcAft>
-                          <a:spcPts val="0"/>
-                        </a:spcAft>
-                      </a:pPr>
-                      <a:r>
-                        <a:rPr lang="it-IT" sz="1000">
-                          <a:effectLst/>
-                        </a:rPr>
-                        <a:t>Visualizza lista ordini</a:t>
-                      </a:r>
-                      <a:endParaRPr lang="it-IT" sz="900">
-                        <a:effectLst/>
-                        <a:latin typeface="Calibri" panose="020F0502020204030204" pitchFamily="34" charset="0"/>
-                        <a:ea typeface="Times New Roman" panose="02020603050405020304" pitchFamily="18" charset="0"/>
-                        <a:cs typeface="Arial" panose="020B0604020202020204" pitchFamily="34" charset="0"/>
-                      </a:endParaRPr>
-                    </a:p>
-                  </a:txBody>
-                  <a:tcPr marL="57790" marR="57790" marT="0" marB="0" anchor="ctr"/>
-                </a:tc>
-                <a:tc>
-                  <a:txBody>
-                    <a:bodyPr/>
-                    <a:lstStyle/>
-                    <a:p>
-                      <a:pPr algn="ctr">
-                        <a:spcAft>
-                          <a:spcPts val="0"/>
-                        </a:spcAft>
-                      </a:pPr>
-                      <a:r>
-                        <a:rPr lang="it-IT" sz="1000">
-                          <a:effectLst/>
-                        </a:rPr>
-                        <a:t> </a:t>
-                      </a:r>
-                    </a:p>
-                    <a:p>
-                      <a:pPr algn="ctr">
-                        <a:spcAft>
-                          <a:spcPts val="0"/>
-                        </a:spcAft>
-                      </a:pPr>
-                      <a:r>
-                        <a:rPr lang="it-IT" sz="1000">
-                          <a:effectLst/>
-                        </a:rPr>
-                        <a:t>Permette di visualizzare la lista degli ordini.</a:t>
+                        <a:t>Permette ad un utente di poter annullare un ordine.</a:t>
                       </a:r>
                       <a:endParaRPr lang="it-IT" sz="1000">
                         <a:solidFill>
@@ -15934,11 +15939,11 @@
                 </a:tc>
                 <a:extLst>
                   <a:ext uri="{0D108BD9-81ED-4DB2-BD59-A6C34878D82A}">
-                    <a16:rowId xmlns:a16="http://schemas.microsoft.com/office/drawing/2014/main" val="746432969"/>
+                    <a16:rowId xmlns:a16="http://schemas.microsoft.com/office/drawing/2014/main" val="2047130399"/>
                   </a:ext>
                 </a:extLst>
               </a:tr>
-              <a:tr h="425395">
+              <a:tr h="488137">
                 <a:tc>
                   <a:txBody>
                     <a:bodyPr/>
@@ -15956,7 +15961,7 @@
                         <a:rPr lang="it-IT" sz="1000">
                           <a:effectLst/>
                         </a:rPr>
-                        <a:t>Annullare ordine</a:t>
+                        <a:t>Modifica stato ordine</a:t>
                       </a:r>
                       <a:endParaRPr lang="it-IT" sz="900">
                         <a:effectLst/>
@@ -15982,7 +15987,20 @@
                         <a:rPr lang="it-IT" sz="1000">
                           <a:effectLst/>
                         </a:rPr>
-                        <a:t>Permette ad un utente di poter annullare un ordine.</a:t>
+                        <a:t>Permette di modificare lo stato di un ordine.</a:t>
+                      </a:r>
+                    </a:p>
+                    <a:p>
+                      <a:pPr algn="ctr">
+                        <a:spcAft>
+                          <a:spcPts val="0"/>
+                        </a:spcAft>
+                      </a:pPr>
+                      <a:r>
+                        <a:rPr lang="it-IT" sz="1000">
+                          <a:effectLst/>
+                        </a:rPr>
+                        <a:t> </a:t>
                       </a:r>
                       <a:endParaRPr lang="it-IT" sz="1000">
                         <a:solidFill>
@@ -15999,40 +16017,11 @@
                 </a:tc>
                 <a:extLst>
                   <a:ext uri="{0D108BD9-81ED-4DB2-BD59-A6C34878D82A}">
-                    <a16:rowId xmlns:a16="http://schemas.microsoft.com/office/drawing/2014/main" val="2047130399"/>
+                    <a16:rowId xmlns:a16="http://schemas.microsoft.com/office/drawing/2014/main" val="922629002"/>
                   </a:ext>
                 </a:extLst>
               </a:tr>
-              <a:tr h="425395">
-                <a:tc>
-                  <a:txBody>
-                    <a:bodyPr/>
-                    <a:lstStyle/>
-                    <a:p>
-                      <a:pPr algn="ctr">
-                        <a:lnSpc>
-                          <a:spcPct val="105000"/>
-                        </a:lnSpc>
-                        <a:spcAft>
-                          <a:spcPts val="0"/>
-                        </a:spcAft>
-                      </a:pPr>
-                      <a:r>
-                        <a:rPr lang="it-IT" sz="1000">
-                          <a:effectLst/>
-                        </a:rPr>
-                        <a:t>Modifica stato ordine</a:t>
-                      </a:r>
-                      <a:endParaRPr lang="it-IT" sz="900">
-                        <a:effectLst/>
-                        <a:latin typeface="Calibri" panose="020F0502020204030204" pitchFamily="34" charset="0"/>
-                        <a:ea typeface="Times New Roman" panose="02020603050405020304" pitchFamily="18" charset="0"/>
-                        <a:cs typeface="Arial" panose="020B0604020202020204" pitchFamily="34" charset="0"/>
-                      </a:endParaRPr>
-                    </a:p>
-                  </a:txBody>
-                  <a:tcPr marL="57790" marR="57790" marT="0" marB="0" anchor="ctr"/>
-                </a:tc>
+              <a:tr h="488137">
                 <a:tc>
                   <a:txBody>
                     <a:bodyPr/>
@@ -16047,20 +16036,7 @@
                         <a:rPr lang="it-IT" sz="1000">
                           <a:effectLst/>
                         </a:rPr>
-                        <a:t>Permette di modificare lo stato di un ordine.</a:t>
-                      </a:r>
-                    </a:p>
-                    <a:p>
-                      <a:pPr algn="ctr">
-                        <a:spcAft>
-                          <a:spcPts val="0"/>
-                        </a:spcAft>
-                      </a:pPr>
-                      <a:r>
-                        <a:rPr lang="it-IT" sz="1000">
-                          <a:effectLst/>
-                        </a:rPr>
-                        <a:t> </a:t>
+                        <a:t>Inserimento tracking id</a:t>
                       </a:r>
                       <a:endParaRPr lang="it-IT" sz="1000">
                         <a:solidFill>
@@ -16075,13 +16051,6 @@
                   </a:txBody>
                   <a:tcPr marL="57790" marR="57790" marT="0" marB="0" anchor="ctr"/>
                 </a:tc>
-                <a:extLst>
-                  <a:ext uri="{0D108BD9-81ED-4DB2-BD59-A6C34878D82A}">
-                    <a16:rowId xmlns:a16="http://schemas.microsoft.com/office/drawing/2014/main" val="922629002"/>
-                  </a:ext>
-                </a:extLst>
-              </a:tr>
-              <a:tr h="425395">
                 <a:tc>
                   <a:txBody>
                     <a:bodyPr/>
@@ -16096,7 +16065,7 @@
                         <a:rPr lang="it-IT" sz="1000">
                           <a:effectLst/>
                         </a:rPr>
-                        <a:t>Inserimento tracking id</a:t>
+                        <a:t>Permette di inserire il tracking id di un ordine e memorizzarlo all’interno del database.</a:t>
                       </a:r>
                       <a:endParaRPr lang="it-IT" sz="1000">
                         <a:solidFill>
@@ -16111,6 +16080,13 @@
                   </a:txBody>
                   <a:tcPr marL="57790" marR="57790" marT="0" marB="0" anchor="ctr"/>
                 </a:tc>
+                <a:extLst>
+                  <a:ext uri="{0D108BD9-81ED-4DB2-BD59-A6C34878D82A}">
+                    <a16:rowId xmlns:a16="http://schemas.microsoft.com/office/drawing/2014/main" val="2768204286"/>
+                  </a:ext>
+                </a:extLst>
+              </a:tr>
+              <a:tr h="454180">
                 <a:tc>
                   <a:txBody>
                     <a:bodyPr/>
@@ -16125,7 +16101,7 @@
                         <a:rPr lang="it-IT" sz="1000">
                           <a:effectLst/>
                         </a:rPr>
-                        <a:t>Permette di inserire il tracking id di un ordine e memorizzarlo all’interno del database.</a:t>
+                        <a:t>Accesso alla lista ordini </a:t>
                       </a:r>
                       <a:endParaRPr lang="it-IT" sz="1000">
                         <a:solidFill>
@@ -16140,13 +16116,6 @@
                   </a:txBody>
                   <a:tcPr marL="57790" marR="57790" marT="0" marB="0" anchor="ctr"/>
                 </a:tc>
-                <a:extLst>
-                  <a:ext uri="{0D108BD9-81ED-4DB2-BD59-A6C34878D82A}">
-                    <a16:rowId xmlns:a16="http://schemas.microsoft.com/office/drawing/2014/main" val="2768204286"/>
-                  </a:ext>
-                </a:extLst>
-              </a:tr>
-              <a:tr h="425395">
                 <a:tc>
                   <a:txBody>
                     <a:bodyPr/>
@@ -16161,7 +16130,7 @@
                         <a:rPr lang="it-IT" sz="1000">
                           <a:effectLst/>
                         </a:rPr>
-                        <a:t>Accesso alla lista ordini </a:t>
+                        <a:t>Permette ad un utente di visualizzare la lista degli ordini  effettuati.</a:t>
                       </a:r>
                       <a:endParaRPr lang="it-IT" sz="1000">
                         <a:solidFill>
@@ -16176,6 +16145,13 @@
                   </a:txBody>
                   <a:tcPr marL="57790" marR="57790" marT="0" marB="0" anchor="ctr"/>
                 </a:tc>
+                <a:extLst>
+                  <a:ext uri="{0D108BD9-81ED-4DB2-BD59-A6C34878D82A}">
+                    <a16:rowId xmlns:a16="http://schemas.microsoft.com/office/drawing/2014/main" val="1123925595"/>
+                  </a:ext>
+                </a:extLst>
+              </a:tr>
+              <a:tr h="454180">
                 <a:tc>
                   <a:txBody>
                     <a:bodyPr/>
@@ -16190,7 +16166,7 @@
                         <a:rPr lang="it-IT" sz="1000">
                           <a:effectLst/>
                         </a:rPr>
-                        <a:t>Permette ad un utente di visualizzare la lista degli ordini  effettuati.</a:t>
+                        <a:t>Effettuare ordine</a:t>
                       </a:r>
                       <a:endParaRPr lang="it-IT" sz="1000">
                         <a:solidFill>
@@ -16205,13 +16181,6 @@
                   </a:txBody>
                   <a:tcPr marL="57790" marR="57790" marT="0" marB="0" anchor="ctr"/>
                 </a:tc>
-                <a:extLst>
-                  <a:ext uri="{0D108BD9-81ED-4DB2-BD59-A6C34878D82A}">
-                    <a16:rowId xmlns:a16="http://schemas.microsoft.com/office/drawing/2014/main" val="1123925595"/>
-                  </a:ext>
-                </a:extLst>
-              </a:tr>
-              <a:tr h="425395">
                 <a:tc>
                   <a:txBody>
                     <a:bodyPr/>
@@ -16226,7 +16195,7 @@
                         <a:rPr lang="it-IT" sz="1000">
                           <a:effectLst/>
                         </a:rPr>
-                        <a:t>Effettuare ordine</a:t>
+                        <a:t>Permette ad un utente di creare un ordine e salvarlo nel database.</a:t>
                       </a:r>
                       <a:endParaRPr lang="it-IT" sz="1000">
                         <a:solidFill>
@@ -16241,42 +16210,13 @@
                   </a:txBody>
                   <a:tcPr marL="57790" marR="57790" marT="0" marB="0" anchor="ctr"/>
                 </a:tc>
-                <a:tc>
-                  <a:txBody>
-                    <a:bodyPr/>
-                    <a:lstStyle/>
-                    <a:p>
-                      <a:pPr algn="ctr">
-                        <a:spcAft>
-                          <a:spcPts val="0"/>
-                        </a:spcAft>
-                      </a:pPr>
-                      <a:r>
-                        <a:rPr lang="it-IT" sz="1000">
-                          <a:effectLst/>
-                        </a:rPr>
-                        <a:t>Permette ad un utente di creare un ordine e salvarlo nel database.</a:t>
-                      </a:r>
-                      <a:endParaRPr lang="it-IT" sz="1000">
-                        <a:solidFill>
-                          <a:srgbClr val="000000"/>
-                        </a:solidFill>
-                        <a:effectLst/>
-                        <a:latin typeface="Arial" panose="020B0604020202020204" pitchFamily="34" charset="0"/>
-                        <a:ea typeface="Times New Roman" panose="02020603050405020304" pitchFamily="18" charset="0"/>
-                        <a:cs typeface="Arial" panose="020B0604020202020204" pitchFamily="34" charset="0"/>
-                      </a:endParaRPr>
-                    </a:p>
-                  </a:txBody>
-                  <a:tcPr marL="57790" marR="57790" marT="0" marB="0" anchor="ctr"/>
-                </a:tc>
                 <a:extLst>
                   <a:ext uri="{0D108BD9-81ED-4DB2-BD59-A6C34878D82A}">
                     <a16:rowId xmlns:a16="http://schemas.microsoft.com/office/drawing/2014/main" val="3891032021"/>
                   </a:ext>
                 </a:extLst>
               </a:tr>
-              <a:tr h="425395">
+              <a:tr h="454180">
                 <a:tc>
                   <a:txBody>
                     <a:bodyPr/>
@@ -16347,10 +16287,10 @@
       </p:graphicFrame>
       <p:sp>
         <p:nvSpPr>
-          <p:cNvPr id="5" name="Rectangle 1">
+          <p:cNvPr id="6" name="Rectangle 2">
             <a:extLst>
               <a:ext uri="{FF2B5EF4-FFF2-40B4-BE49-F238E27FC236}">
-                <a16:creationId xmlns:a16="http://schemas.microsoft.com/office/drawing/2014/main" id="{DE4BD296-3DAD-4658-921A-9029F3E5A5F6}"/>
+                <a16:creationId xmlns:a16="http://schemas.microsoft.com/office/drawing/2014/main" id="{8146AFE1-257E-4814-B61B-022A7B0B3CD1}"/>
               </a:ext>
             </a:extLst>
           </p:cNvPr>
@@ -16361,8 +16301,8 @@
         </p:nvSpPr>
         <p:spPr bwMode="auto">
           <a:xfrm>
-            <a:off x="0" y="0"/>
-            <a:ext cx="12192000" cy="457200"/>
+            <a:off x="195944" y="1507067"/>
+            <a:ext cx="1603516" cy="302639"/>
           </a:xfrm>
           <a:prstGeom prst="rect">
             <a:avLst/>
@@ -16402,7 +16342,7 @@
           </a:extLst>
         </p:spPr>
         <p:txBody>
-          <a:bodyPr vert="horz" wrap="none" lIns="91440" tIns="76176" rIns="91440" bIns="0" numCol="1" anchor="ctr" anchorCtr="0" compatLnSpc="1">
+          <a:bodyPr vert="horz" wrap="none" lIns="91440" tIns="25392" rIns="91440" bIns="0" numCol="1" anchor="ctr" anchorCtr="0" compatLnSpc="1">
             <a:prstTxWarp prst="textNoShape">
               <a:avLst/>
             </a:prstTxWarp>
@@ -16427,75 +16367,17 @@
               <a:tabLst/>
             </a:pPr>
             <a:r>
-              <a:rPr kumimoji="0" lang="it-IT" altLang="it-IT" sz="1300" b="0" i="0" u="none" strike="noStrike" cap="none" normalizeH="0" baseline="0">
+              <a:rPr kumimoji="0" lang="it-IT" altLang="it-IT" b="0" i="0" u="none" strike="noStrike" cap="none" normalizeH="0" baseline="0" dirty="0">
                 <a:ln>
                   <a:noFill/>
                 </a:ln>
-                <a:solidFill>
-                  <a:srgbClr val="2F5496"/>
-                </a:solidFill>
                 <a:effectLst/>
                 <a:latin typeface="Calibri Light" panose="020F0302020204030204" pitchFamily="34" charset="0"/>
                 <a:ea typeface="Times New Roman" panose="02020603050405020304" pitchFamily="18" charset="0"/>
                 <a:cs typeface="Times New Roman" panose="02020603050405020304" pitchFamily="18" charset="0"/>
               </a:rPr>
-              <a:t>4</a:t>
-            </a:r>
-            <a:r>
-              <a:rPr kumimoji="0" lang="it-IT" altLang="it-IT" sz="1300" b="0" i="0" u="none" strike="noStrike" cap="none" normalizeH="0" baseline="0" bmk="">
-                <a:ln>
-                  <a:noFill/>
-                </a:ln>
-                <a:solidFill>
-                  <a:srgbClr val="2F5496"/>
-                </a:solidFill>
-                <a:effectLst/>
-                <a:latin typeface="Calibri Light" panose="020F0302020204030204" pitchFamily="34" charset="0"/>
-                <a:ea typeface="Times New Roman" panose="02020603050405020304" pitchFamily="18" charset="0"/>
-                <a:cs typeface="Times New Roman" panose="02020603050405020304" pitchFamily="18" charset="0"/>
-              </a:rPr>
-              <a:t>.3 Gestione ordini</a:t>
-            </a:r>
-            <a:endParaRPr kumimoji="0" lang="it-IT" altLang="it-IT" sz="1300" b="0" i="0" u="none" strike="noStrike" cap="none" normalizeH="0" baseline="0">
-              <a:ln>
-                <a:noFill/>
-              </a:ln>
-              <a:solidFill>
-                <a:srgbClr val="2F5496"/>
-              </a:solidFill>
-              <a:effectLst/>
-              <a:latin typeface="Calibri Light" panose="020F0302020204030204" pitchFamily="34" charset="0"/>
-              <a:ea typeface="Times New Roman" panose="02020603050405020304" pitchFamily="18" charset="0"/>
-              <a:cs typeface="Times New Roman" panose="02020603050405020304" pitchFamily="18" charset="0"/>
-            </a:endParaRPr>
-          </a:p>
-          <a:p>
-            <a:pPr marL="0" marR="0" lvl="0" indent="0" algn="l" defTabSz="914400" rtl="0" eaLnBrk="0" fontAlgn="base" latinLnBrk="0" hangingPunct="0">
-              <a:lnSpc>
-                <a:spcPct val="100000"/>
-              </a:lnSpc>
-              <a:spcBef>
-                <a:spcPct val="0"/>
-              </a:spcBef>
-              <a:spcAft>
-                <a:spcPct val="0"/>
-              </a:spcAft>
-              <a:buClrTx/>
-              <a:buSzTx/>
-              <a:buFontTx/>
-              <a:buNone/>
-              <a:tabLst/>
-            </a:pPr>
-            <a:endParaRPr kumimoji="0" lang="it-IT" altLang="it-IT" sz="1800" b="0" i="0" u="none" strike="noStrike" cap="none" normalizeH="0" baseline="0">
-              <a:ln>
-                <a:noFill/>
-              </a:ln>
-              <a:solidFill>
-                <a:schemeClr val="tx1"/>
-              </a:solidFill>
-              <a:effectLst/>
-              <a:latin typeface="Arial" panose="020B0604020202020204" pitchFamily="34" charset="0"/>
-            </a:endParaRPr>
+              <a:t>Gestione ordini</a:t>
+            </a:r>
           </a:p>
         </p:txBody>
       </p:sp>
@@ -16949,9 +16831,16 @@
             <p:ph type="title"/>
           </p:nvPr>
         </p:nvSpPr>
-        <p:spPr/>
+        <p:spPr>
+          <a:xfrm>
+            <a:off x="3616529" y="98212"/>
+            <a:ext cx="4958942" cy="1142760"/>
+          </a:xfrm>
+        </p:spPr>
         <p:txBody>
-          <a:bodyPr/>
+          <a:bodyPr>
+            <a:normAutofit fontScale="90000"/>
+          </a:bodyPr>
           <a:lstStyle/>
           <a:p>
             <a:r>
@@ -16995,16 +16884,22 @@
         </p:blipFill>
         <p:spPr bwMode="auto">
           <a:xfrm>
-            <a:off x="1479550" y="754856"/>
-            <a:ext cx="6943725" cy="3476625"/>
+            <a:off x="2231118" y="1240972"/>
+            <a:ext cx="7729763" cy="4378847"/>
           </a:xfrm>
           <a:prstGeom prst="rect">
             <a:avLst/>
           </a:prstGeom>
-          <a:noFill/>
           <a:ln>
             <a:noFill/>
           </a:ln>
+          <a:effectLst>
+            <a:outerShdw blurRad="292100" dist="139700" dir="2700000" algn="tl" rotWithShape="0">
+              <a:srgbClr val="333333">
+                <a:alpha val="65000"/>
+              </a:srgbClr>
+            </a:outerShdw>
+          </a:effectLst>
         </p:spPr>
       </p:pic>
     </p:spTree>
@@ -17080,7 +16975,7 @@
         </p:nvGraphicFramePr>
         <p:xfrm>
           <a:off x="3099670" y="1491953"/>
-          <a:ext cx="5992660" cy="5018682"/>
+          <a:ext cx="5992660" cy="5987886"/>
         </p:xfrm>
         <a:graphic>
           <a:graphicData uri="http://schemas.openxmlformats.org/drawingml/2006/table">
@@ -17716,11 +17611,16 @@
           </p:cNvGraphicFramePr>
           <p:nvPr>
             <p:ph idx="1"/>
+            <p:extLst>
+              <p:ext uri="{D42A27DB-BD31-4B8C-83A1-F6EECF244321}">
+                <p14:modId xmlns:p14="http://schemas.microsoft.com/office/powerpoint/2010/main" val="3264765756"/>
+              </p:ext>
+            </p:extLst>
           </p:nvPr>
         </p:nvGraphicFramePr>
         <p:xfrm>
           <a:off x="5136829" y="1629297"/>
-          <a:ext cx="1918342" cy="4743995"/>
+          <a:ext cx="1918342" cy="5460021"/>
         </p:xfrm>
         <a:graphic>
           <a:graphicData uri="http://schemas.openxmlformats.org/drawingml/2006/table">
@@ -17956,12 +17856,12 @@
                         </a:spcAft>
                       </a:pPr>
                       <a:r>
-                        <a:rPr lang="it-IT" sz="400">
+                        <a:rPr lang="it-IT" sz="400" dirty="0">
                           <a:effectLst/>
                         </a:rPr>
                         <a:t>Contex OrdineModel::addOrdine(ordine: Ordine) pre: ordine !=null AND ordine non è presente nel database.</a:t>
                       </a:r>
-                      <a:endParaRPr lang="it-IT" sz="300">
+                      <a:endParaRPr lang="it-IT" sz="300" dirty="0">
                         <a:effectLst/>
                       </a:endParaRPr>
                     </a:p>
@@ -17975,12 +17875,12 @@
                         </a:spcAft>
                       </a:pPr>
                       <a:r>
-                        <a:rPr lang="it-IT" sz="400">
+                        <a:rPr lang="it-IT" sz="400" dirty="0">
                           <a:effectLst/>
                         </a:rPr>
                         <a:t> </a:t>
                       </a:r>
-                      <a:endParaRPr lang="it-IT" sz="300">
+                      <a:endParaRPr lang="it-IT" sz="300" dirty="0">
                         <a:effectLst/>
                       </a:endParaRPr>
                     </a:p>
@@ -17994,12 +17894,12 @@
                         </a:spcAft>
                       </a:pPr>
                       <a:r>
-                        <a:rPr lang="it-IT" sz="400">
+                        <a:rPr lang="it-IT" sz="400" dirty="0">
                           <a:effectLst/>
                         </a:rPr>
                         <a:t>Contex OrdineModel::getListaOrdiniUtente(username: String) pre:  username!=null AND username!= “ “</a:t>
                       </a:r>
-                      <a:endParaRPr lang="it-IT" sz="300">
+                      <a:endParaRPr lang="it-IT" sz="300" dirty="0">
                         <a:effectLst/>
                       </a:endParaRPr>
                     </a:p>
@@ -18013,12 +17913,12 @@
                         </a:spcAft>
                       </a:pPr>
                       <a:r>
-                        <a:rPr lang="it-IT" sz="400">
+                        <a:rPr lang="it-IT" sz="400" dirty="0">
                           <a:effectLst/>
                         </a:rPr>
                         <a:t> </a:t>
                       </a:r>
-                      <a:endParaRPr lang="it-IT" sz="300">
+                      <a:endParaRPr lang="it-IT" sz="300" dirty="0">
                         <a:effectLst/>
                       </a:endParaRPr>
                     </a:p>
@@ -18032,12 +17932,12 @@
                         </a:spcAft>
                       </a:pPr>
                       <a:r>
-                        <a:rPr lang="it-IT" sz="400">
+                        <a:rPr lang="it-IT" sz="400" dirty="0">
                           <a:effectLst/>
                         </a:rPr>
                         <a:t>Contex OrdineModel::getListaOrdini () pre: null.</a:t>
                       </a:r>
-                      <a:endParaRPr lang="it-IT" sz="300">
+                      <a:endParaRPr lang="it-IT" sz="300" dirty="0">
                         <a:effectLst/>
                       </a:endParaRPr>
                     </a:p>
@@ -18051,12 +17951,12 @@
                         </a:spcAft>
                       </a:pPr>
                       <a:r>
-                        <a:rPr lang="it-IT" sz="400">
+                        <a:rPr lang="it-IT" sz="400" dirty="0">
                           <a:effectLst/>
                         </a:rPr>
                         <a:t> </a:t>
                       </a:r>
-                      <a:endParaRPr lang="it-IT" sz="300">
+                      <a:endParaRPr lang="it-IT" sz="300" dirty="0">
                         <a:effectLst/>
                       </a:endParaRPr>
                     </a:p>
@@ -18070,12 +17970,12 @@
                         </a:spcAft>
                       </a:pPr>
                       <a:r>
-                        <a:rPr lang="it-IT" sz="400">
+                        <a:rPr lang="it-IT" sz="400" dirty="0">
                           <a:effectLst/>
                         </a:rPr>
                         <a:t>Contex OrdineModel::getListaOrdini (idOrdine: String, annoOrdine: String, statoOrdine: String) pre: idOrdine&gt;=0 AND annoOrdine != null AND annoOrdine != “ ” AND statoOrdine != null AND statoOrdine != “ “.</a:t>
                       </a:r>
-                      <a:endParaRPr lang="it-IT" sz="300">
+                      <a:endParaRPr lang="it-IT" sz="300" dirty="0">
                         <a:effectLst/>
                       </a:endParaRPr>
                     </a:p>
@@ -18089,12 +17989,12 @@
                         </a:spcAft>
                       </a:pPr>
                       <a:r>
-                        <a:rPr lang="it-IT" sz="400">
+                        <a:rPr lang="it-IT" sz="400" dirty="0">
                           <a:effectLst/>
                         </a:rPr>
                         <a:t> </a:t>
                       </a:r>
-                      <a:endParaRPr lang="it-IT" sz="300">
+                      <a:endParaRPr lang="it-IT" sz="300" dirty="0">
                         <a:effectLst/>
                       </a:endParaRPr>
                     </a:p>
@@ -18108,12 +18008,12 @@
                         </a:spcAft>
                       </a:pPr>
                       <a:r>
-                        <a:rPr lang="it-IT" sz="400">
+                        <a:rPr lang="it-IT" sz="400" dirty="0">
                           <a:effectLst/>
                         </a:rPr>
                         <a:t>Contex OrdineModel::deleteOrdine (idOrdine: Integer) pre: idOrdine&gt;=0 AND esiste un Ordine nel database con id=”idOrdine”.</a:t>
                       </a:r>
-                      <a:endParaRPr lang="it-IT" sz="300">
+                      <a:endParaRPr lang="it-IT" sz="300" dirty="0">
                         <a:effectLst/>
                       </a:endParaRPr>
                     </a:p>
@@ -18127,12 +18027,12 @@
                         </a:spcAft>
                       </a:pPr>
                       <a:r>
-                        <a:rPr lang="it-IT" sz="400">
+                        <a:rPr lang="it-IT" sz="400" dirty="0">
                           <a:effectLst/>
                         </a:rPr>
                         <a:t> </a:t>
                       </a:r>
-                      <a:endParaRPr lang="it-IT" sz="300">
+                      <a:endParaRPr lang="it-IT" sz="300" dirty="0">
                         <a:effectLst/>
                       </a:endParaRPr>
                     </a:p>
@@ -18146,12 +18046,12 @@
                         </a:spcAft>
                       </a:pPr>
                       <a:r>
-                        <a:rPr lang="it-IT" sz="400">
+                        <a:rPr lang="it-IT" sz="400" dirty="0">
                           <a:effectLst/>
                         </a:rPr>
                         <a:t>Contex OrdineModel::getOrder (idOrdine : Integer) pre: idOrdine&gt;=0 AND esiste un Ordine nel database con id=”idOrdine”.</a:t>
                       </a:r>
-                      <a:endParaRPr lang="it-IT" sz="300">
+                      <a:endParaRPr lang="it-IT" sz="300" dirty="0">
                         <a:effectLst/>
                       </a:endParaRPr>
                     </a:p>
@@ -18165,12 +18065,12 @@
                         </a:spcAft>
                       </a:pPr>
                       <a:r>
-                        <a:rPr lang="it-IT" sz="400">
+                        <a:rPr lang="it-IT" sz="400" dirty="0">
                           <a:effectLst/>
                         </a:rPr>
                         <a:t>Contex OrdineModel::changeOrderState (idOrdine: Integer, stato: String) pre: idOrdine&gt;=0 AND stato != null AND stato!= “ “  AND esiste un Ordine nel database con id=”idOrdine”.</a:t>
                       </a:r>
-                      <a:endParaRPr lang="it-IT" sz="300">
+                      <a:endParaRPr lang="it-IT" sz="300" dirty="0">
                         <a:effectLst/>
                       </a:endParaRPr>
                     </a:p>
@@ -18184,12 +18084,12 @@
                         </a:spcAft>
                       </a:pPr>
                       <a:r>
-                        <a:rPr lang="it-IT" sz="400">
+                        <a:rPr lang="it-IT" sz="400" dirty="0">
                           <a:effectLst/>
                         </a:rPr>
                         <a:t> </a:t>
                       </a:r>
-                      <a:endParaRPr lang="it-IT" sz="300">
+                      <a:endParaRPr lang="it-IT" sz="300" dirty="0">
                         <a:effectLst/>
                       </a:endParaRPr>
                     </a:p>
@@ -18203,18 +18103,18 @@
                         </a:spcAft>
                       </a:pPr>
                       <a:r>
-                        <a:rPr lang="en-GB" sz="400">
+                        <a:rPr lang="en-GB" sz="400" dirty="0">
                           <a:effectLst/>
                         </a:rPr>
                         <a:t>Contex OrdineModel::addTrackingID (idOrdine: Integer, trackingID: String) pre: idOrdine&gt;=0 AND trackingID != null AND trackingID != </a:t>
                       </a:r>
                       <a:r>
-                        <a:rPr lang="it-IT" sz="400">
+                        <a:rPr lang="it-IT" sz="400" dirty="0">
                           <a:effectLst/>
                         </a:rPr>
                         <a:t>“ “AND esiste un Ordine nel database con id=”idOrdine”.</a:t>
                       </a:r>
-                      <a:endParaRPr lang="it-IT" sz="300">
+                      <a:endParaRPr lang="it-IT" sz="300" dirty="0">
                         <a:effectLst/>
                       </a:endParaRPr>
                     </a:p>
@@ -18228,12 +18128,12 @@
                         </a:spcAft>
                       </a:pPr>
                       <a:r>
-                        <a:rPr lang="it-IT" sz="400">
+                        <a:rPr lang="it-IT" sz="400" dirty="0">
                           <a:effectLst/>
                         </a:rPr>
                         <a:t> </a:t>
                       </a:r>
-                      <a:endParaRPr lang="it-IT" sz="300">
+                      <a:endParaRPr lang="it-IT" sz="300" dirty="0">
                         <a:effectLst/>
                       </a:endParaRPr>
                     </a:p>
@@ -18247,12 +18147,12 @@
                         </a:spcAft>
                       </a:pPr>
                       <a:r>
-                        <a:rPr lang="it-IT" sz="400">
+                        <a:rPr lang="it-IT" sz="400" dirty="0">
                           <a:effectLst/>
                         </a:rPr>
                         <a:t>Contex OrdineModel::doMaxIdOrder () pre: null.</a:t>
                       </a:r>
-                      <a:endParaRPr lang="it-IT" sz="300">
+                      <a:endParaRPr lang="it-IT" sz="300" dirty="0">
                         <a:effectLst/>
                       </a:endParaRPr>
                     </a:p>
@@ -18266,12 +18166,12 @@
                         </a:spcAft>
                       </a:pPr>
                       <a:r>
-                        <a:rPr lang="it-IT" sz="400">
+                        <a:rPr lang="it-IT" sz="400" dirty="0">
                           <a:effectLst/>
                         </a:rPr>
                         <a:t> </a:t>
                       </a:r>
-                      <a:endParaRPr lang="it-IT" sz="300">
+                      <a:endParaRPr lang="it-IT" sz="300" dirty="0">
                         <a:effectLst/>
                       </a:endParaRPr>
                     </a:p>
@@ -18285,12 +18185,12 @@
                         </a:spcAft>
                       </a:pPr>
                       <a:r>
-                        <a:rPr lang="it-IT" sz="400">
+                        <a:rPr lang="it-IT" sz="400" dirty="0">
                           <a:effectLst/>
                         </a:rPr>
                         <a:t>Contex OrdineModel::isAnOrder (idOrdine : Integer) pre: idOrdine&gt;=0.</a:t>
                       </a:r>
-                      <a:endParaRPr lang="it-IT" sz="300">
+                      <a:endParaRPr lang="it-IT" sz="300" dirty="0">
                         <a:effectLst/>
                       </a:endParaRPr>
                     </a:p>
@@ -18304,12 +18204,12 @@
                         </a:spcAft>
                       </a:pPr>
                       <a:r>
-                        <a:rPr lang="it-IT" sz="400">
+                        <a:rPr lang="it-IT" sz="400" dirty="0">
                           <a:effectLst/>
                         </a:rPr>
                         <a:t> </a:t>
                       </a:r>
-                      <a:endParaRPr lang="it-IT" sz="300">
+                      <a:endParaRPr lang="it-IT" sz="300" dirty="0">
                         <a:effectLst/>
                         <a:latin typeface="Calibri" panose="020F0502020204030204" pitchFamily="34" charset="0"/>
                         <a:ea typeface="Calibri" panose="020F0502020204030204" pitchFamily="34" charset="0"/>
@@ -21708,7 +21608,7 @@
         </p:nvGraphicFramePr>
         <p:xfrm>
           <a:off x="3039110" y="3284696"/>
-          <a:ext cx="6113780" cy="1433195"/>
+          <a:ext cx="6113780" cy="1627569"/>
         </p:xfrm>
         <a:graphic>
           <a:graphicData uri="http://schemas.openxmlformats.org/drawingml/2006/table">
@@ -22009,7 +21909,7 @@
         </p:nvGraphicFramePr>
         <p:xfrm>
           <a:off x="3572510" y="5103400"/>
-          <a:ext cx="6113780" cy="843788"/>
+          <a:ext cx="6113780" cy="839789"/>
         </p:xfrm>
         <a:graphic>
           <a:graphicData uri="http://schemas.openxmlformats.org/drawingml/2006/table">
@@ -23646,7 +23546,7 @@
         </p:nvGraphicFramePr>
         <p:xfrm>
           <a:off x="3128262" y="1793224"/>
-          <a:ext cx="5935476" cy="4416140"/>
+          <a:ext cx="5935476" cy="4411760"/>
         </p:xfrm>
         <a:graphic>
           <a:graphicData uri="http://schemas.openxmlformats.org/drawingml/2006/table">
@@ -24105,12 +24005,17 @@
             <p:ph type="title"/>
           </p:nvPr>
         </p:nvSpPr>
-        <p:spPr/>
+        <p:spPr>
+          <a:xfrm>
+            <a:off x="2944086" y="295838"/>
+            <a:ext cx="8534400" cy="1507067"/>
+          </a:xfrm>
+        </p:spPr>
         <p:txBody>
           <a:bodyPr/>
           <a:lstStyle/>
           <a:p>
-            <a:endParaRPr lang="it-IT"/>
+            <a:endParaRPr lang="it-IT" dirty="0"/>
           </a:p>
         </p:txBody>
       </p:sp>
@@ -24128,11 +24033,16 @@
           </p:cNvGraphicFramePr>
           <p:nvPr>
             <p:ph idx="1"/>
+            <p:extLst>
+              <p:ext uri="{D42A27DB-BD31-4B8C-83A1-F6EECF244321}">
+                <p14:modId xmlns:p14="http://schemas.microsoft.com/office/powerpoint/2010/main" val="1978676625"/>
+              </p:ext>
+            </p:extLst>
           </p:nvPr>
         </p:nvGraphicFramePr>
         <p:xfrm>
-          <a:off x="3117055" y="1802905"/>
-          <a:ext cx="5957889" cy="4396778"/>
+          <a:off x="3117055" y="2168304"/>
+          <a:ext cx="5957889" cy="4393858"/>
         </p:xfrm>
         <a:graphic>
           <a:graphicData uri="http://schemas.openxmlformats.org/drawingml/2006/table">
@@ -24342,7 +24252,7 @@
                     <a:bodyPr/>
                     <a:lstStyle/>
                     <a:p>
-                      <a:endParaRPr lang="it-IT" sz="1700"/>
+                      <a:endParaRPr lang="it-IT" sz="1700" dirty="0"/>
                     </a:p>
                   </a:txBody>
                   <a:tcPr marL="88292" marR="88292" marT="44146" marB="44146"/>
@@ -24591,12 +24501,22 @@
             <p:ph type="title"/>
           </p:nvPr>
         </p:nvSpPr>
-        <p:spPr/>
+        <p:spPr>
+          <a:xfrm>
+            <a:off x="4289266" y="202714"/>
+            <a:ext cx="3613468" cy="951176"/>
+          </a:xfrm>
+        </p:spPr>
         <p:txBody>
-          <a:bodyPr/>
+          <a:bodyPr>
+            <a:normAutofit fontScale="90000"/>
+          </a:bodyPr>
           <a:lstStyle/>
           <a:p>
-            <a:endParaRPr lang="it-IT"/>
+            <a:r>
+              <a:rPr lang="it-IT" dirty="0"/>
+              <a:t>Test Execution</a:t>
+            </a:r>
           </a:p>
         </p:txBody>
       </p:sp>
@@ -24618,7 +24538,7 @@
         </p:nvGraphicFramePr>
         <p:xfrm>
           <a:off x="3039110" y="2297017"/>
-          <a:ext cx="6113780" cy="3408553"/>
+          <a:ext cx="6113780" cy="3407093"/>
         </p:xfrm>
         <a:graphic>
           <a:graphicData uri="http://schemas.openxmlformats.org/drawingml/2006/table">
@@ -24898,12 +24818,12 @@
                         </a:spcAft>
                       </a:pPr>
                       <a:r>
-                        <a:rPr lang="it-IT" sz="1200">
+                        <a:rPr lang="it-IT" sz="1200" dirty="0">
                           <a:effectLst/>
                         </a:rPr>
                         <a:t>La modifica del Tracking id non è andata a buon fine perché  TrackingID non rispetta la lunghezza.</a:t>
                       </a:r>
-                      <a:endParaRPr lang="it-IT" sz="1100">
+                      <a:endParaRPr lang="it-IT" sz="1100" dirty="0">
                         <a:effectLst/>
                         <a:latin typeface="Calibri" panose="020F0502020204030204" pitchFamily="34" charset="0"/>
                         <a:ea typeface="Calibri" panose="020F0502020204030204" pitchFamily="34" charset="0"/>
@@ -25266,12 +25186,20 @@
             <p:ph type="title"/>
           </p:nvPr>
         </p:nvSpPr>
-        <p:spPr/>
+        <p:spPr>
+          <a:xfrm>
+            <a:off x="4909752" y="144946"/>
+            <a:ext cx="2372496" cy="900083"/>
+          </a:xfrm>
+        </p:spPr>
         <p:txBody>
           <a:bodyPr/>
           <a:lstStyle/>
           <a:p>
-            <a:endParaRPr lang="it-IT"/>
+            <a:r>
+              <a:rPr lang="it-IT" dirty="0"/>
+              <a:t>Selenium</a:t>
+            </a:r>
           </a:p>
         </p:txBody>
       </p:sp>
@@ -25305,12 +25233,22 @@
         </p:blipFill>
         <p:spPr>
           <a:xfrm>
-            <a:off x="2268761" y="685800"/>
-            <a:ext cx="5365303" cy="3614738"/>
+            <a:off x="1878668" y="1240971"/>
+            <a:ext cx="8434664" cy="5223888"/>
           </a:xfrm>
           <a:prstGeom prst="rect">
             <a:avLst/>
           </a:prstGeom>
+          <a:ln>
+            <a:noFill/>
+          </a:ln>
+          <a:effectLst>
+            <a:outerShdw blurRad="292100" dist="139700" dir="2700000" algn="tl" rotWithShape="0">
+              <a:srgbClr val="333333">
+                <a:alpha val="65000"/>
+              </a:srgbClr>
+            </a:outerShdw>
+          </a:effectLst>
         </p:spPr>
       </p:pic>
     </p:spTree>
@@ -25359,21 +25297,59 @@
             <p:ph type="title"/>
           </p:nvPr>
         </p:nvSpPr>
-        <p:spPr/>
+        <p:spPr>
+          <a:xfrm>
+            <a:off x="4014946" y="307218"/>
+            <a:ext cx="4162108" cy="986005"/>
+          </a:xfrm>
+        </p:spPr>
         <p:txBody>
           <a:bodyPr/>
           <a:lstStyle/>
           <a:p>
-            <a:endParaRPr lang="it-IT"/>
+            <a:r>
+              <a:rPr lang="it-IT" dirty="0"/>
+              <a:t>Risultato finale</a:t>
+            </a:r>
           </a:p>
         </p:txBody>
       </p:sp>
+    </p:spTree>
+    <p:extLst>
+      <p:ext uri="{BB962C8B-B14F-4D97-AF65-F5344CB8AC3E}">
+        <p14:creationId xmlns:p14="http://schemas.microsoft.com/office/powerpoint/2010/main" val="1220988205"/>
+      </p:ext>
+    </p:extLst>
+  </p:cSld>
+  <p:clrMapOvr>
+    <a:masterClrMapping/>
+  </p:clrMapOvr>
+</p:sld>
+</file>
+
+<file path=ppt/slides/slide57.xml><?xml version="1.0" encoding="utf-8"?>
+<p:sld xmlns:a="http://schemas.openxmlformats.org/drawingml/2006/main" xmlns:r="http://schemas.openxmlformats.org/officeDocument/2006/relationships" xmlns:p="http://schemas.openxmlformats.org/presentationml/2006/main">
+  <p:cSld>
+    <p:spTree>
+      <p:nvGrpSpPr>
+        <p:cNvPr id="1" name=""/>
+        <p:cNvGrpSpPr/>
+        <p:nvPr/>
+      </p:nvGrpSpPr>
+      <p:grpSpPr>
+        <a:xfrm>
+          <a:off x="0" y="0"/>
+          <a:ext cx="0" cy="0"/>
+          <a:chOff x="0" y="0"/>
+          <a:chExt cx="0" cy="0"/>
+        </a:xfrm>
+      </p:grpSpPr>
       <p:sp>
         <p:nvSpPr>
-          <p:cNvPr id="3" name="Segnaposto contenuto 2">
+          <p:cNvPr id="2" name="Titolo 1">
             <a:extLst>
               <a:ext uri="{FF2B5EF4-FFF2-40B4-BE49-F238E27FC236}">
-                <a16:creationId xmlns:a16="http://schemas.microsoft.com/office/drawing/2014/main" id="{AC1679CC-C301-4E2F-A101-A38D4F236A93}"/>
+                <a16:creationId xmlns:a16="http://schemas.microsoft.com/office/drawing/2014/main" id="{A8F81DA4-409E-459C-9801-6E9BD940BF3E}"/>
               </a:ext>
             </a:extLst>
           </p:cNvPr>
@@ -25381,28 +25357,32 @@
             <a:spLocks noGrp="1"/>
           </p:cNvSpPr>
           <p:nvPr>
-            <p:ph idx="1"/>
+            <p:ph type="title"/>
           </p:nvPr>
         </p:nvSpPr>
-        <p:spPr/>
+        <p:spPr>
+          <a:xfrm>
+            <a:off x="5447211" y="2977122"/>
+            <a:ext cx="1297577" cy="903756"/>
+          </a:xfrm>
+        </p:spPr>
         <p:txBody>
-          <a:bodyPr/>
+          <a:bodyPr>
+            <a:normAutofit fontScale="90000"/>
+          </a:bodyPr>
           <a:lstStyle/>
           <a:p>
             <a:r>
-              <a:rPr lang="it-IT" dirty="0"/>
-              <a:t>Fine</a:t>
-            </a:r>
-          </a:p>
-          <a:p>
-            <a:endParaRPr lang="it-IT" dirty="0"/>
+              <a:rPr lang="it-IT" sz="4800" dirty="0"/>
+              <a:t>FINE</a:t>
+            </a:r>
           </a:p>
         </p:txBody>
       </p:sp>
     </p:spTree>
     <p:extLst>
       <p:ext uri="{BB962C8B-B14F-4D97-AF65-F5344CB8AC3E}">
-        <p14:creationId xmlns:p14="http://schemas.microsoft.com/office/powerpoint/2010/main" val="1220988205"/>
+        <p14:creationId xmlns:p14="http://schemas.microsoft.com/office/powerpoint/2010/main" val="1820038116"/>
       </p:ext>
     </p:extLst>
   </p:cSld>

--- a/Work in progress/Presentazione/GamesHub.pptx
+++ b/Work in progress/Presentazione/GamesHub.pptx
@@ -362,7 +362,7 @@
           <a:p>
             <a:fld id="{D63563A2-AD54-4D65-A279-1B7020A450D2}" type="datetimeFigureOut">
               <a:rPr lang="it-IT" smtClean="0"/>
-              <a:t>17/02/2019</a:t>
+              <a:t>18/02/2019</a:t>
             </a:fld>
             <a:endParaRPr lang="it-IT"/>
           </a:p>
@@ -798,7 +798,7 @@
           <a:p>
             <a:fld id="{D63563A2-AD54-4D65-A279-1B7020A450D2}" type="datetimeFigureOut">
               <a:rPr lang="it-IT" smtClean="0"/>
-              <a:t>17/02/2019</a:t>
+              <a:t>18/02/2019</a:t>
             </a:fld>
             <a:endParaRPr lang="it-IT"/>
           </a:p>
@@ -1048,7 +1048,7 @@
           <a:p>
             <a:fld id="{D63563A2-AD54-4D65-A279-1B7020A450D2}" type="datetimeFigureOut">
               <a:rPr lang="it-IT" smtClean="0"/>
-              <a:t>17/02/2019</a:t>
+              <a:t>18/02/2019</a:t>
             </a:fld>
             <a:endParaRPr lang="it-IT"/>
           </a:p>
@@ -1356,7 +1356,7 @@
           <a:p>
             <a:fld id="{D63563A2-AD54-4D65-A279-1B7020A450D2}" type="datetimeFigureOut">
               <a:rPr lang="it-IT" smtClean="0"/>
-              <a:t>17/02/2019</a:t>
+              <a:t>18/02/2019</a:t>
             </a:fld>
             <a:endParaRPr lang="it-IT"/>
           </a:p>
@@ -1674,7 +1674,7 @@
           <a:p>
             <a:fld id="{D63563A2-AD54-4D65-A279-1B7020A450D2}" type="datetimeFigureOut">
               <a:rPr lang="it-IT" smtClean="0"/>
-              <a:t>17/02/2019</a:t>
+              <a:t>18/02/2019</a:t>
             </a:fld>
             <a:endParaRPr lang="it-IT"/>
           </a:p>
@@ -1976,7 +1976,7 @@
           <a:p>
             <a:fld id="{D63563A2-AD54-4D65-A279-1B7020A450D2}" type="datetimeFigureOut">
               <a:rPr lang="it-IT" smtClean="0"/>
-              <a:t>17/02/2019</a:t>
+              <a:t>18/02/2019</a:t>
             </a:fld>
             <a:endParaRPr lang="it-IT"/>
           </a:p>
@@ -2343,7 +2343,7 @@
           <a:p>
             <a:fld id="{D63563A2-AD54-4D65-A279-1B7020A450D2}" type="datetimeFigureOut">
               <a:rPr lang="it-IT" smtClean="0"/>
-              <a:t>17/02/2019</a:t>
+              <a:t>18/02/2019</a:t>
             </a:fld>
             <a:endParaRPr lang="it-IT"/>
           </a:p>
@@ -2517,7 +2517,7 @@
           <a:p>
             <a:fld id="{D63563A2-AD54-4D65-A279-1B7020A450D2}" type="datetimeFigureOut">
               <a:rPr lang="it-IT" smtClean="0"/>
-              <a:t>17/02/2019</a:t>
+              <a:t>18/02/2019</a:t>
             </a:fld>
             <a:endParaRPr lang="it-IT"/>
           </a:p>
@@ -2697,7 +2697,7 @@
           <a:p>
             <a:fld id="{D63563A2-AD54-4D65-A279-1B7020A450D2}" type="datetimeFigureOut">
               <a:rPr lang="it-IT" smtClean="0"/>
-              <a:t>17/02/2019</a:t>
+              <a:t>18/02/2019</a:t>
             </a:fld>
             <a:endParaRPr lang="it-IT"/>
           </a:p>
@@ -2867,7 +2867,7 @@
           <a:p>
             <a:fld id="{D63563A2-AD54-4D65-A279-1B7020A450D2}" type="datetimeFigureOut">
               <a:rPr lang="it-IT" smtClean="0"/>
-              <a:t>17/02/2019</a:t>
+              <a:t>18/02/2019</a:t>
             </a:fld>
             <a:endParaRPr lang="it-IT"/>
           </a:p>
@@ -3117,7 +3117,7 @@
           <a:p>
             <a:fld id="{D63563A2-AD54-4D65-A279-1B7020A450D2}" type="datetimeFigureOut">
               <a:rPr lang="it-IT" smtClean="0"/>
-              <a:t>17/02/2019</a:t>
+              <a:t>18/02/2019</a:t>
             </a:fld>
             <a:endParaRPr lang="it-IT"/>
           </a:p>
@@ -3353,7 +3353,7 @@
           <a:p>
             <a:fld id="{D63563A2-AD54-4D65-A279-1B7020A450D2}" type="datetimeFigureOut">
               <a:rPr lang="it-IT" smtClean="0"/>
-              <a:t>17/02/2019</a:t>
+              <a:t>18/02/2019</a:t>
             </a:fld>
             <a:endParaRPr lang="it-IT"/>
           </a:p>
@@ -3735,7 +3735,7 @@
           <a:p>
             <a:fld id="{D63563A2-AD54-4D65-A279-1B7020A450D2}" type="datetimeFigureOut">
               <a:rPr lang="it-IT" smtClean="0"/>
-              <a:t>17/02/2019</a:t>
+              <a:t>18/02/2019</a:t>
             </a:fld>
             <a:endParaRPr lang="it-IT"/>
           </a:p>
@@ -3853,7 +3853,7 @@
           <a:p>
             <a:fld id="{D63563A2-AD54-4D65-A279-1B7020A450D2}" type="datetimeFigureOut">
               <a:rPr lang="it-IT" smtClean="0"/>
-              <a:t>17/02/2019</a:t>
+              <a:t>18/02/2019</a:t>
             </a:fld>
             <a:endParaRPr lang="it-IT"/>
           </a:p>
@@ -3948,7 +3948,7 @@
           <a:p>
             <a:fld id="{D63563A2-AD54-4D65-A279-1B7020A450D2}" type="datetimeFigureOut">
               <a:rPr lang="it-IT" smtClean="0"/>
-              <a:t>17/02/2019</a:t>
+              <a:t>18/02/2019</a:t>
             </a:fld>
             <a:endParaRPr lang="it-IT"/>
           </a:p>
@@ -4203,7 +4203,7 @@
           <a:p>
             <a:fld id="{D63563A2-AD54-4D65-A279-1B7020A450D2}" type="datetimeFigureOut">
               <a:rPr lang="it-IT" smtClean="0"/>
-              <a:t>17/02/2019</a:t>
+              <a:t>18/02/2019</a:t>
             </a:fld>
             <a:endParaRPr lang="it-IT"/>
           </a:p>
@@ -4486,7 +4486,7 @@
           <a:p>
             <a:fld id="{D63563A2-AD54-4D65-A279-1B7020A450D2}" type="datetimeFigureOut">
               <a:rPr lang="it-IT" smtClean="0"/>
-              <a:t>17/02/2019</a:t>
+              <a:t>18/02/2019</a:t>
             </a:fld>
             <a:endParaRPr lang="it-IT"/>
           </a:p>
@@ -4892,7 +4892,7 @@
           <a:p>
             <a:fld id="{D63563A2-AD54-4D65-A279-1B7020A450D2}" type="datetimeFigureOut">
               <a:rPr lang="it-IT" smtClean="0"/>
-              <a:t>17/02/2019</a:t>
+              <a:t>18/02/2019</a:t>
             </a:fld>
             <a:endParaRPr lang="it-IT"/>
           </a:p>
@@ -9768,7 +9768,15 @@
           <a:p>
             <a:r>
               <a:rPr lang="it-IT" sz="3200" dirty="0"/>
-              <a:t>NAVIGATION PATH (1/2)</a:t>
+              <a:t>NAVIGATION </a:t>
+            </a:r>
+            <a:r>
+              <a:rPr lang="it-IT" sz="3200"/>
+              <a:t>PATH (2/2</a:t>
+            </a:r>
+            <a:r>
+              <a:rPr lang="it-IT" sz="3200" dirty="0"/>
+              <a:t>)</a:t>
             </a:r>
           </a:p>
         </p:txBody>
@@ -12557,7 +12565,7 @@
           <a:p>
             <a:r>
               <a:rPr lang="it-IT" sz="3200" dirty="0"/>
-              <a:t>Design goals (1/4)</a:t>
+              <a:t>Design goals (3/4)</a:t>
             </a:r>
           </a:p>
         </p:txBody>
@@ -12943,7 +12951,7 @@
           <a:p>
             <a:r>
               <a:rPr lang="it-IT" sz="3200" dirty="0"/>
-              <a:t>Design goals (1/4)</a:t>
+              <a:t>Design goals (4/4)</a:t>
             </a:r>
           </a:p>
         </p:txBody>

--- a/Work in progress/Presentazione/GamesHub.pptx
+++ b/Work in progress/Presentazione/GamesHub.pptx
@@ -6603,7 +6603,7 @@
             <p:ph idx="1"/>
             <p:extLst>
               <p:ext uri="{D42A27DB-BD31-4B8C-83A1-F6EECF244321}">
-                <p14:modId xmlns:p14="http://schemas.microsoft.com/office/powerpoint/2010/main" val="2280031380"/>
+                <p14:modId xmlns:p14="http://schemas.microsoft.com/office/powerpoint/2010/main" val="2529182902"/>
               </p:ext>
             </p:extLst>
           </p:nvPr>
@@ -6843,7 +6843,7 @@
                         <a:rPr lang="it-IT" sz="1100" dirty="0">
                           <a:effectLst/>
                         </a:rPr>
-                        <a:t>    1. Il gestore degli ordini clicca sul pulsante cambia stato dell’ordine.</a:t>
+                        <a:t>    1. Il gestore degli ordini clicca sullo stato di un ordine.</a:t>
                       </a:r>
                     </a:p>
                     <a:p>
@@ -33191,51 +33191,11 @@
             <a:pPr marL="0" indent="0">
               <a:buNone/>
             </a:pPr>
-            <a:endParaRPr lang="it-IT" sz="1900" b="1" u="sng" cap="small" dirty="0">
-              <a:solidFill>
-                <a:schemeClr val="tx1"/>
-              </a:solidFill>
-            </a:endParaRPr>
-          </a:p>
-          <a:p>
-            <a:pPr marL="0" indent="0">
-              <a:buNone/>
-            </a:pPr>
-            <a:r>
-              <a:rPr lang="it-IT" sz="1900" b="1" u="sng" cap="small" dirty="0">
-                <a:solidFill>
-                  <a:schemeClr val="tx1"/>
-                </a:solidFill>
-              </a:rPr>
-              <a:t>DISPONIBILIT</a:t>
-            </a:r>
-            <a:r>
-              <a:rPr lang="it-IT" sz="1900" b="1" u="sng" dirty="0">
-                <a:solidFill>
-                  <a:schemeClr val="tx1"/>
-                </a:solidFill>
-              </a:rPr>
-              <a:t>À </a:t>
-            </a:r>
             <a:endParaRPr lang="it-IT" sz="1900" dirty="0">
               <a:solidFill>
                 <a:schemeClr val="tx1"/>
               </a:solidFill>
             </a:endParaRPr>
-          </a:p>
-          <a:p>
-            <a:pPr marL="457200" lvl="0" indent="-457200">
-              <a:buFont typeface="+mj-lt"/>
-              <a:buAutoNum type="arabicPeriod"/>
-            </a:pPr>
-            <a:r>
-              <a:rPr lang="it-IT" sz="1900" dirty="0">
-                <a:solidFill>
-                  <a:schemeClr val="tx1"/>
-                </a:solidFill>
-              </a:rPr>
-              <a:t>È sempre possibile accedere al sistema, tranne in periodi di manutenzione.</a:t>
-            </a:r>
           </a:p>
           <a:p>
             <a:endParaRPr lang="it-IT" dirty="0"/>

--- a/Work in progress/Presentazione/GamesHub.pptx
+++ b/Work in progress/Presentazione/GamesHub.pptx
@@ -362,7 +362,7 @@
           <a:p>
             <a:fld id="{D63563A2-AD54-4D65-A279-1B7020A450D2}" type="datetimeFigureOut">
               <a:rPr lang="it-IT" smtClean="0"/>
-              <a:t>18/02/2019</a:t>
+              <a:t>19/02/2019</a:t>
             </a:fld>
             <a:endParaRPr lang="it-IT"/>
           </a:p>
@@ -798,7 +798,7 @@
           <a:p>
             <a:fld id="{D63563A2-AD54-4D65-A279-1B7020A450D2}" type="datetimeFigureOut">
               <a:rPr lang="it-IT" smtClean="0"/>
-              <a:t>18/02/2019</a:t>
+              <a:t>19/02/2019</a:t>
             </a:fld>
             <a:endParaRPr lang="it-IT"/>
           </a:p>
@@ -1048,7 +1048,7 @@
           <a:p>
             <a:fld id="{D63563A2-AD54-4D65-A279-1B7020A450D2}" type="datetimeFigureOut">
               <a:rPr lang="it-IT" smtClean="0"/>
-              <a:t>18/02/2019</a:t>
+              <a:t>19/02/2019</a:t>
             </a:fld>
             <a:endParaRPr lang="it-IT"/>
           </a:p>
@@ -1356,7 +1356,7 @@
           <a:p>
             <a:fld id="{D63563A2-AD54-4D65-A279-1B7020A450D2}" type="datetimeFigureOut">
               <a:rPr lang="it-IT" smtClean="0"/>
-              <a:t>18/02/2019</a:t>
+              <a:t>19/02/2019</a:t>
             </a:fld>
             <a:endParaRPr lang="it-IT"/>
           </a:p>
@@ -1674,7 +1674,7 @@
           <a:p>
             <a:fld id="{D63563A2-AD54-4D65-A279-1B7020A450D2}" type="datetimeFigureOut">
               <a:rPr lang="it-IT" smtClean="0"/>
-              <a:t>18/02/2019</a:t>
+              <a:t>19/02/2019</a:t>
             </a:fld>
             <a:endParaRPr lang="it-IT"/>
           </a:p>
@@ -1976,7 +1976,7 @@
           <a:p>
             <a:fld id="{D63563A2-AD54-4D65-A279-1B7020A450D2}" type="datetimeFigureOut">
               <a:rPr lang="it-IT" smtClean="0"/>
-              <a:t>18/02/2019</a:t>
+              <a:t>19/02/2019</a:t>
             </a:fld>
             <a:endParaRPr lang="it-IT"/>
           </a:p>
@@ -2343,7 +2343,7 @@
           <a:p>
             <a:fld id="{D63563A2-AD54-4D65-A279-1B7020A450D2}" type="datetimeFigureOut">
               <a:rPr lang="it-IT" smtClean="0"/>
-              <a:t>18/02/2019</a:t>
+              <a:t>19/02/2019</a:t>
             </a:fld>
             <a:endParaRPr lang="it-IT"/>
           </a:p>
@@ -2517,7 +2517,7 @@
           <a:p>
             <a:fld id="{D63563A2-AD54-4D65-A279-1B7020A450D2}" type="datetimeFigureOut">
               <a:rPr lang="it-IT" smtClean="0"/>
-              <a:t>18/02/2019</a:t>
+              <a:t>19/02/2019</a:t>
             </a:fld>
             <a:endParaRPr lang="it-IT"/>
           </a:p>
@@ -2697,7 +2697,7 @@
           <a:p>
             <a:fld id="{D63563A2-AD54-4D65-A279-1B7020A450D2}" type="datetimeFigureOut">
               <a:rPr lang="it-IT" smtClean="0"/>
-              <a:t>18/02/2019</a:t>
+              <a:t>19/02/2019</a:t>
             </a:fld>
             <a:endParaRPr lang="it-IT"/>
           </a:p>
@@ -2867,7 +2867,7 @@
           <a:p>
             <a:fld id="{D63563A2-AD54-4D65-A279-1B7020A450D2}" type="datetimeFigureOut">
               <a:rPr lang="it-IT" smtClean="0"/>
-              <a:t>18/02/2019</a:t>
+              <a:t>19/02/2019</a:t>
             </a:fld>
             <a:endParaRPr lang="it-IT"/>
           </a:p>
@@ -3117,7 +3117,7 @@
           <a:p>
             <a:fld id="{D63563A2-AD54-4D65-A279-1B7020A450D2}" type="datetimeFigureOut">
               <a:rPr lang="it-IT" smtClean="0"/>
-              <a:t>18/02/2019</a:t>
+              <a:t>19/02/2019</a:t>
             </a:fld>
             <a:endParaRPr lang="it-IT"/>
           </a:p>
@@ -3353,7 +3353,7 @@
           <a:p>
             <a:fld id="{D63563A2-AD54-4D65-A279-1B7020A450D2}" type="datetimeFigureOut">
               <a:rPr lang="it-IT" smtClean="0"/>
-              <a:t>18/02/2019</a:t>
+              <a:t>19/02/2019</a:t>
             </a:fld>
             <a:endParaRPr lang="it-IT"/>
           </a:p>
@@ -3735,7 +3735,7 @@
           <a:p>
             <a:fld id="{D63563A2-AD54-4D65-A279-1B7020A450D2}" type="datetimeFigureOut">
               <a:rPr lang="it-IT" smtClean="0"/>
-              <a:t>18/02/2019</a:t>
+              <a:t>19/02/2019</a:t>
             </a:fld>
             <a:endParaRPr lang="it-IT"/>
           </a:p>
@@ -3853,7 +3853,7 @@
           <a:p>
             <a:fld id="{D63563A2-AD54-4D65-A279-1B7020A450D2}" type="datetimeFigureOut">
               <a:rPr lang="it-IT" smtClean="0"/>
-              <a:t>18/02/2019</a:t>
+              <a:t>19/02/2019</a:t>
             </a:fld>
             <a:endParaRPr lang="it-IT"/>
           </a:p>
@@ -3948,7 +3948,7 @@
           <a:p>
             <a:fld id="{D63563A2-AD54-4D65-A279-1B7020A450D2}" type="datetimeFigureOut">
               <a:rPr lang="it-IT" smtClean="0"/>
-              <a:t>18/02/2019</a:t>
+              <a:t>19/02/2019</a:t>
             </a:fld>
             <a:endParaRPr lang="it-IT"/>
           </a:p>
@@ -4203,7 +4203,7 @@
           <a:p>
             <a:fld id="{D63563A2-AD54-4D65-A279-1B7020A450D2}" type="datetimeFigureOut">
               <a:rPr lang="it-IT" smtClean="0"/>
-              <a:t>18/02/2019</a:t>
+              <a:t>19/02/2019</a:t>
             </a:fld>
             <a:endParaRPr lang="it-IT"/>
           </a:p>
@@ -4486,7 +4486,7 @@
           <a:p>
             <a:fld id="{D63563A2-AD54-4D65-A279-1B7020A450D2}" type="datetimeFigureOut">
               <a:rPr lang="it-IT" smtClean="0"/>
-              <a:t>18/02/2019</a:t>
+              <a:t>19/02/2019</a:t>
             </a:fld>
             <a:endParaRPr lang="it-IT"/>
           </a:p>
@@ -4892,7 +4892,7 @@
           <a:p>
             <a:fld id="{D63563A2-AD54-4D65-A279-1B7020A450D2}" type="datetimeFigureOut">
               <a:rPr lang="it-IT" smtClean="0"/>
-              <a:t>18/02/2019</a:t>
+              <a:t>19/02/2019</a:t>
             </a:fld>
             <a:endParaRPr lang="it-IT"/>
           </a:p>
@@ -5529,7 +5529,7 @@
           <a:p>
             <a:r>
               <a:rPr lang="it-IT" dirty="0"/>
-              <a:t>Domenico Trotta           0512104882</a:t>
+              <a:t>Domenico Trotta            0512104882</a:t>
             </a:r>
           </a:p>
         </p:txBody>
@@ -6603,7 +6603,7 @@
             <p:ph idx="1"/>
             <p:extLst>
               <p:ext uri="{D42A27DB-BD31-4B8C-83A1-F6EECF244321}">
-                <p14:modId xmlns:p14="http://schemas.microsoft.com/office/powerpoint/2010/main" val="2529182902"/>
+                <p14:modId xmlns:p14="http://schemas.microsoft.com/office/powerpoint/2010/main" val="3775780612"/>
               </p:ext>
             </p:extLst>
           </p:nvPr>
@@ -7515,62 +7515,6 @@
           </a:p>
         </p:txBody>
       </p:sp>
-      <p:pic>
-        <p:nvPicPr>
-          <p:cNvPr id="3073" name="Immagine 51">
-            <a:extLst>
-              <a:ext uri="{FF2B5EF4-FFF2-40B4-BE49-F238E27FC236}">
-                <a16:creationId xmlns:a16="http://schemas.microsoft.com/office/drawing/2014/main" id="{B9C41356-9FEA-4E34-A3DC-AE980333093C}"/>
-              </a:ext>
-            </a:extLst>
-          </p:cNvPr>
-          <p:cNvPicPr>
-            <a:picLocks noChangeAspect="1" noChangeArrowheads="1"/>
-          </p:cNvPicPr>
-          <p:nvPr/>
-        </p:nvPicPr>
-        <p:blipFill>
-          <a:blip r:embed="rId2">
-            <a:extLst>
-              <a:ext uri="{28A0092B-C50C-407E-A947-70E740481C1C}">
-                <a14:useLocalDpi xmlns:a14="http://schemas.microsoft.com/office/drawing/2010/main" val="0"/>
-              </a:ext>
-            </a:extLst>
-          </a:blip>
-          <a:srcRect/>
-          <a:stretch>
-            <a:fillRect/>
-          </a:stretch>
-        </p:blipFill>
-        <p:spPr bwMode="auto">
-          <a:xfrm>
-            <a:off x="1538059" y="1711235"/>
-            <a:ext cx="9878877" cy="4974913"/>
-          </a:xfrm>
-          <a:prstGeom prst="rect">
-            <a:avLst/>
-          </a:prstGeom>
-          <a:ln>
-            <a:noFill/>
-          </a:ln>
-          <a:effectLst>
-            <a:outerShdw blurRad="292100" dist="139700" dir="2700000" algn="tl" rotWithShape="0">
-              <a:srgbClr val="333333">
-                <a:alpha val="65000"/>
-              </a:srgbClr>
-            </a:outerShdw>
-          </a:effectLst>
-          <a:extLst>
-            <a:ext uri="{909E8E84-426E-40DD-AFC4-6F175D3DCCD1}">
-              <a14:hiddenFill xmlns:a14="http://schemas.microsoft.com/office/drawing/2010/main">
-                <a:solidFill>
-                  <a:srgbClr val="FFFFFF"/>
-                </a:solidFill>
-              </a14:hiddenFill>
-            </a:ext>
-          </a:extLst>
-        </p:spPr>
-      </p:pic>
       <p:sp>
         <p:nvSpPr>
           <p:cNvPr id="5" name="Rectangle 3">
@@ -7764,6 +7708,92 @@
           </a:p>
         </p:txBody>
       </p:sp>
+      <p:pic>
+        <p:nvPicPr>
+          <p:cNvPr id="6" name="Immagine 5">
+            <a:extLst>
+              <a:ext uri="{FF2B5EF4-FFF2-40B4-BE49-F238E27FC236}">
+                <a16:creationId xmlns:a16="http://schemas.microsoft.com/office/drawing/2014/main" id="{84F09AAA-169C-49D3-8F74-73081950CDAA}"/>
+              </a:ext>
+            </a:extLst>
+          </p:cNvPr>
+          <p:cNvPicPr>
+            <a:picLocks noChangeAspect="1"/>
+          </p:cNvPicPr>
+          <p:nvPr/>
+        </p:nvPicPr>
+        <p:blipFill>
+          <a:blip r:embed="rId2"/>
+          <a:stretch>
+            <a:fillRect/>
+          </a:stretch>
+        </p:blipFill>
+        <p:spPr>
+          <a:xfrm>
+            <a:off x="0" y="1466115"/>
+            <a:ext cx="12192000" cy="4624039"/>
+          </a:xfrm>
+          <a:prstGeom prst="rect">
+            <a:avLst/>
+          </a:prstGeom>
+          <a:ln>
+            <a:noFill/>
+          </a:ln>
+          <a:effectLst>
+            <a:outerShdw blurRad="292100" dist="139700" dir="2700000" algn="tl" rotWithShape="0">
+              <a:srgbClr val="333333">
+                <a:alpha val="65000"/>
+              </a:srgbClr>
+            </a:outerShdw>
+          </a:effectLst>
+        </p:spPr>
+      </p:pic>
+      <p:pic>
+        <p:nvPicPr>
+          <p:cNvPr id="9" name="Immagine 8">
+            <a:extLst>
+              <a:ext uri="{FF2B5EF4-FFF2-40B4-BE49-F238E27FC236}">
+                <a16:creationId xmlns:a16="http://schemas.microsoft.com/office/drawing/2014/main" id="{B33A645D-A21B-419F-9B9A-9C437DDA444E}"/>
+              </a:ext>
+            </a:extLst>
+          </p:cNvPr>
+          <p:cNvPicPr>
+            <a:picLocks noChangeAspect="1"/>
+          </p:cNvPicPr>
+          <p:nvPr/>
+        </p:nvPicPr>
+        <p:blipFill>
+          <a:blip r:embed="rId3">
+            <a:extLst>
+              <a:ext uri="{28A0092B-C50C-407E-A947-70E740481C1C}">
+                <a14:useLocalDpi xmlns:a14="http://schemas.microsoft.com/office/drawing/2010/main" val="0"/>
+              </a:ext>
+            </a:extLst>
+          </a:blip>
+          <a:stretch>
+            <a:fillRect/>
+          </a:stretch>
+        </p:blipFill>
+        <p:spPr>
+          <a:xfrm>
+            <a:off x="10330374" y="6198326"/>
+            <a:ext cx="1752769" cy="566653"/>
+          </a:xfrm>
+          <a:prstGeom prst="rect">
+            <a:avLst/>
+          </a:prstGeom>
+          <a:ln>
+            <a:noFill/>
+          </a:ln>
+          <a:effectLst>
+            <a:outerShdw blurRad="292100" dist="139700" dir="2700000" algn="tl" rotWithShape="0">
+              <a:srgbClr val="333333">
+                <a:alpha val="65000"/>
+              </a:srgbClr>
+            </a:outerShdw>
+          </a:effectLst>
+        </p:spPr>
+      </p:pic>
     </p:spTree>
     <p:extLst>
       <p:ext uri="{BB962C8B-B14F-4D97-AF65-F5344CB8AC3E}">
@@ -7794,54 +7824,6 @@
           <a:chExt cx="0" cy="0"/>
         </a:xfrm>
       </p:grpSpPr>
-      <p:pic>
-        <p:nvPicPr>
-          <p:cNvPr id="4" name="Segnaposto contenuto 3">
-            <a:extLst>
-              <a:ext uri="{FF2B5EF4-FFF2-40B4-BE49-F238E27FC236}">
-                <a16:creationId xmlns:a16="http://schemas.microsoft.com/office/drawing/2014/main" id="{BA5F3104-F923-4408-B7AE-8ACF3B81F9C4}"/>
-              </a:ext>
-            </a:extLst>
-          </p:cNvPr>
-          <p:cNvPicPr>
-            <a:picLocks noGrp="1"/>
-          </p:cNvPicPr>
-          <p:nvPr>
-            <p:ph idx="1"/>
-          </p:nvPr>
-        </p:nvPicPr>
-        <p:blipFill>
-          <a:blip r:embed="rId2">
-            <a:extLst>
-              <a:ext uri="{28A0092B-C50C-407E-A947-70E740481C1C}">
-                <a14:useLocalDpi xmlns:a14="http://schemas.microsoft.com/office/drawing/2010/main" val="0"/>
-              </a:ext>
-            </a:extLst>
-          </a:blip>
-          <a:stretch>
-            <a:fillRect/>
-          </a:stretch>
-        </p:blipFill>
-        <p:spPr bwMode="auto">
-          <a:xfrm>
-            <a:off x="661555" y="2174804"/>
-            <a:ext cx="10967620" cy="4265185"/>
-          </a:xfrm>
-          <a:prstGeom prst="rect">
-            <a:avLst/>
-          </a:prstGeom>
-          <a:ln>
-            <a:noFill/>
-          </a:ln>
-          <a:effectLst>
-            <a:outerShdw blurRad="292100" dist="139700" dir="2700000" algn="tl" rotWithShape="0">
-              <a:srgbClr val="333333">
-                <a:alpha val="65000"/>
-              </a:srgbClr>
-            </a:outerShdw>
-          </a:effectLst>
-        </p:spPr>
-      </p:pic>
       <p:sp>
         <p:nvSpPr>
           <p:cNvPr id="5" name="Rectangle 2">
@@ -8069,6 +8051,92 @@
           </a:p>
         </p:txBody>
       </p:sp>
+      <p:pic>
+        <p:nvPicPr>
+          <p:cNvPr id="8" name="Immagine 7">
+            <a:extLst>
+              <a:ext uri="{FF2B5EF4-FFF2-40B4-BE49-F238E27FC236}">
+                <a16:creationId xmlns:a16="http://schemas.microsoft.com/office/drawing/2014/main" id="{C5BCF0D5-085D-4966-B690-034F094E5A41}"/>
+              </a:ext>
+            </a:extLst>
+          </p:cNvPr>
+          <p:cNvPicPr>
+            <a:picLocks noChangeAspect="1"/>
+          </p:cNvPicPr>
+          <p:nvPr/>
+        </p:nvPicPr>
+        <p:blipFill>
+          <a:blip r:embed="rId2"/>
+          <a:stretch>
+            <a:fillRect/>
+          </a:stretch>
+        </p:blipFill>
+        <p:spPr>
+          <a:xfrm>
+            <a:off x="1990151" y="2105818"/>
+            <a:ext cx="8211696" cy="3134162"/>
+          </a:xfrm>
+          <a:prstGeom prst="rect">
+            <a:avLst/>
+          </a:prstGeom>
+          <a:ln>
+            <a:noFill/>
+          </a:ln>
+          <a:effectLst>
+            <a:outerShdw blurRad="292100" dist="139700" dir="2700000" algn="tl" rotWithShape="0">
+              <a:srgbClr val="333333">
+                <a:alpha val="65000"/>
+              </a:srgbClr>
+            </a:outerShdw>
+          </a:effectLst>
+        </p:spPr>
+      </p:pic>
+      <p:pic>
+        <p:nvPicPr>
+          <p:cNvPr id="9" name="Immagine 8">
+            <a:extLst>
+              <a:ext uri="{FF2B5EF4-FFF2-40B4-BE49-F238E27FC236}">
+                <a16:creationId xmlns:a16="http://schemas.microsoft.com/office/drawing/2014/main" id="{04DF4A0F-EF66-4910-B00D-FD82210BD5B4}"/>
+              </a:ext>
+            </a:extLst>
+          </p:cNvPr>
+          <p:cNvPicPr>
+            <a:picLocks noChangeAspect="1"/>
+          </p:cNvPicPr>
+          <p:nvPr/>
+        </p:nvPicPr>
+        <p:blipFill>
+          <a:blip r:embed="rId3">
+            <a:extLst>
+              <a:ext uri="{28A0092B-C50C-407E-A947-70E740481C1C}">
+                <a14:useLocalDpi xmlns:a14="http://schemas.microsoft.com/office/drawing/2010/main" val="0"/>
+              </a:ext>
+            </a:extLst>
+          </a:blip>
+          <a:stretch>
+            <a:fillRect/>
+          </a:stretch>
+        </p:blipFill>
+        <p:spPr>
+          <a:xfrm>
+            <a:off x="10330374" y="6198326"/>
+            <a:ext cx="1752769" cy="566653"/>
+          </a:xfrm>
+          <a:prstGeom prst="rect">
+            <a:avLst/>
+          </a:prstGeom>
+          <a:ln>
+            <a:noFill/>
+          </a:ln>
+          <a:effectLst>
+            <a:outerShdw blurRad="292100" dist="139700" dir="2700000" algn="tl" rotWithShape="0">
+              <a:srgbClr val="333333">
+                <a:alpha val="65000"/>
+              </a:srgbClr>
+            </a:outerShdw>
+          </a:effectLst>
+        </p:spPr>
+      </p:pic>
     </p:spTree>
     <p:extLst>
       <p:ext uri="{BB962C8B-B14F-4D97-AF65-F5344CB8AC3E}">
@@ -8282,10 +8350,10 @@
       </p:sp>
       <p:pic>
         <p:nvPicPr>
-          <p:cNvPr id="6" name="Immagine 5">
+          <p:cNvPr id="5" name="Immagine 4">
             <a:extLst>
               <a:ext uri="{FF2B5EF4-FFF2-40B4-BE49-F238E27FC236}">
-                <a16:creationId xmlns:a16="http://schemas.microsoft.com/office/drawing/2014/main" id="{A9023C8B-8F70-4E3B-A972-A4822A56E0FA}"/>
+                <a16:creationId xmlns:a16="http://schemas.microsoft.com/office/drawing/2014/main" id="{A0AAD36F-B067-409F-9730-A9B13EA019FD}"/>
               </a:ext>
             </a:extLst>
           </p:cNvPr>
@@ -8295,15 +8363,21 @@
           <p:nvPr/>
         </p:nvPicPr>
         <p:blipFill>
-          <a:blip r:embed="rId2"/>
+          <a:blip r:embed="rId2">
+            <a:extLst>
+              <a:ext uri="{28A0092B-C50C-407E-A947-70E740481C1C}">
+                <a14:useLocalDpi xmlns:a14="http://schemas.microsoft.com/office/drawing/2010/main" val="0"/>
+              </a:ext>
+            </a:extLst>
+          </a:blip>
           <a:stretch>
             <a:fillRect/>
           </a:stretch>
         </p:blipFill>
         <p:spPr>
           <a:xfrm>
-            <a:off x="672556" y="1047727"/>
-            <a:ext cx="10402752" cy="5715798"/>
+            <a:off x="10330374" y="6198326"/>
+            <a:ext cx="1752769" cy="566653"/>
           </a:xfrm>
           <a:prstGeom prst="rect">
             <a:avLst/>
@@ -8322,10 +8396,10 @@
       </p:pic>
       <p:pic>
         <p:nvPicPr>
-          <p:cNvPr id="5" name="Immagine 4">
+          <p:cNvPr id="2" name="Immagine 1">
             <a:extLst>
               <a:ext uri="{FF2B5EF4-FFF2-40B4-BE49-F238E27FC236}">
-                <a16:creationId xmlns:a16="http://schemas.microsoft.com/office/drawing/2014/main" id="{A0AAD36F-B067-409F-9730-A9B13EA019FD}"/>
+                <a16:creationId xmlns:a16="http://schemas.microsoft.com/office/drawing/2014/main" id="{445C330E-75DF-4DB5-B522-601255F7E552}"/>
               </a:ext>
             </a:extLst>
           </p:cNvPr>
@@ -8335,21 +8409,15 @@
           <p:nvPr/>
         </p:nvPicPr>
         <p:blipFill>
-          <a:blip r:embed="rId3">
-            <a:extLst>
-              <a:ext uri="{28A0092B-C50C-407E-A947-70E740481C1C}">
-                <a14:useLocalDpi xmlns:a14="http://schemas.microsoft.com/office/drawing/2010/main" val="0"/>
-              </a:ext>
-            </a:extLst>
-          </a:blip>
+          <a:blip r:embed="rId3"/>
           <a:stretch>
             <a:fillRect/>
           </a:stretch>
         </p:blipFill>
         <p:spPr>
           <a:xfrm>
-            <a:off x="10330374" y="6198326"/>
-            <a:ext cx="1752769" cy="566653"/>
+            <a:off x="866045" y="1133475"/>
+            <a:ext cx="10459910" cy="4867954"/>
           </a:xfrm>
           <a:prstGeom prst="rect">
             <a:avLst/>
@@ -8627,10 +8695,10 @@
       </p:sp>
       <p:pic>
         <p:nvPicPr>
-          <p:cNvPr id="6" name="Immagine 5">
+          <p:cNvPr id="5" name="Immagine 4">
             <a:extLst>
               <a:ext uri="{FF2B5EF4-FFF2-40B4-BE49-F238E27FC236}">
-                <a16:creationId xmlns:a16="http://schemas.microsoft.com/office/drawing/2014/main" id="{DA25F9F4-4676-4A15-BF27-510B3D8A85CF}"/>
+                <a16:creationId xmlns:a16="http://schemas.microsoft.com/office/drawing/2014/main" id="{CB0B4D59-AB39-4A19-98F0-07915A9B9F3E}"/>
               </a:ext>
             </a:extLst>
           </p:cNvPr>
@@ -8640,15 +8708,21 @@
           <p:nvPr/>
         </p:nvPicPr>
         <p:blipFill>
-          <a:blip r:embed="rId2"/>
+          <a:blip r:embed="rId2">
+            <a:extLst>
+              <a:ext uri="{28A0092B-C50C-407E-A947-70E740481C1C}">
+                <a14:useLocalDpi xmlns:a14="http://schemas.microsoft.com/office/drawing/2010/main" val="0"/>
+              </a:ext>
+            </a:extLst>
+          </a:blip>
           <a:stretch>
             <a:fillRect/>
           </a:stretch>
         </p:blipFill>
         <p:spPr>
           <a:xfrm>
-            <a:off x="1074461" y="1791714"/>
-            <a:ext cx="9154803" cy="4972744"/>
+            <a:off x="10330374" y="6198326"/>
+            <a:ext cx="1752769" cy="566653"/>
           </a:xfrm>
           <a:prstGeom prst="rect">
             <a:avLst/>
@@ -8667,10 +8741,10 @@
       </p:pic>
       <p:pic>
         <p:nvPicPr>
-          <p:cNvPr id="5" name="Immagine 4">
+          <p:cNvPr id="2" name="Immagine 1">
             <a:extLst>
               <a:ext uri="{FF2B5EF4-FFF2-40B4-BE49-F238E27FC236}">
-                <a16:creationId xmlns:a16="http://schemas.microsoft.com/office/drawing/2014/main" id="{CB0B4D59-AB39-4A19-98F0-07915A9B9F3E}"/>
+                <a16:creationId xmlns:a16="http://schemas.microsoft.com/office/drawing/2014/main" id="{76286CFC-1E98-472A-ADED-C70FC392DE6D}"/>
               </a:ext>
             </a:extLst>
           </p:cNvPr>
@@ -8680,21 +8754,15 @@
           <p:nvPr/>
         </p:nvPicPr>
         <p:blipFill>
-          <a:blip r:embed="rId3">
-            <a:extLst>
-              <a:ext uri="{28A0092B-C50C-407E-A947-70E740481C1C}">
-                <a14:useLocalDpi xmlns:a14="http://schemas.microsoft.com/office/drawing/2010/main" val="0"/>
-              </a:ext>
-            </a:extLst>
-          </a:blip>
+          <a:blip r:embed="rId3"/>
           <a:stretch>
             <a:fillRect/>
           </a:stretch>
         </p:blipFill>
         <p:spPr>
           <a:xfrm>
-            <a:off x="10330374" y="6198326"/>
-            <a:ext cx="1752769" cy="566653"/>
+            <a:off x="2424723" y="1838077"/>
+            <a:ext cx="7342552" cy="3941457"/>
           </a:xfrm>
           <a:prstGeom prst="rect">
             <a:avLst/>
@@ -8741,62 +8809,6 @@
           <a:chExt cx="0" cy="0"/>
         </a:xfrm>
       </p:grpSpPr>
-      <p:pic>
-        <p:nvPicPr>
-          <p:cNvPr id="6145" name="Immagine 15">
-            <a:extLst>
-              <a:ext uri="{FF2B5EF4-FFF2-40B4-BE49-F238E27FC236}">
-                <a16:creationId xmlns:a16="http://schemas.microsoft.com/office/drawing/2014/main" id="{CAE3E28F-3EF2-4AB4-A2D4-8B9B21B51A49}"/>
-              </a:ext>
-            </a:extLst>
-          </p:cNvPr>
-          <p:cNvPicPr>
-            <a:picLocks noChangeAspect="1" noChangeArrowheads="1"/>
-          </p:cNvPicPr>
-          <p:nvPr/>
-        </p:nvPicPr>
-        <p:blipFill>
-          <a:blip r:embed="rId2">
-            <a:extLst>
-              <a:ext uri="{28A0092B-C50C-407E-A947-70E740481C1C}">
-                <a14:useLocalDpi xmlns:a14="http://schemas.microsoft.com/office/drawing/2010/main" val="0"/>
-              </a:ext>
-            </a:extLst>
-          </a:blip>
-          <a:srcRect/>
-          <a:stretch>
-            <a:fillRect/>
-          </a:stretch>
-        </p:blipFill>
-        <p:spPr bwMode="auto">
-          <a:xfrm>
-            <a:off x="3765790" y="1047727"/>
-            <a:ext cx="3955023" cy="5688123"/>
-          </a:xfrm>
-          <a:prstGeom prst="rect">
-            <a:avLst/>
-          </a:prstGeom>
-          <a:ln>
-            <a:noFill/>
-          </a:ln>
-          <a:effectLst>
-            <a:outerShdw blurRad="292100" dist="139700" dir="2700000" algn="tl" rotWithShape="0">
-              <a:srgbClr val="333333">
-                <a:alpha val="65000"/>
-              </a:srgbClr>
-            </a:outerShdw>
-          </a:effectLst>
-          <a:extLst>
-            <a:ext uri="{909E8E84-426E-40DD-AFC4-6F175D3DCCD1}">
-              <a14:hiddenFill xmlns:a14="http://schemas.microsoft.com/office/drawing/2010/main">
-                <a:solidFill>
-                  <a:srgbClr val="FFFFFF"/>
-                </a:solidFill>
-              </a14:hiddenFill>
-            </a:ext>
-          </a:extLst>
-        </p:spPr>
-      </p:pic>
       <p:sp>
         <p:nvSpPr>
           <p:cNvPr id="7" name="Titolo 1">
@@ -9029,7 +9041,7 @@
           <p:nvPr/>
         </p:nvPicPr>
         <p:blipFill>
-          <a:blip r:embed="rId3">
+          <a:blip r:embed="rId2">
             <a:extLst>
               <a:ext uri="{28A0092B-C50C-407E-A947-70E740481C1C}">
                 <a14:useLocalDpi xmlns:a14="http://schemas.microsoft.com/office/drawing/2010/main" val="0"/>
@@ -9058,6 +9070,36 @@
               </a:srgbClr>
             </a:outerShdw>
           </a:effectLst>
+        </p:spPr>
+      </p:pic>
+      <p:pic>
+        <p:nvPicPr>
+          <p:cNvPr id="2" name="Immagine 1">
+            <a:extLst>
+              <a:ext uri="{FF2B5EF4-FFF2-40B4-BE49-F238E27FC236}">
+                <a16:creationId xmlns:a16="http://schemas.microsoft.com/office/drawing/2014/main" id="{1C189296-0689-4EBE-8038-8D40DA5C7384}"/>
+              </a:ext>
+            </a:extLst>
+          </p:cNvPr>
+          <p:cNvPicPr>
+            <a:picLocks noChangeAspect="1"/>
+          </p:cNvPicPr>
+          <p:nvPr/>
+        </p:nvPicPr>
+        <p:blipFill>
+          <a:blip r:embed="rId3"/>
+          <a:stretch>
+            <a:fillRect/>
+          </a:stretch>
+        </p:blipFill>
+        <p:spPr>
+          <a:xfrm>
+            <a:off x="3609008" y="859309"/>
+            <a:ext cx="4138567" cy="5905670"/>
+          </a:xfrm>
+          <a:prstGeom prst="rect">
+            <a:avLst/>
+          </a:prstGeom>
         </p:spPr>
       </p:pic>
     </p:spTree>
@@ -9390,10 +9432,10 @@
       </p:sp>
       <p:pic>
         <p:nvPicPr>
-          <p:cNvPr id="9" name="Immagine 8">
+          <p:cNvPr id="6" name="Immagine 5">
             <a:extLst>
               <a:ext uri="{FF2B5EF4-FFF2-40B4-BE49-F238E27FC236}">
-                <a16:creationId xmlns:a16="http://schemas.microsoft.com/office/drawing/2014/main" id="{5C544C2B-F68B-45CC-BE43-04B238F01AD6}"/>
+                <a16:creationId xmlns:a16="http://schemas.microsoft.com/office/drawing/2014/main" id="{C905954F-F5C6-40EE-A9E2-2E846ED3342B}"/>
               </a:ext>
             </a:extLst>
           </p:cNvPr>
@@ -9403,15 +9445,21 @@
           <p:nvPr/>
         </p:nvPicPr>
         <p:blipFill>
-          <a:blip r:embed="rId2"/>
+          <a:blip r:embed="rId2">
+            <a:extLst>
+              <a:ext uri="{28A0092B-C50C-407E-A947-70E740481C1C}">
+                <a14:useLocalDpi xmlns:a14="http://schemas.microsoft.com/office/drawing/2010/main" val="0"/>
+              </a:ext>
+            </a:extLst>
+          </a:blip>
           <a:stretch>
             <a:fillRect/>
           </a:stretch>
         </p:blipFill>
         <p:spPr>
           <a:xfrm>
-            <a:off x="1189351" y="2093306"/>
-            <a:ext cx="8507012" cy="4134427"/>
+            <a:off x="10330374" y="6198326"/>
+            <a:ext cx="1752769" cy="566653"/>
           </a:xfrm>
           <a:prstGeom prst="rect">
             <a:avLst/>
@@ -9430,10 +9478,10 @@
       </p:pic>
       <p:pic>
         <p:nvPicPr>
-          <p:cNvPr id="6" name="Immagine 5">
+          <p:cNvPr id="2" name="Immagine 1">
             <a:extLst>
               <a:ext uri="{FF2B5EF4-FFF2-40B4-BE49-F238E27FC236}">
-                <a16:creationId xmlns:a16="http://schemas.microsoft.com/office/drawing/2014/main" id="{C905954F-F5C6-40EE-A9E2-2E846ED3342B}"/>
+                <a16:creationId xmlns:a16="http://schemas.microsoft.com/office/drawing/2014/main" id="{1AE7CC8C-A95B-4635-A306-6537E5A48EFB}"/>
               </a:ext>
             </a:extLst>
           </p:cNvPr>
@@ -9443,21 +9491,15 @@
           <p:nvPr/>
         </p:nvPicPr>
         <p:blipFill>
-          <a:blip r:embed="rId3">
-            <a:extLst>
-              <a:ext uri="{28A0092B-C50C-407E-A947-70E740481C1C}">
-                <a14:useLocalDpi xmlns:a14="http://schemas.microsoft.com/office/drawing/2010/main" val="0"/>
-              </a:ext>
-            </a:extLst>
-          </a:blip>
+          <a:blip r:embed="rId3"/>
           <a:stretch>
             <a:fillRect/>
           </a:stretch>
         </p:blipFill>
         <p:spPr>
           <a:xfrm>
-            <a:off x="10330374" y="6198326"/>
-            <a:ext cx="1752769" cy="566653"/>
+            <a:off x="2698230" y="2334253"/>
+            <a:ext cx="6795538" cy="3094997"/>
           </a:xfrm>
           <a:prstGeom prst="rect">
             <a:avLst/>
@@ -9621,46 +9663,6 @@
           </a:p>
         </p:txBody>
       </p:sp>
-      <p:pic>
-        <p:nvPicPr>
-          <p:cNvPr id="5" name="Immagine 4">
-            <a:extLst>
-              <a:ext uri="{FF2B5EF4-FFF2-40B4-BE49-F238E27FC236}">
-                <a16:creationId xmlns:a16="http://schemas.microsoft.com/office/drawing/2014/main" id="{27FB45C0-E0FB-43B8-A386-71FDD6B3D390}"/>
-              </a:ext>
-            </a:extLst>
-          </p:cNvPr>
-          <p:cNvPicPr>
-            <a:picLocks noChangeAspect="1"/>
-          </p:cNvPicPr>
-          <p:nvPr/>
-        </p:nvPicPr>
-        <p:blipFill>
-          <a:blip r:embed="rId2"/>
-          <a:stretch>
-            <a:fillRect/>
-          </a:stretch>
-        </p:blipFill>
-        <p:spPr>
-          <a:xfrm>
-            <a:off x="3026091" y="1807743"/>
-            <a:ext cx="4848902" cy="4667901"/>
-          </a:xfrm>
-          <a:prstGeom prst="rect">
-            <a:avLst/>
-          </a:prstGeom>
-          <a:ln>
-            <a:noFill/>
-          </a:ln>
-          <a:effectLst>
-            <a:outerShdw blurRad="292100" dist="139700" dir="2700000" algn="tl" rotWithShape="0">
-              <a:srgbClr val="333333">
-                <a:alpha val="65000"/>
-              </a:srgbClr>
-            </a:outerShdw>
-          </a:effectLst>
-        </p:spPr>
-      </p:pic>
       <p:sp>
         <p:nvSpPr>
           <p:cNvPr id="8" name="Titolo 1">
@@ -9796,7 +9798,7 @@
           <p:nvPr/>
         </p:nvPicPr>
         <p:blipFill>
-          <a:blip r:embed="rId3">
+          <a:blip r:embed="rId2">
             <a:extLst>
               <a:ext uri="{28A0092B-C50C-407E-A947-70E740481C1C}">
                 <a14:useLocalDpi xmlns:a14="http://schemas.microsoft.com/office/drawing/2010/main" val="0"/>
@@ -9811,6 +9813,46 @@
           <a:xfrm>
             <a:off x="10330374" y="6198326"/>
             <a:ext cx="1752769" cy="566653"/>
+          </a:xfrm>
+          <a:prstGeom prst="rect">
+            <a:avLst/>
+          </a:prstGeom>
+          <a:ln>
+            <a:noFill/>
+          </a:ln>
+          <a:effectLst>
+            <a:outerShdw blurRad="292100" dist="139700" dir="2700000" algn="tl" rotWithShape="0">
+              <a:srgbClr val="333333">
+                <a:alpha val="65000"/>
+              </a:srgbClr>
+            </a:outerShdw>
+          </a:effectLst>
+        </p:spPr>
+      </p:pic>
+      <p:pic>
+        <p:nvPicPr>
+          <p:cNvPr id="2" name="Immagine 1">
+            <a:extLst>
+              <a:ext uri="{FF2B5EF4-FFF2-40B4-BE49-F238E27FC236}">
+                <a16:creationId xmlns:a16="http://schemas.microsoft.com/office/drawing/2014/main" id="{E2065A4E-02DB-44E0-A5EF-956B95639C1A}"/>
+              </a:ext>
+            </a:extLst>
+          </p:cNvPr>
+          <p:cNvPicPr>
+            <a:picLocks noChangeAspect="1"/>
+          </p:cNvPicPr>
+          <p:nvPr/>
+        </p:nvPicPr>
+        <p:blipFill>
+          <a:blip r:embed="rId3"/>
+          <a:stretch>
+            <a:fillRect/>
+          </a:stretch>
+        </p:blipFill>
+        <p:spPr>
+          <a:xfrm>
+            <a:off x="4001020" y="1795362"/>
+            <a:ext cx="4189957" cy="3857826"/>
           </a:xfrm>
           <a:prstGeom prst="rect">
             <a:avLst/>
@@ -21775,6 +21817,52 @@
           </a:p>
         </p:txBody>
       </p:sp>
+      <p:pic>
+        <p:nvPicPr>
+          <p:cNvPr id="6" name="Immagine 5">
+            <a:extLst>
+              <a:ext uri="{FF2B5EF4-FFF2-40B4-BE49-F238E27FC236}">
+                <a16:creationId xmlns:a16="http://schemas.microsoft.com/office/drawing/2014/main" id="{18BB2B14-57EF-4E02-BD68-A4ECBCE17B44}"/>
+              </a:ext>
+            </a:extLst>
+          </p:cNvPr>
+          <p:cNvPicPr>
+            <a:picLocks noChangeAspect="1"/>
+          </p:cNvPicPr>
+          <p:nvPr/>
+        </p:nvPicPr>
+        <p:blipFill>
+          <a:blip r:embed="rId2">
+            <a:extLst>
+              <a:ext uri="{28A0092B-C50C-407E-A947-70E740481C1C}">
+                <a14:useLocalDpi xmlns:a14="http://schemas.microsoft.com/office/drawing/2010/main" val="0"/>
+              </a:ext>
+            </a:extLst>
+          </a:blip>
+          <a:stretch>
+            <a:fillRect/>
+          </a:stretch>
+        </p:blipFill>
+        <p:spPr>
+          <a:xfrm>
+            <a:off x="10330374" y="6198326"/>
+            <a:ext cx="1752769" cy="566653"/>
+          </a:xfrm>
+          <a:prstGeom prst="rect">
+            <a:avLst/>
+          </a:prstGeom>
+          <a:ln>
+            <a:noFill/>
+          </a:ln>
+          <a:effectLst>
+            <a:outerShdw blurRad="292100" dist="139700" dir="2700000" algn="tl" rotWithShape="0">
+              <a:srgbClr val="333333">
+                <a:alpha val="65000"/>
+              </a:srgbClr>
+            </a:outerShdw>
+          </a:effectLst>
+        </p:spPr>
+      </p:pic>
     </p:spTree>
     <p:extLst>
       <p:ext uri="{BB962C8B-B14F-4D97-AF65-F5344CB8AC3E}">
@@ -21807,48 +21895,6 @@
       </p:grpSpPr>
       <p:pic>
         <p:nvPicPr>
-          <p:cNvPr id="4" name="Segnaposto contenuto 3">
-            <a:extLst>
-              <a:ext uri="{FF2B5EF4-FFF2-40B4-BE49-F238E27FC236}">
-                <a16:creationId xmlns:a16="http://schemas.microsoft.com/office/drawing/2014/main" id="{C759C326-4824-4A4E-93EC-F47378A2110E}"/>
-              </a:ext>
-            </a:extLst>
-          </p:cNvPr>
-          <p:cNvPicPr>
-            <a:picLocks noGrp="1"/>
-          </p:cNvPicPr>
-          <p:nvPr>
-            <p:ph idx="1"/>
-          </p:nvPr>
-        </p:nvPicPr>
-        <p:blipFill>
-          <a:blip r:embed="rId2">
-            <a:extLst>
-              <a:ext uri="{28A0092B-C50C-407E-A947-70E740481C1C}">
-                <a14:useLocalDpi xmlns:a14="http://schemas.microsoft.com/office/drawing/2010/main" val="0"/>
-              </a:ext>
-            </a:extLst>
-          </a:blip>
-          <a:stretch>
-            <a:fillRect/>
-          </a:stretch>
-        </p:blipFill>
-        <p:spPr bwMode="auto">
-          <a:xfrm>
-            <a:off x="2732088" y="1178292"/>
-            <a:ext cx="7598286" cy="5303360"/>
-          </a:xfrm>
-          <a:prstGeom prst="rect">
-            <a:avLst/>
-          </a:prstGeom>
-          <a:noFill/>
-          <a:ln>
-            <a:noFill/>
-          </a:ln>
-        </p:spPr>
-      </p:pic>
-      <p:pic>
-        <p:nvPicPr>
           <p:cNvPr id="5" name="Immagine 4">
             <a:extLst>
               <a:ext uri="{FF2B5EF4-FFF2-40B4-BE49-F238E27FC236}">
@@ -21862,7 +21908,7 @@
           <p:nvPr/>
         </p:nvPicPr>
         <p:blipFill>
-          <a:blip r:embed="rId3">
+          <a:blip r:embed="rId2">
             <a:extLst>
               <a:ext uri="{28A0092B-C50C-407E-A947-70E740481C1C}">
                 <a14:useLocalDpi xmlns:a14="http://schemas.microsoft.com/office/drawing/2010/main" val="0"/>
@@ -22119,75 +22165,46 @@
           </a:p>
         </p:txBody>
       </p:sp>
-      <p:sp>
-        <p:nvSpPr>
-          <p:cNvPr id="9" name="Segno di moltiplicazione 8">
+      <p:pic>
+        <p:nvPicPr>
+          <p:cNvPr id="7" name="Immagine 6">
             <a:extLst>
               <a:ext uri="{FF2B5EF4-FFF2-40B4-BE49-F238E27FC236}">
-                <a16:creationId xmlns:a16="http://schemas.microsoft.com/office/drawing/2014/main" id="{4E8FD071-A296-4FF7-B9C4-88DEE1573B10}"/>
+                <a16:creationId xmlns:a16="http://schemas.microsoft.com/office/drawing/2014/main" id="{0D4FBCD6-CA1D-4B59-AF93-C75C18F450CD}"/>
               </a:ext>
             </a:extLst>
           </p:cNvPr>
-          <p:cNvSpPr/>
+          <p:cNvPicPr>
+            <a:picLocks noChangeAspect="1"/>
+          </p:cNvPicPr>
           <p:nvPr/>
-        </p:nvSpPr>
+        </p:nvPicPr>
+        <p:blipFill>
+          <a:blip r:embed="rId3"/>
+          <a:stretch>
+            <a:fillRect/>
+          </a:stretch>
+        </p:blipFill>
         <p:spPr>
           <a:xfrm>
-            <a:off x="1437850" y="444500"/>
-            <a:ext cx="10348686" cy="6444343"/>
+            <a:off x="2598057" y="761898"/>
+            <a:ext cx="7561696" cy="5524239"/>
           </a:xfrm>
-          <a:prstGeom prst="mathMultiply">
+          <a:prstGeom prst="rect">
             <a:avLst/>
           </a:prstGeom>
-          <a:solidFill>
-            <a:srgbClr val="FF0000"/>
-          </a:solidFill>
+          <a:ln>
+            <a:noFill/>
+          </a:ln>
+          <a:effectLst>
+            <a:outerShdw blurRad="292100" dist="139700" dir="2700000" algn="tl" rotWithShape="0">
+              <a:srgbClr val="333333">
+                <a:alpha val="65000"/>
+              </a:srgbClr>
+            </a:outerShdw>
+          </a:effectLst>
         </p:spPr>
-        <p:style>
-          <a:lnRef idx="2">
-            <a:schemeClr val="accent1">
-              <a:shade val="50000"/>
-            </a:schemeClr>
-          </a:lnRef>
-          <a:fillRef idx="1">
-            <a:schemeClr val="accent1"/>
-          </a:fillRef>
-          <a:effectRef idx="0">
-            <a:schemeClr val="accent1"/>
-          </a:effectRef>
-          <a:fontRef idx="minor">
-            <a:schemeClr val="lt1"/>
-          </a:fontRef>
-        </p:style>
-        <p:txBody>
-          <a:bodyPr rot="0" spcFirstLastPara="0" vertOverflow="overflow" horzOverflow="overflow" vert="horz" wrap="square" lIns="91440" tIns="45720" rIns="91440" bIns="45720" numCol="1" spcCol="0" rtlCol="0" fromWordArt="0" anchor="ctr" anchorCtr="0" forceAA="0" compatLnSpc="1">
-            <a:prstTxWarp prst="textNoShape">
-              <a:avLst/>
-            </a:prstTxWarp>
-            <a:noAutofit/>
-          </a:bodyPr>
-          <a:lstStyle/>
-          <a:p>
-            <a:pPr algn="ctr"/>
-            <a:endParaRPr lang="it-IT" b="1">
-              <a:ln w="13462">
-                <a:solidFill>
-                  <a:srgbClr val="FF0000"/>
-                </a:solidFill>
-                <a:prstDash val="solid"/>
-              </a:ln>
-              <a:solidFill>
-                <a:srgbClr val="FF0000"/>
-              </a:solidFill>
-              <a:effectLst>
-                <a:outerShdw dist="38100" dir="2700000" algn="bl" rotWithShape="0">
-                  <a:schemeClr val="accent5"/>
-                </a:outerShdw>
-              </a:effectLst>
-            </a:endParaRPr>
-          </a:p>
-        </p:txBody>
-      </p:sp>
+      </p:pic>
     </p:spTree>
     <p:extLst>
       <p:ext uri="{BB962C8B-B14F-4D97-AF65-F5344CB8AC3E}">
@@ -31671,7 +31688,7 @@
                   <a:schemeClr val="tx1"/>
                 </a:solidFill>
               </a:rPr>
-              <a:t>utente registrato </a:t>
+              <a:t>Utente registrato </a:t>
             </a:r>
             <a:r>
               <a:rPr lang="it-IT" sz="1900" dirty="0">
@@ -31754,7 +31771,7 @@
                   <a:schemeClr val="tx1"/>
                 </a:solidFill>
               </a:rPr>
-              <a:t>cliente</a:t>
+              <a:t>Cliente</a:t>
             </a:r>
             <a:r>
               <a:rPr lang="it-IT" sz="1900" dirty="0">
@@ -32264,7 +32281,7 @@
                   <a:schemeClr val="tx1"/>
                 </a:solidFill>
               </a:rPr>
-              <a:t>gestore del catalogo</a:t>
+              <a:t>Gestore del catalogo</a:t>
             </a:r>
             <a:r>
               <a:rPr lang="it-IT" dirty="0">
@@ -32397,7 +32414,7 @@
                   <a:schemeClr val="tx1"/>
                 </a:solidFill>
               </a:rPr>
-              <a:t>gestore degli ordini</a:t>
+              <a:t>Gestore degli ordini</a:t>
             </a:r>
             <a:r>
               <a:rPr lang="it-IT" dirty="0">

--- a/Work in progress/Presentazione/GamesHub.pptx
+++ b/Work in progress/Presentazione/GamesHub.pptx
@@ -5416,8 +5416,33 @@
 </file>
 
 <file path=ppt/slides/slide1.xml><?xml version="1.0" encoding="utf-8"?>
-<p:sld xmlns:a="http://schemas.openxmlformats.org/drawingml/2006/main" xmlns:r="http://schemas.openxmlformats.org/officeDocument/2006/relationships" xmlns:p="http://schemas.openxmlformats.org/presentationml/2006/main">
+<p:sld xmlns:a="http://schemas.openxmlformats.org/drawingml/2006/main" xmlns:r="http://schemas.openxmlformats.org/officeDocument/2006/relationships" xmlns:p="http://schemas.openxmlformats.org/presentationml/2006/main" showMasterSp="0">
   <p:cSld>
+    <p:bg>
+      <p:bgPr>
+        <a:gradFill>
+          <a:gsLst>
+            <a:gs pos="10000">
+              <a:schemeClr val="bg2">
+                <a:tint val="97000"/>
+                <a:hueMod val="92000"/>
+                <a:satMod val="169000"/>
+                <a:lumMod val="164000"/>
+              </a:schemeClr>
+            </a:gs>
+            <a:gs pos="100000">
+              <a:schemeClr val="bg2">
+                <a:shade val="96000"/>
+                <a:satMod val="120000"/>
+                <a:lumMod val="90000"/>
+              </a:schemeClr>
+            </a:gs>
+          </a:gsLst>
+          <a:lin ang="6120000" scaled="1"/>
+        </a:gradFill>
+        <a:effectLst/>
+      </p:bgPr>
+    </p:bg>
     <p:spTree>
       <p:nvGrpSpPr>
         <p:cNvPr id="1" name=""/>
@@ -5492,7 +5517,7 @@
         </p:nvSpPr>
         <p:spPr>
           <a:xfrm>
-            <a:off x="8036417" y="4668773"/>
+            <a:off x="7722380" y="4714955"/>
             <a:ext cx="4155583" cy="1508105"/>
           </a:xfrm>
           <a:prstGeom prst="rect">
@@ -5562,7 +5587,7 @@
         </p:blipFill>
         <p:spPr>
           <a:xfrm>
-            <a:off x="1552134" y="783359"/>
+            <a:off x="1552135" y="1134341"/>
             <a:ext cx="9087729" cy="2937971"/>
           </a:xfrm>
           <a:prstGeom prst="rect">
@@ -5673,6 +5698,16 @@
           <a:prstGeom prst="rect">
             <a:avLst/>
           </a:prstGeom>
+          <a:ln>
+            <a:noFill/>
+          </a:ln>
+          <a:effectLst>
+            <a:outerShdw blurRad="292100" dist="139700" dir="2700000" algn="tl" rotWithShape="0">
+              <a:srgbClr val="333333">
+                <a:alpha val="65000"/>
+              </a:srgbClr>
+            </a:outerShdw>
+          </a:effectLst>
         </p:spPr>
       </p:pic>
       <p:sp>
@@ -9344,7 +9379,7 @@
         </p:spPr>
         <p:txBody>
           <a:bodyPr vert="horz" lIns="91440" tIns="45720" rIns="91440" bIns="45720" rtlCol="0" anchor="ctr">
-            <a:normAutofit/>
+            <a:normAutofit fontScale="85000" lnSpcReduction="10000"/>
           </a:bodyPr>
           <a:lstStyle>
             <a:lvl1pPr algn="l" defTabSz="457200" rtl="0" eaLnBrk="1" latinLnBrk="0" hangingPunct="1">
@@ -9424,8 +9459,20 @@
           </a:lstStyle>
           <a:p>
             <a:r>
+              <a:rPr lang="it-IT" sz="3200" dirty="0" err="1"/>
+              <a:t>NAVIGATIONal</a:t>
+            </a:r>
+            <a:r>
               <a:rPr lang="it-IT" sz="3200" dirty="0"/>
-              <a:t>NAVIGATION PATH (1/2)</a:t>
+              <a:t> </a:t>
+            </a:r>
+            <a:r>
+              <a:rPr lang="it-IT" sz="3200" dirty="0" err="1"/>
+              <a:t>PATHs</a:t>
+            </a:r>
+            <a:r>
+              <a:rPr lang="it-IT" sz="3200" dirty="0"/>
+              <a:t> (1/2)</a:t>
             </a:r>
           </a:p>
         </p:txBody>
@@ -9689,7 +9736,7 @@
         </p:spPr>
         <p:txBody>
           <a:bodyPr vert="horz" lIns="91440" tIns="45720" rIns="91440" bIns="45720" rtlCol="0" anchor="ctr">
-            <a:normAutofit/>
+            <a:normAutofit fontScale="85000" lnSpcReduction="10000"/>
           </a:bodyPr>
           <a:lstStyle>
             <a:lvl1pPr algn="l" defTabSz="457200" rtl="0" eaLnBrk="1" latinLnBrk="0" hangingPunct="1">
@@ -9769,16 +9816,20 @@
           </a:lstStyle>
           <a:p>
             <a:r>
+              <a:rPr lang="it-IT" sz="3200" dirty="0" err="1"/>
+              <a:t>NAVIGATIONal</a:t>
+            </a:r>
+            <a:r>
               <a:rPr lang="it-IT" sz="3200" dirty="0"/>
-              <a:t>NAVIGATION </a:t>
-            </a:r>
-            <a:r>
-              <a:rPr lang="it-IT" sz="3200"/>
-              <a:t>PATH (2/2</a:t>
+              <a:t> </a:t>
+            </a:r>
+            <a:r>
+              <a:rPr lang="it-IT" sz="3200" dirty="0" err="1"/>
+              <a:t>PATHs</a:t>
             </a:r>
             <a:r>
               <a:rPr lang="it-IT" sz="3200" dirty="0"/>
-              <a:t>)</a:t>
+              <a:t> (2/2)</a:t>
             </a:r>
           </a:p>
         </p:txBody>
@@ -13640,35 +13691,6 @@
           <a:chExt cx="0" cy="0"/>
         </a:xfrm>
       </p:grpSpPr>
-      <p:pic>
-        <p:nvPicPr>
-          <p:cNvPr id="5" name="Immagine 4">
-            <a:extLst>
-              <a:ext uri="{FF2B5EF4-FFF2-40B4-BE49-F238E27FC236}">
-                <a16:creationId xmlns:a16="http://schemas.microsoft.com/office/drawing/2014/main" id="{1DF5F198-C1BB-406F-A1CE-C96E47A736FF}"/>
-              </a:ext>
-            </a:extLst>
-          </p:cNvPr>
-          <p:cNvPicPr>
-            <a:picLocks noChangeAspect="1"/>
-          </p:cNvPicPr>
-          <p:nvPr/>
-        </p:nvPicPr>
-        <p:blipFill rotWithShape="1">
-          <a:blip r:embed="rId2"/>
-          <a:srcRect l="5663" r="25603"/>
-          <a:stretch/>
-        </p:blipFill>
-        <p:spPr>
-          <a:xfrm>
-            <a:off x="431074" y="342469"/>
-            <a:ext cx="5238206" cy="6173061"/>
-          </a:xfrm>
-          <a:prstGeom prst="rect">
-            <a:avLst/>
-          </a:prstGeom>
-        </p:spPr>
-      </p:pic>
       <p:sp>
         <p:nvSpPr>
           <p:cNvPr id="6" name="Segnaposto contenuto 2">
@@ -13821,7 +13843,7 @@
           <p:nvPr/>
         </p:nvPicPr>
         <p:blipFill>
-          <a:blip r:embed="rId3">
+          <a:blip r:embed="rId2">
             <a:extLst>
               <a:ext uri="{28A0092B-C50C-407E-A947-70E740481C1C}">
                 <a14:useLocalDpi xmlns:a14="http://schemas.microsoft.com/office/drawing/2010/main" val="0"/>
@@ -13836,6 +13858,51 @@
           <a:xfrm>
             <a:off x="10330374" y="6198326"/>
             <a:ext cx="1752769" cy="566653"/>
+          </a:xfrm>
+          <a:prstGeom prst="rect">
+            <a:avLst/>
+          </a:prstGeom>
+          <a:ln>
+            <a:noFill/>
+          </a:ln>
+          <a:effectLst>
+            <a:outerShdw blurRad="292100" dist="139700" dir="2700000" algn="tl" rotWithShape="0">
+              <a:srgbClr val="333333">
+                <a:alpha val="65000"/>
+              </a:srgbClr>
+            </a:outerShdw>
+          </a:effectLst>
+        </p:spPr>
+      </p:pic>
+      <p:pic>
+        <p:nvPicPr>
+          <p:cNvPr id="3" name="Immagine 2">
+            <a:extLst>
+              <a:ext uri="{FF2B5EF4-FFF2-40B4-BE49-F238E27FC236}">
+                <a16:creationId xmlns:a16="http://schemas.microsoft.com/office/drawing/2014/main" id="{9D6E14B9-3D5A-44E7-B3B5-300DB318BF8E}"/>
+              </a:ext>
+            </a:extLst>
+          </p:cNvPr>
+          <p:cNvPicPr>
+            <a:picLocks noChangeAspect="1"/>
+          </p:cNvPicPr>
+          <p:nvPr/>
+        </p:nvPicPr>
+        <p:blipFill rotWithShape="1">
+          <a:blip r:embed="rId3">
+            <a:extLst>
+              <a:ext uri="{28A0092B-C50C-407E-A947-70E740481C1C}">
+                <a14:useLocalDpi xmlns:a14="http://schemas.microsoft.com/office/drawing/2010/main" val="0"/>
+              </a:ext>
+            </a:extLst>
+          </a:blip>
+          <a:srcRect b="25603"/>
+          <a:stretch/>
+        </p:blipFill>
+        <p:spPr>
+          <a:xfrm>
+            <a:off x="357388" y="428357"/>
+            <a:ext cx="4718896" cy="6270373"/>
           </a:xfrm>
           <a:prstGeom prst="rect">
             <a:avLst/>
@@ -13977,7 +14044,7 @@
                   <a:schemeClr val="tx1"/>
                 </a:solidFill>
               </a:rPr>
-              <a:t>L'obiettivo del progetto è quello di realizzare un portale web che permetta ai clienti di acquistare videogiochi per diverse piattaforme (PS4, PS3, Xbox One, Nintendo Switch, …).</a:t>
+              <a:t>L'obiettivo del progetto è quello di realizzare un sito web che permetta ai clienti di acquistare videogiochi per diverse piattaforme (PS4, PS3, Xbox One, Nintendo Switch, …).</a:t>
             </a:r>
           </a:p>
           <a:p>
@@ -13990,7 +14057,7 @@
                   <a:schemeClr val="tx1"/>
                 </a:solidFill>
               </a:rPr>
-              <a:t> Lo sviluppo di un sito web di questo tipo permetterebbe di ottimizzare i tempi di servizio e di aggiornare i clienti sullo stato degli ordini da essi effettuati. Tale sito web dovrebbe consentire una comunicazione più immediata ed efficace tra gli altri attori del sistema (visitatore, gestore degli ordini, gestore del catalogo, cliente). </a:t>
+              <a:t>Lo sviluppo di un sito web di questo tipo permetterebbe di ottimizzare i tempi di servizio e di aggiornare i clienti sullo stato degli ordini da essi effettuati. Tale sito web dovrebbe consentire una comunicazione più immediata ed efficace tra gli altri attori del sistema (visitatore, gestore degli ordini, gestore del catalogo, cliente). </a:t>
             </a:r>
           </a:p>
           <a:p>
@@ -14389,10 +14456,10 @@
       </p:pic>
       <p:pic>
         <p:nvPicPr>
-          <p:cNvPr id="8" name="Immagine 7">
+          <p:cNvPr id="3" name="Immagine 2">
             <a:extLst>
               <a:ext uri="{FF2B5EF4-FFF2-40B4-BE49-F238E27FC236}">
-                <a16:creationId xmlns:a16="http://schemas.microsoft.com/office/drawing/2014/main" id="{B6D52498-B3A1-4795-968E-5CF226EDA1F5}"/>
+                <a16:creationId xmlns:a16="http://schemas.microsoft.com/office/drawing/2014/main" id="{9E82A8E8-DBE0-473A-BE30-BFBAFD4E4CA4}"/>
               </a:ext>
             </a:extLst>
           </p:cNvPr>
@@ -14401,20 +14468,35 @@
           </p:cNvPicPr>
           <p:nvPr/>
         </p:nvPicPr>
-        <p:blipFill>
-          <a:blip r:embed="rId3"/>
-          <a:stretch>
-            <a:fillRect/>
-          </a:stretch>
+        <p:blipFill rotWithShape="1">
+          <a:blip r:embed="rId3">
+            <a:extLst>
+              <a:ext uri="{28A0092B-C50C-407E-A947-70E740481C1C}">
+                <a14:useLocalDpi xmlns:a14="http://schemas.microsoft.com/office/drawing/2010/main" val="0"/>
+              </a:ext>
+            </a:extLst>
+          </a:blip>
+          <a:srcRect b="21374"/>
+          <a:stretch/>
         </p:blipFill>
         <p:spPr>
           <a:xfrm>
-            <a:off x="3534686" y="514349"/>
-            <a:ext cx="6963747" cy="6173061"/>
+            <a:off x="3740989" y="412986"/>
+            <a:ext cx="7021390" cy="6032027"/>
           </a:xfrm>
           <a:prstGeom prst="rect">
             <a:avLst/>
           </a:prstGeom>
+          <a:ln>
+            <a:noFill/>
+          </a:ln>
+          <a:effectLst>
+            <a:outerShdw blurRad="292100" dist="139700" dir="2700000" algn="tl" rotWithShape="0">
+              <a:srgbClr val="333333">
+                <a:alpha val="65000"/>
+              </a:srgbClr>
+            </a:outerShdw>
+          </a:effectLst>
         </p:spPr>
       </p:pic>
     </p:spTree>
@@ -16005,10 +16087,10 @@
       </p:pic>
       <p:pic>
         <p:nvPicPr>
-          <p:cNvPr id="3" name="Immagine 2">
+          <p:cNvPr id="6" name="Immagine 5">
             <a:extLst>
               <a:ext uri="{FF2B5EF4-FFF2-40B4-BE49-F238E27FC236}">
-                <a16:creationId xmlns:a16="http://schemas.microsoft.com/office/drawing/2014/main" id="{ADCE656B-F15C-4513-881D-42C9272D6876}"/>
+                <a16:creationId xmlns:a16="http://schemas.microsoft.com/office/drawing/2014/main" id="{C01BF4E8-6294-497D-985F-732636E033CD}"/>
               </a:ext>
             </a:extLst>
           </p:cNvPr>
@@ -16017,16 +16099,21 @@
           </p:cNvPicPr>
           <p:nvPr/>
         </p:nvPicPr>
-        <p:blipFill>
-          <a:blip r:embed="rId3"/>
-          <a:stretch>
-            <a:fillRect/>
-          </a:stretch>
+        <p:blipFill rotWithShape="1">
+          <a:blip r:embed="rId3">
+            <a:extLst>
+              <a:ext uri="{28A0092B-C50C-407E-A947-70E740481C1C}">
+                <a14:useLocalDpi xmlns:a14="http://schemas.microsoft.com/office/drawing/2010/main" val="0"/>
+              </a:ext>
+            </a:extLst>
+          </a:blip>
+          <a:srcRect b="14043"/>
+          <a:stretch/>
         </p:blipFill>
         <p:spPr>
           <a:xfrm>
-            <a:off x="699179" y="874658"/>
-            <a:ext cx="11383964" cy="6173061"/>
+            <a:off x="583773" y="1238172"/>
+            <a:ext cx="11833408" cy="5243480"/>
           </a:xfrm>
           <a:prstGeom prst="rect">
             <a:avLst/>
@@ -16115,10 +16202,45 @@
       </p:sp>
       <p:pic>
         <p:nvPicPr>
-          <p:cNvPr id="6" name="Immagine 5">
+          <p:cNvPr id="4" name="Immagine 3">
             <a:extLst>
               <a:ext uri="{FF2B5EF4-FFF2-40B4-BE49-F238E27FC236}">
-                <a16:creationId xmlns:a16="http://schemas.microsoft.com/office/drawing/2014/main" id="{323989BE-F324-4809-B065-EE1201066F88}"/>
+                <a16:creationId xmlns:a16="http://schemas.microsoft.com/office/drawing/2014/main" id="{1E587C6B-F1E8-4C3A-B876-C89A997D7682}"/>
+              </a:ext>
+            </a:extLst>
+          </p:cNvPr>
+          <p:cNvPicPr>
+            <a:picLocks noChangeAspect="1"/>
+          </p:cNvPicPr>
+          <p:nvPr/>
+        </p:nvPicPr>
+        <p:blipFill rotWithShape="1">
+          <a:blip r:embed="rId2">
+            <a:extLst>
+              <a:ext uri="{28A0092B-C50C-407E-A947-70E740481C1C}">
+                <a14:useLocalDpi xmlns:a14="http://schemas.microsoft.com/office/drawing/2010/main" val="0"/>
+              </a:ext>
+            </a:extLst>
+          </a:blip>
+          <a:srcRect b="20559"/>
+          <a:stretch/>
+        </p:blipFill>
+        <p:spPr>
+          <a:xfrm>
+            <a:off x="1610286" y="1045788"/>
+            <a:ext cx="8971428" cy="4766423"/>
+          </a:xfrm>
+          <a:prstGeom prst="rect">
+            <a:avLst/>
+          </a:prstGeom>
+        </p:spPr>
+      </p:pic>
+      <p:pic>
+        <p:nvPicPr>
+          <p:cNvPr id="7" name="Immagine 6">
+            <a:extLst>
+              <a:ext uri="{FF2B5EF4-FFF2-40B4-BE49-F238E27FC236}">
+                <a16:creationId xmlns:a16="http://schemas.microsoft.com/office/drawing/2014/main" id="{A047DB19-628D-45E7-90CA-86F330D9FE73}"/>
               </a:ext>
             </a:extLst>
           </p:cNvPr>
@@ -16128,19 +16250,35 @@
           <p:nvPr/>
         </p:nvPicPr>
         <p:blipFill>
-          <a:blip r:embed="rId2"/>
+          <a:blip r:embed="rId3">
+            <a:extLst>
+              <a:ext uri="{28A0092B-C50C-407E-A947-70E740481C1C}">
+                <a14:useLocalDpi xmlns:a14="http://schemas.microsoft.com/office/drawing/2010/main" val="0"/>
+              </a:ext>
+            </a:extLst>
+          </a:blip>
           <a:stretch>
             <a:fillRect/>
           </a:stretch>
         </p:blipFill>
         <p:spPr>
           <a:xfrm>
-            <a:off x="404018" y="684939"/>
-            <a:ext cx="11383964" cy="6173061"/>
+            <a:off x="10330374" y="6198326"/>
+            <a:ext cx="1752769" cy="566653"/>
           </a:xfrm>
           <a:prstGeom prst="rect">
             <a:avLst/>
           </a:prstGeom>
+          <a:ln>
+            <a:noFill/>
+          </a:ln>
+          <a:effectLst>
+            <a:outerShdw blurRad="292100" dist="139700" dir="2700000" algn="tl" rotWithShape="0">
+              <a:srgbClr val="333333">
+                <a:alpha val="65000"/>
+              </a:srgbClr>
+            </a:outerShdw>
+          </a:effectLst>
         </p:spPr>
       </p:pic>
     </p:spTree>
@@ -16247,6 +16385,16 @@
           <a:prstGeom prst="rect">
             <a:avLst/>
           </a:prstGeom>
+          <a:ln>
+            <a:noFill/>
+          </a:ln>
+          <a:effectLst>
+            <a:outerShdw blurRad="292100" dist="139700" dir="2700000" algn="tl" rotWithShape="0">
+              <a:srgbClr val="333333">
+                <a:alpha val="65000"/>
+              </a:srgbClr>
+            </a:outerShdw>
+          </a:effectLst>
         </p:spPr>
       </p:pic>
       <p:sp>
@@ -19180,36 +19328,6 @@
       </p:sp>
       <p:pic>
         <p:nvPicPr>
-          <p:cNvPr id="9" name="Immagine 8">
-            <a:extLst>
-              <a:ext uri="{FF2B5EF4-FFF2-40B4-BE49-F238E27FC236}">
-                <a16:creationId xmlns:a16="http://schemas.microsoft.com/office/drawing/2014/main" id="{7FEAF069-C6EC-43D7-AA26-0BE74EC86BCA}"/>
-              </a:ext>
-            </a:extLst>
-          </p:cNvPr>
-          <p:cNvPicPr>
-            <a:picLocks noChangeAspect="1"/>
-          </p:cNvPicPr>
-          <p:nvPr/>
-        </p:nvPicPr>
-        <p:blipFill>
-          <a:blip r:embed="rId2"/>
-          <a:stretch>
-            <a:fillRect/>
-          </a:stretch>
-        </p:blipFill>
-        <p:spPr>
-          <a:xfrm>
-            <a:off x="2659908" y="1604709"/>
-            <a:ext cx="6872184" cy="3648581"/>
-          </a:xfrm>
-          <a:prstGeom prst="rect">
-            <a:avLst/>
-          </a:prstGeom>
-        </p:spPr>
-      </p:pic>
-      <p:pic>
-        <p:nvPicPr>
           <p:cNvPr id="4" name="Immagine 3">
             <a:extLst>
               <a:ext uri="{FF2B5EF4-FFF2-40B4-BE49-F238E27FC236}">
@@ -19223,7 +19341,7 @@
           <p:nvPr/>
         </p:nvPicPr>
         <p:blipFill>
-          <a:blip r:embed="rId3">
+          <a:blip r:embed="rId2">
             <a:extLst>
               <a:ext uri="{28A0092B-C50C-407E-A947-70E740481C1C}">
                 <a14:useLocalDpi xmlns:a14="http://schemas.microsoft.com/office/drawing/2010/main" val="0"/>
@@ -19238,6 +19356,51 @@
           <a:xfrm>
             <a:off x="10330374" y="6198326"/>
             <a:ext cx="1752769" cy="566653"/>
+          </a:xfrm>
+          <a:prstGeom prst="rect">
+            <a:avLst/>
+          </a:prstGeom>
+          <a:ln>
+            <a:noFill/>
+          </a:ln>
+          <a:effectLst>
+            <a:outerShdw blurRad="292100" dist="139700" dir="2700000" algn="tl" rotWithShape="0">
+              <a:srgbClr val="333333">
+                <a:alpha val="65000"/>
+              </a:srgbClr>
+            </a:outerShdw>
+          </a:effectLst>
+        </p:spPr>
+      </p:pic>
+      <p:pic>
+        <p:nvPicPr>
+          <p:cNvPr id="5" name="Immagine 4">
+            <a:extLst>
+              <a:ext uri="{FF2B5EF4-FFF2-40B4-BE49-F238E27FC236}">
+                <a16:creationId xmlns:a16="http://schemas.microsoft.com/office/drawing/2014/main" id="{E05CED7A-85B4-434C-ABF7-0E425C3AB961}"/>
+              </a:ext>
+            </a:extLst>
+          </p:cNvPr>
+          <p:cNvPicPr>
+            <a:picLocks noChangeAspect="1"/>
+          </p:cNvPicPr>
+          <p:nvPr/>
+        </p:nvPicPr>
+        <p:blipFill rotWithShape="1">
+          <a:blip r:embed="rId3">
+            <a:extLst>
+              <a:ext uri="{28A0092B-C50C-407E-A947-70E740481C1C}">
+                <a14:useLocalDpi xmlns:a14="http://schemas.microsoft.com/office/drawing/2010/main" val="0"/>
+              </a:ext>
+            </a:extLst>
+          </a:blip>
+          <a:srcRect b="49767"/>
+          <a:stretch/>
+        </p:blipFill>
+        <p:spPr>
+          <a:xfrm>
+            <a:off x="2985316" y="1876592"/>
+            <a:ext cx="6221368" cy="3104816"/>
           </a:xfrm>
           <a:prstGeom prst="rect">
             <a:avLst/>
@@ -20236,10 +20399,10 @@
       </p:sp>
       <p:pic>
         <p:nvPicPr>
-          <p:cNvPr id="11" name="Immagine 10">
+          <p:cNvPr id="3" name="Immagine 2">
             <a:extLst>
               <a:ext uri="{FF2B5EF4-FFF2-40B4-BE49-F238E27FC236}">
-                <a16:creationId xmlns:a16="http://schemas.microsoft.com/office/drawing/2014/main" id="{F410F9E1-CE8D-4E70-9C26-51EC405C1597}"/>
+                <a16:creationId xmlns:a16="http://schemas.microsoft.com/office/drawing/2014/main" id="{614BC9C1-F01D-47C2-AB7A-FA2FAD0DF049}"/>
               </a:ext>
             </a:extLst>
           </p:cNvPr>
@@ -20248,16 +20411,21 @@
           </p:cNvPicPr>
           <p:nvPr/>
         </p:nvPicPr>
-        <p:blipFill>
-          <a:blip r:embed="rId3"/>
-          <a:stretch>
-            <a:fillRect/>
-          </a:stretch>
+        <p:blipFill rotWithShape="1">
+          <a:blip r:embed="rId3">
+            <a:extLst>
+              <a:ext uri="{28A0092B-C50C-407E-A947-70E740481C1C}">
+                <a14:useLocalDpi xmlns:a14="http://schemas.microsoft.com/office/drawing/2010/main" val="0"/>
+              </a:ext>
+            </a:extLst>
+          </a:blip>
+          <a:srcRect b="21919"/>
+          <a:stretch/>
         </p:blipFill>
         <p:spPr>
           <a:xfrm>
-            <a:off x="2088140" y="1157263"/>
-            <a:ext cx="8015720" cy="4543474"/>
+            <a:off x="1945906" y="1112334"/>
+            <a:ext cx="8300188" cy="4633332"/>
           </a:xfrm>
           <a:prstGeom prst="rect">
             <a:avLst/>
@@ -21955,8 +22123,8 @@
         </p:nvSpPr>
         <p:spPr>
           <a:xfrm>
-            <a:off x="3999621" y="-9203"/>
-            <a:ext cx="4192758" cy="771101"/>
+            <a:off x="3741327" y="0"/>
+            <a:ext cx="4709346" cy="699159"/>
           </a:xfrm>
           <a:prstGeom prst="rect">
             <a:avLst/>
@@ -21965,7 +22133,7 @@
         </p:spPr>
         <p:txBody>
           <a:bodyPr vert="horz" lIns="91440" tIns="45720" rIns="91440" bIns="45720" rtlCol="0" anchor="ctr">
-            <a:normAutofit fontScale="97500"/>
+            <a:normAutofit fontScale="82500" lnSpcReduction="10000"/>
           </a:bodyPr>
           <a:lstStyle>
             <a:lvl1pPr algn="l" defTabSz="457200" rtl="0" eaLnBrk="1" latinLnBrk="0" hangingPunct="1">
@@ -22046,7 +22214,7 @@
           <a:p>
             <a:r>
               <a:rPr lang="it-IT" sz="3200" cap="none" dirty="0"/>
-              <a:t>PACKAGE DIAGRAM</a:t>
+              <a:t>CLASS INTERFACE DIAGRAM</a:t>
             </a:r>
             <a:endParaRPr lang="it-IT" sz="3200" dirty="0"/>
           </a:p>
